--- a/externals/cmsis/CMSIS_5/CMSIS/DoxyGen/DAP/CMSIS_DAP2.pptx
+++ b/externals/cmsis/CMSIS_5/CMSIS/DoxyGen/DAP/CMSIS_DAP2.pptx
@@ -5,14 +5,17 @@
     <p:sldMasterId id="2147483648" r:id="rId5"/>
   </p:sldMasterIdLst>
   <p:notesMasterIdLst>
-    <p:notesMasterId r:id="rId8"/>
+    <p:notesMasterId r:id="rId11"/>
   </p:notesMasterIdLst>
   <p:handoutMasterIdLst>
-    <p:handoutMasterId r:id="rId9"/>
+    <p:handoutMasterId r:id="rId12"/>
   </p:handoutMasterIdLst>
   <p:sldIdLst>
     <p:sldId id="348" r:id="rId6"/>
     <p:sldId id="349" r:id="rId7"/>
+    <p:sldId id="350" r:id="rId8"/>
+    <p:sldId id="351" r:id="rId9"/>
+    <p:sldId id="352" r:id="rId10"/>
   </p:sldIdLst>
   <p:sldSz cx="9144000" cy="5143500" type="screen16x9"/>
   <p:notesSz cx="6858000" cy="9144000"/>
@@ -111,6 +114,46 @@
       </a:defRPr>
     </a:lvl9pPr>
   </p:defaultTextStyle>
+  <p:extLst>
+    <p:ext uri="{EFAFB233-063F-42B5-8137-9DF3F51BA10A}">
+      <p15:sldGuideLst xmlns:p15="http://schemas.microsoft.com/office/powerpoint/2012/main">
+        <p15:guide id="1" orient="horz" pos="954">
+          <p15:clr>
+            <a:srgbClr val="A4A3A4"/>
+          </p15:clr>
+        </p15:guide>
+        <p15:guide id="2" orient="horz" pos="3059">
+          <p15:clr>
+            <a:srgbClr val="A4A3A4"/>
+          </p15:clr>
+        </p15:guide>
+        <p15:guide id="3" pos="386">
+          <p15:clr>
+            <a:srgbClr val="A4A3A4"/>
+          </p15:clr>
+        </p15:guide>
+        <p15:guide id="4" pos="5187">
+          <p15:clr>
+            <a:srgbClr val="A4A3A4"/>
+          </p15:clr>
+        </p15:guide>
+      </p15:sldGuideLst>
+    </p:ext>
+    <p:ext uri="{2D200454-40CA-4A62-9FC3-DE9A4176ACB9}">
+      <p15:notesGuideLst xmlns:p15="http://schemas.microsoft.com/office/powerpoint/2012/main">
+        <p15:guide id="1" orient="horz" pos="2880">
+          <p15:clr>
+            <a:srgbClr val="A4A3A4"/>
+          </p15:clr>
+        </p15:guide>
+        <p15:guide id="2" pos="2160">
+          <p15:clr>
+            <a:srgbClr val="A4A3A4"/>
+          </p15:clr>
+        </p15:guide>
+      </p15:notesGuideLst>
+    </p:ext>
+  </p:extLst>
 </p:presentation>
 </file>
 
@@ -207,7 +250,7 @@
               <a:rPr lang="en-US" smtClean="0">
                 <a:latin typeface="Gill Sans MT"/>
               </a:rPr>
-              <a:t>3/6/2017</a:t>
+              <a:t>5/20/2021</a:t>
             </a:fld>
             <a:endParaRPr lang="en-US" dirty="0">
               <a:latin typeface="Gill Sans MT"/>
@@ -386,7 +429,7 @@
             <a:fld id="{49FE4451-D2A5-554E-B842-8C4F3752E2A4}" type="datetimeFigureOut">
               <a:rPr lang="en-US" smtClean="0"/>
               <a:pPr/>
-              <a:t>3/6/2017</a:t>
+              <a:t>5/20/2021</a:t>
             </a:fld>
             <a:endParaRPr lang="en-US" dirty="0"/>
           </a:p>
@@ -450,35 +493,35 @@
           <a:p>
             <a:pPr lvl="0"/>
             <a:r>
-              <a:rPr lang="en-GB" dirty="0" smtClean="0"/>
+              <a:rPr lang="en-GB" dirty="0"/>
               <a:t>Click to edit Master text styles</a:t>
             </a:r>
           </a:p>
           <a:p>
             <a:pPr lvl="1"/>
             <a:r>
-              <a:rPr lang="en-GB" dirty="0" smtClean="0"/>
+              <a:rPr lang="en-GB" dirty="0"/>
               <a:t>Second level</a:t>
             </a:r>
           </a:p>
           <a:p>
             <a:pPr lvl="2"/>
             <a:r>
-              <a:rPr lang="en-GB" dirty="0" smtClean="0"/>
+              <a:rPr lang="en-GB" dirty="0"/>
               <a:t>Third level</a:t>
             </a:r>
           </a:p>
           <a:p>
             <a:pPr lvl="3"/>
             <a:r>
-              <a:rPr lang="en-GB" dirty="0" smtClean="0"/>
+              <a:rPr lang="en-GB" dirty="0"/>
               <a:t>Fourth level</a:t>
             </a:r>
           </a:p>
           <a:p>
             <a:pPr lvl="4"/>
             <a:r>
-              <a:rPr lang="en-GB" dirty="0" smtClean="0"/>
+              <a:rPr lang="en-GB" dirty="0"/>
               <a:t>Fifth level</a:t>
             </a:r>
             <a:endParaRPr lang="en-US" dirty="0"/>
@@ -713,7 +756,7 @@
           <a:bodyPr/>
           <a:lstStyle/>
           <a:p>
-            <a:endParaRPr lang="en-US" dirty="0" smtClean="0">
+            <a:endParaRPr lang="en-US" dirty="0">
               <a:latin typeface="Arial" charset="0"/>
             </a:endParaRPr>
           </a:p>
@@ -741,7 +784,7 @@
               <a:pPr/>
               <a:t>1</a:t>
             </a:fld>
-            <a:endParaRPr lang="en-GB" dirty="0" smtClean="0"/>
+            <a:endParaRPr lang="en-GB" dirty="0"/>
           </a:p>
         </p:txBody>
       </p:sp>
@@ -806,7 +849,7 @@
           <a:bodyPr/>
           <a:lstStyle/>
           <a:p>
-            <a:endParaRPr lang="en-US" dirty="0" smtClean="0">
+            <a:endParaRPr lang="en-US" dirty="0">
               <a:latin typeface="Arial" charset="0"/>
             </a:endParaRPr>
           </a:p>
@@ -834,11 +877,109 @@
               <a:pPr/>
               <a:t>2</a:t>
             </a:fld>
-            <a:endParaRPr lang="en-GB" dirty="0" smtClean="0"/>
+            <a:endParaRPr lang="en-GB" dirty="0"/>
           </a:p>
         </p:txBody>
       </p:sp>
     </p:spTree>
+  </p:cSld>
+  <p:clrMapOvr>
+    <a:masterClrMapping/>
+  </p:clrMapOvr>
+</p:notes>
+</file>
+
+<file path=ppt/notesSlides/notesSlide3.xml><?xml version="1.0" encoding="utf-8"?>
+<p:notes xmlns:a="http://schemas.openxmlformats.org/drawingml/2006/main" xmlns:r="http://schemas.openxmlformats.org/officeDocument/2006/relationships" xmlns:p="http://schemas.openxmlformats.org/presentationml/2006/main">
+  <p:cSld>
+    <p:spTree>
+      <p:nvGrpSpPr>
+        <p:cNvPr id="1" name=""/>
+        <p:cNvGrpSpPr/>
+        <p:nvPr/>
+      </p:nvGrpSpPr>
+      <p:grpSpPr>
+        <a:xfrm>
+          <a:off x="0" y="0"/>
+          <a:ext cx="0" cy="0"/>
+          <a:chOff x="0" y="0"/>
+          <a:chExt cx="0" cy="0"/>
+        </a:xfrm>
+      </p:grpSpPr>
+      <p:sp>
+        <p:nvSpPr>
+          <p:cNvPr id="46082" name="Slide Image Placeholder 1"/>
+          <p:cNvSpPr>
+            <a:spLocks noGrp="1" noRot="1" noChangeAspect="1" noTextEdit="1"/>
+          </p:cNvSpPr>
+          <p:nvPr>
+            <p:ph type="sldImg"/>
+          </p:nvPr>
+        </p:nvSpPr>
+        <p:spPr>
+          <a:xfrm>
+            <a:off x="381000" y="685800"/>
+            <a:ext cx="6096000" cy="3429000"/>
+          </a:xfrm>
+          <a:ln/>
+        </p:spPr>
+      </p:sp>
+      <p:sp>
+        <p:nvSpPr>
+          <p:cNvPr id="46083" name="Notes Placeholder 2"/>
+          <p:cNvSpPr>
+            <a:spLocks noGrp="1"/>
+          </p:cNvSpPr>
+          <p:nvPr>
+            <p:ph type="body" idx="1"/>
+          </p:nvPr>
+        </p:nvSpPr>
+        <p:spPr>
+          <a:noFill/>
+          <a:ln/>
+        </p:spPr>
+        <p:txBody>
+          <a:bodyPr/>
+          <a:lstStyle/>
+          <a:p>
+            <a:endParaRPr lang="en-US" dirty="0">
+              <a:latin typeface="Arial" charset="0"/>
+            </a:endParaRPr>
+          </a:p>
+        </p:txBody>
+      </p:sp>
+      <p:sp>
+        <p:nvSpPr>
+          <p:cNvPr id="46084" name="Slide Number Placeholder 3"/>
+          <p:cNvSpPr>
+            <a:spLocks noGrp="1"/>
+          </p:cNvSpPr>
+          <p:nvPr>
+            <p:ph type="sldNum" sz="quarter" idx="5"/>
+          </p:nvPr>
+        </p:nvSpPr>
+        <p:spPr>
+          <a:noFill/>
+        </p:spPr>
+        <p:txBody>
+          <a:bodyPr/>
+          <a:lstStyle/>
+          <a:p>
+            <a:fld id="{B62451D7-7D34-4DBF-8A39-D942B9F7BAD4}" type="slidenum">
+              <a:rPr lang="en-GB" smtClean="0"/>
+              <a:pPr/>
+              <a:t>3</a:t>
+            </a:fld>
+            <a:endParaRPr lang="en-GB" dirty="0"/>
+          </a:p>
+        </p:txBody>
+      </p:sp>
+    </p:spTree>
+    <p:extLst>
+      <p:ext uri="{BB962C8B-B14F-4D97-AF65-F5344CB8AC3E}">
+        <p14:creationId xmlns:p14="http://schemas.microsoft.com/office/powerpoint/2010/main" val="441315959"/>
+      </p:ext>
+    </p:extLst>
   </p:cSld>
   <p:clrMapOvr>
     <a:masterClrMapping/>
@@ -912,17 +1053,16 @@
           </a:lstStyle>
           <a:p>
             <a:r>
-              <a:rPr lang="en-GB" noProof="0" dirty="0" smtClean="0"/>
+              <a:rPr lang="en-GB" noProof="0" dirty="0"/>
               <a:t>Click to edit </a:t>
             </a:r>
             <a:br>
-              <a:rPr lang="en-GB" noProof="0" dirty="0" smtClean="0"/>
+              <a:rPr lang="en-GB" noProof="0" dirty="0"/>
             </a:br>
             <a:r>
-              <a:rPr lang="en-GB" noProof="0" dirty="0" smtClean="0"/>
+              <a:rPr lang="en-GB" noProof="0" dirty="0"/>
               <a:t>master title style</a:t>
             </a:r>
-            <a:endParaRPr lang="en-GB" noProof="0" dirty="0"/>
           </a:p>
         </p:txBody>
       </p:sp>
@@ -1047,13 +1187,13 @@
           <a:p>
             <a:pPr lvl="0"/>
             <a:r>
-              <a:rPr lang="en-GB" noProof="0" dirty="0" smtClean="0"/>
+              <a:rPr lang="en-GB" noProof="0" dirty="0"/>
               <a:t>Speaker name</a:t>
             </a:r>
           </a:p>
           <a:p>
             <a:pPr lvl="0"/>
-            <a:endParaRPr lang="en-GB" noProof="0" dirty="0" smtClean="0"/>
+            <a:endParaRPr lang="en-GB" noProof="0" dirty="0"/>
           </a:p>
         </p:txBody>
       </p:sp>
@@ -1148,7 +1288,7 @@
           <a:p>
             <a:pPr lvl="0"/>
             <a:r>
-              <a:rPr lang="en-GB" noProof="0" dirty="0" smtClean="0"/>
+              <a:rPr lang="en-GB" noProof="0" dirty="0"/>
               <a:t>Location / Meeting / Speaking venue</a:t>
             </a:r>
           </a:p>
@@ -1185,7 +1325,7 @@
           <a:p>
             <a:pPr lvl="0"/>
             <a:r>
-              <a:rPr lang="en-GB" dirty="0" smtClean="0"/>
+              <a:rPr lang="en-GB" dirty="0"/>
               <a:t>Title / Affiliation</a:t>
             </a:r>
             <a:endParaRPr lang="en-US" dirty="0"/>
@@ -1283,7 +1423,7 @@
           <a:p>
             <a:pPr lvl="0"/>
             <a:r>
-              <a:rPr lang="en-GB" noProof="0" dirty="0" smtClean="0"/>
+              <a:rPr lang="en-GB" noProof="0" dirty="0"/>
               <a:t>Month / day / year</a:t>
             </a:r>
           </a:p>
@@ -1299,13 +1439,6 @@
   <p:clrMapOvr>
     <a:masterClrMapping/>
   </p:clrMapOvr>
-  <p:timing>
-    <p:tnLst>
-      <p:par>
-        <p:cTn id="1" dur="indefinite" restart="never" nodeType="tmRoot"/>
-      </p:par>
-    </p:tnLst>
-  </p:timing>
 </p:sldLayout>
 </file>
 
@@ -1347,10 +1480,9 @@
           <a:lstStyle/>
           <a:p>
             <a:r>
-              <a:rPr lang="en-GB" noProof="0" dirty="0" smtClean="0"/>
+              <a:rPr lang="en-GB" noProof="0" dirty="0"/>
               <a:t>Click to edit master title style</a:t>
             </a:r>
-            <a:endParaRPr lang="en-GB" noProof="0" dirty="0"/>
           </a:p>
         </p:txBody>
       </p:sp>
@@ -1450,28 +1582,28 @@
           <a:p>
             <a:pPr lvl="0"/>
             <a:r>
-              <a:rPr lang="en-GB" noProof="0" dirty="0" smtClean="0"/>
+              <a:rPr lang="en-GB" noProof="0" dirty="0"/>
               <a:t>Click to edit master text styles</a:t>
             </a:r>
           </a:p>
           <a:p>
             <a:pPr lvl="1"/>
             <a:r>
-              <a:rPr lang="en-GB" noProof="0" dirty="0" smtClean="0"/>
+              <a:rPr lang="en-GB" noProof="0" dirty="0"/>
               <a:t>Second level</a:t>
             </a:r>
           </a:p>
           <a:p>
             <a:pPr lvl="2"/>
             <a:r>
-              <a:rPr lang="en-GB" noProof="0" dirty="0" smtClean="0"/>
+              <a:rPr lang="en-GB" noProof="0" dirty="0"/>
               <a:t>Third level</a:t>
             </a:r>
           </a:p>
           <a:p>
             <a:pPr lvl="3"/>
             <a:r>
-              <a:rPr lang="en-GB" noProof="0" dirty="0" smtClean="0"/>
+              <a:rPr lang="en-GB" noProof="0" dirty="0"/>
               <a:t>Fourth level</a:t>
             </a:r>
           </a:p>
@@ -1487,13 +1619,6 @@
   <p:clrMapOvr>
     <a:masterClrMapping/>
   </p:clrMapOvr>
-  <p:timing>
-    <p:tnLst>
-      <p:par>
-        <p:cTn id="1" dur="indefinite" restart="never" nodeType="tmRoot"/>
-      </p:par>
-    </p:tnLst>
-  </p:timing>
 </p:sldLayout>
 </file>
 
@@ -1563,10 +1688,9 @@
           <a:lstStyle/>
           <a:p>
             <a:r>
-              <a:rPr lang="en-GB" noProof="0" dirty="0" smtClean="0"/>
+              <a:rPr lang="en-GB" noProof="0" dirty="0"/>
               <a:t>Click to edit master title style</a:t>
             </a:r>
-            <a:endParaRPr lang="en-GB" noProof="0" dirty="0"/>
           </a:p>
         </p:txBody>
       </p:sp>
@@ -1638,28 +1762,28 @@
           <a:p>
             <a:pPr lvl="0"/>
             <a:r>
-              <a:rPr lang="en-GB" noProof="0" dirty="0" smtClean="0"/>
+              <a:rPr lang="en-GB" noProof="0" dirty="0"/>
               <a:t>Click to edit master text styles</a:t>
             </a:r>
           </a:p>
           <a:p>
             <a:pPr lvl="1"/>
             <a:r>
-              <a:rPr lang="en-GB" noProof="0" dirty="0" smtClean="0"/>
+              <a:rPr lang="en-GB" noProof="0" dirty="0"/>
               <a:t>Second level</a:t>
             </a:r>
           </a:p>
           <a:p>
             <a:pPr lvl="2"/>
             <a:r>
-              <a:rPr lang="en-GB" noProof="0" dirty="0" smtClean="0"/>
+              <a:rPr lang="en-GB" noProof="0" dirty="0"/>
               <a:t>Third level</a:t>
             </a:r>
           </a:p>
           <a:p>
             <a:pPr lvl="3"/>
             <a:r>
-              <a:rPr lang="en-GB" noProof="0" dirty="0" smtClean="0"/>
+              <a:rPr lang="en-GB" noProof="0" dirty="0"/>
               <a:t>Fourth level</a:t>
             </a:r>
           </a:p>
@@ -1675,13 +1799,6 @@
   <p:clrMapOvr>
     <a:masterClrMapping/>
   </p:clrMapOvr>
-  <p:timing>
-    <p:tnLst>
-      <p:par>
-        <p:cTn id="1" dur="indefinite" restart="never" nodeType="tmRoot"/>
-      </p:par>
-    </p:tnLst>
-  </p:timing>
 </p:sldLayout>
 </file>
 
@@ -1723,10 +1840,9 @@
           <a:lstStyle/>
           <a:p>
             <a:r>
-              <a:rPr lang="en-GB" noProof="0" dirty="0" smtClean="0"/>
+              <a:rPr lang="en-GB" noProof="0" dirty="0"/>
               <a:t>Click to edit master title style</a:t>
             </a:r>
-            <a:endParaRPr lang="en-GB" noProof="0" dirty="0"/>
           </a:p>
         </p:txBody>
       </p:sp>
@@ -1768,13 +1884,6 @@
   <p:clrMapOvr>
     <a:masterClrMapping/>
   </p:clrMapOvr>
-  <p:timing>
-    <p:tnLst>
-      <p:par>
-        <p:cTn id="1" dur="indefinite" restart="never" nodeType="tmRoot"/>
-      </p:par>
-    </p:tnLst>
-  </p:timing>
 </p:sldLayout>
 </file>
 
@@ -1840,10 +1949,9 @@
           <a:lstStyle/>
           <a:p>
             <a:r>
-              <a:rPr lang="en-GB" noProof="0" dirty="0" smtClean="0"/>
+              <a:rPr lang="en-GB" noProof="0" dirty="0"/>
               <a:t>Click to edit master title style</a:t>
             </a:r>
-            <a:endParaRPr lang="en-GB" noProof="0" dirty="0"/>
           </a:p>
         </p:txBody>
       </p:sp>
@@ -1857,13 +1965,6 @@
   <p:clrMapOvr>
     <a:masterClrMapping/>
   </p:clrMapOvr>
-  <p:timing>
-    <p:tnLst>
-      <p:par>
-        <p:cTn id="1" dur="indefinite" restart="never" nodeType="tmRoot"/>
-      </p:par>
-    </p:tnLst>
-  </p:timing>
 </p:sldLayout>
 </file>
 
@@ -1933,7 +2034,7 @@
           <a:lstStyle/>
           <a:p>
             <a:r>
-              <a:rPr lang="en-US" smtClean="0"/>
+              <a:rPr lang="en-US"/>
               <a:t>Click to edit Master title style</a:t>
             </a:r>
             <a:endParaRPr lang="en-GB"/>
@@ -1950,13 +2051,6 @@
   <p:clrMapOvr>
     <a:masterClrMapping/>
   </p:clrMapOvr>
-  <p:timing>
-    <p:tnLst>
-      <p:par>
-        <p:cTn id="1" dur="indefinite" restart="never" nodeType="tmRoot"/>
-      </p:par>
-    </p:tnLst>
-  </p:timing>
 </p:sldLayout>
 </file>
 
@@ -2078,7 +2172,7 @@
           <a:p>
             <a:pPr lvl="0"/>
             <a:r>
-              <a:rPr lang="en-GB" noProof="0" dirty="0" smtClean="0"/>
+              <a:rPr lang="en-GB" noProof="0" dirty="0"/>
               <a:t>Click to edit master text styles</a:t>
             </a:r>
           </a:p>
@@ -2205,7 +2299,7 @@
           </a:lstStyle>
           <a:p>
             <a:r>
-              <a:rPr lang="en-GB" dirty="0" smtClean="0">
+              <a:rPr lang="en-GB" dirty="0">
                 <a:solidFill>
                   <a:srgbClr val="FFFFFF"/>
                 </a:solidFill>
@@ -2213,12 +2307,6 @@
               </a:rPr>
               <a:t>© ARM 2015 </a:t>
             </a:r>
-            <a:endParaRPr lang="en-GB" dirty="0">
-              <a:solidFill>
-                <a:srgbClr val="FFFFFF"/>
-              </a:solidFill>
-              <a:latin typeface="Gill Sans MT"/>
-            </a:endParaRPr>
           </a:p>
         </p:txBody>
       </p:sp>
@@ -2424,7 +2512,7 @@
           <a:p>
             <a:pPr lvl="0"/>
             <a:r>
-              <a:rPr lang="en-GB" noProof="0" dirty="0" smtClean="0"/>
+              <a:rPr lang="en-GB" noProof="0" dirty="0"/>
               <a:t>Click to edit Master text styles</a:t>
             </a:r>
           </a:p>
@@ -2440,13 +2528,6 @@
   <p:clrMapOvr>
     <a:masterClrMapping/>
   </p:clrMapOvr>
-  <p:timing>
-    <p:tnLst>
-      <p:par>
-        <p:cTn id="1" dur="indefinite" restart="never" nodeType="tmRoot"/>
-      </p:par>
-    </p:tnLst>
-  </p:timing>
 </p:sldLayout>
 </file>
 
@@ -2516,17 +2597,16 @@
           </a:lstStyle>
           <a:p>
             <a:r>
-              <a:rPr lang="en-GB" noProof="0" dirty="0" smtClean="0"/>
+              <a:rPr lang="en-GB" noProof="0" dirty="0"/>
               <a:t>Click to edit </a:t>
             </a:r>
             <a:br>
-              <a:rPr lang="en-GB" noProof="0" dirty="0" smtClean="0"/>
+              <a:rPr lang="en-GB" noProof="0" dirty="0"/>
             </a:br>
             <a:r>
-              <a:rPr lang="en-GB" noProof="0" dirty="0" smtClean="0"/>
+              <a:rPr lang="en-GB" noProof="0" dirty="0"/>
               <a:t>master title style</a:t>
             </a:r>
-            <a:endParaRPr lang="en-GB" noProof="0" dirty="0"/>
           </a:p>
         </p:txBody>
       </p:sp>
@@ -2645,14 +2725,14 @@
           <a:p>
             <a:pPr lvl="0"/>
             <a:r>
-              <a:rPr lang="en-GB" noProof="0" dirty="0" smtClean="0"/>
+              <a:rPr lang="en-GB" noProof="0" dirty="0"/>
               <a:t>Click to edit master text styles</a:t>
             </a:r>
           </a:p>
           <a:p>
             <a:pPr lvl="1"/>
             <a:r>
-              <a:rPr lang="en-GB" noProof="0" dirty="0" smtClean="0"/>
+              <a:rPr lang="en-GB" noProof="0" dirty="0"/>
               <a:t>Second level</a:t>
             </a:r>
           </a:p>
@@ -2668,13 +2748,6 @@
   <p:clrMapOvr>
     <a:masterClrMapping/>
   </p:clrMapOvr>
-  <p:timing>
-    <p:tnLst>
-      <p:par>
-        <p:cTn id="1" dur="indefinite" restart="never" nodeType="tmRoot"/>
-      </p:par>
-    </p:tnLst>
-  </p:timing>
 </p:sldLayout>
 </file>
 
@@ -2711,7 +2784,7 @@
           <a:lstStyle/>
           <a:p>
             <a:r>
-              <a:rPr lang="en-US" smtClean="0"/>
+              <a:rPr lang="en-US"/>
               <a:t>Click to edit Master title style</a:t>
             </a:r>
             <a:endParaRPr lang="en-GB"/>
@@ -2735,35 +2808,35 @@
           <a:p>
             <a:pPr lvl="0"/>
             <a:r>
-              <a:rPr lang="en-US" smtClean="0"/>
+              <a:rPr lang="en-US"/>
               <a:t>Click to edit Master text styles</a:t>
             </a:r>
           </a:p>
           <a:p>
             <a:pPr lvl="1"/>
             <a:r>
-              <a:rPr lang="en-US" smtClean="0"/>
+              <a:rPr lang="en-US"/>
               <a:t>Second level</a:t>
             </a:r>
           </a:p>
           <a:p>
             <a:pPr lvl="2"/>
             <a:r>
-              <a:rPr lang="en-US" smtClean="0"/>
+              <a:rPr lang="en-US"/>
               <a:t>Third level</a:t>
             </a:r>
           </a:p>
           <a:p>
             <a:pPr lvl="3"/>
             <a:r>
-              <a:rPr lang="en-US" smtClean="0"/>
+              <a:rPr lang="en-US"/>
               <a:t>Fourth level</a:t>
             </a:r>
           </a:p>
           <a:p>
             <a:pPr lvl="4"/>
             <a:r>
-              <a:rPr lang="en-US" smtClean="0"/>
+              <a:rPr lang="en-US"/>
               <a:t>Fifth level</a:t>
             </a:r>
             <a:endParaRPr lang="en-GB"/>
@@ -2850,17 +2923,16 @@
           </a:lstStyle>
           <a:p>
             <a:r>
-              <a:rPr lang="en-GB" noProof="0" dirty="0" smtClean="0"/>
+              <a:rPr lang="en-GB" noProof="0" dirty="0"/>
               <a:t>Click to edit </a:t>
             </a:r>
             <a:br>
-              <a:rPr lang="en-GB" noProof="0" dirty="0" smtClean="0"/>
+              <a:rPr lang="en-GB" noProof="0" dirty="0"/>
             </a:br>
             <a:r>
-              <a:rPr lang="en-GB" noProof="0" dirty="0" smtClean="0"/>
+              <a:rPr lang="en-GB" noProof="0" dirty="0"/>
               <a:t>master title style</a:t>
             </a:r>
-            <a:endParaRPr lang="en-GB" noProof="0" dirty="0"/>
           </a:p>
         </p:txBody>
       </p:sp>
@@ -2955,14 +3027,14 @@
           <a:p>
             <a:pPr lvl="0"/>
             <a:r>
-              <a:rPr lang="en-GB" noProof="0" dirty="0" smtClean="0"/>
+              <a:rPr lang="en-GB" noProof="0" dirty="0"/>
               <a:t>Click to edit master text styles</a:t>
             </a:r>
           </a:p>
           <a:p>
             <a:pPr lvl="1"/>
             <a:r>
-              <a:rPr lang="en-GB" noProof="0" dirty="0" smtClean="0"/>
+              <a:rPr lang="en-GB" noProof="0" dirty="0"/>
               <a:t>Second level</a:t>
             </a:r>
           </a:p>
@@ -2978,13 +3050,6 @@
   <p:clrMapOvr>
     <a:masterClrMapping/>
   </p:clrMapOvr>
-  <p:timing>
-    <p:tnLst>
-      <p:par>
-        <p:cTn id="1" dur="indefinite" restart="never" nodeType="tmRoot"/>
-      </p:par>
-    </p:tnLst>
-  </p:timing>
 </p:sldLayout>
 </file>
 
@@ -3030,10 +3095,9 @@
           </a:lstStyle>
           <a:p>
             <a:r>
-              <a:rPr lang="en-GB" noProof="0" dirty="0" smtClean="0"/>
+              <a:rPr lang="en-GB" noProof="0" dirty="0"/>
               <a:t>Click to edit master title style</a:t>
             </a:r>
-            <a:endParaRPr lang="en-GB" noProof="0" dirty="0"/>
           </a:p>
         </p:txBody>
       </p:sp>
@@ -3091,21 +3155,21 @@
           <a:p>
             <a:pPr lvl="0"/>
             <a:r>
-              <a:rPr lang="en-GB" noProof="0" dirty="0" smtClean="0"/>
+              <a:rPr lang="en-GB" noProof="0" dirty="0"/>
               <a:t>Click to edit master text styles</a:t>
             </a:r>
           </a:p>
           <a:p>
             <a:pPr lvl="1"/>
             <a:r>
-              <a:rPr lang="en-GB" noProof="0" dirty="0" smtClean="0"/>
+              <a:rPr lang="en-GB" noProof="0" dirty="0"/>
               <a:t>Second level</a:t>
             </a:r>
           </a:p>
           <a:p>
             <a:pPr lvl="2"/>
             <a:r>
-              <a:rPr lang="en-GB" noProof="0" dirty="0" smtClean="0"/>
+              <a:rPr lang="en-GB" noProof="0" dirty="0"/>
               <a:t>Third level</a:t>
             </a:r>
           </a:p>
@@ -3130,13 +3194,13 @@
               <a:defRPr/>
             </a:pPr>
             <a:r>
-              <a:rPr lang="en-GB" noProof="0" dirty="0" smtClean="0"/>
+              <a:rPr lang="en-GB" noProof="0" dirty="0"/>
               <a:t>Fourth level</a:t>
             </a:r>
           </a:p>
           <a:p>
             <a:pPr lvl="2"/>
-            <a:endParaRPr lang="en-GB" noProof="0" dirty="0" smtClean="0"/>
+            <a:endParaRPr lang="en-GB" noProof="0" dirty="0"/>
           </a:p>
         </p:txBody>
       </p:sp>
@@ -3150,13 +3214,6 @@
   <p:clrMapOvr>
     <a:masterClrMapping/>
   </p:clrMapOvr>
-  <p:timing>
-    <p:tnLst>
-      <p:par>
-        <p:cTn id="1" dur="indefinite" restart="never" nodeType="tmRoot"/>
-      </p:par>
-    </p:tnLst>
-  </p:timing>
 </p:sldLayout>
 </file>
 
@@ -3198,10 +3255,9 @@
           <a:lstStyle/>
           <a:p>
             <a:r>
-              <a:rPr lang="en-GB" noProof="0" dirty="0" smtClean="0"/>
+              <a:rPr lang="en-GB" noProof="0" dirty="0"/>
               <a:t>Click to edit master title style</a:t>
             </a:r>
-            <a:endParaRPr lang="en-GB" noProof="0" dirty="0"/>
           </a:p>
         </p:txBody>
       </p:sp>
@@ -3273,28 +3329,28 @@
           <a:p>
             <a:pPr lvl="0"/>
             <a:r>
-              <a:rPr lang="en-GB" noProof="0" dirty="0" smtClean="0"/>
+              <a:rPr lang="en-GB" noProof="0" dirty="0"/>
               <a:t>Click to edit master text styles</a:t>
             </a:r>
           </a:p>
           <a:p>
             <a:pPr lvl="1"/>
             <a:r>
-              <a:rPr lang="en-GB" noProof="0" dirty="0" smtClean="0"/>
+              <a:rPr lang="en-GB" noProof="0" dirty="0"/>
               <a:t>Second level</a:t>
             </a:r>
           </a:p>
           <a:p>
             <a:pPr lvl="2"/>
             <a:r>
-              <a:rPr lang="en-GB" noProof="0" dirty="0" smtClean="0"/>
+              <a:rPr lang="en-GB" noProof="0" dirty="0"/>
               <a:t>Third level</a:t>
             </a:r>
           </a:p>
           <a:p>
             <a:pPr lvl="3"/>
             <a:r>
-              <a:rPr lang="en-GB" noProof="0" dirty="0" smtClean="0"/>
+              <a:rPr lang="en-GB" noProof="0" dirty="0"/>
               <a:t>Fourth level</a:t>
             </a:r>
           </a:p>
@@ -3357,28 +3413,28 @@
           <a:p>
             <a:pPr lvl="0"/>
             <a:r>
-              <a:rPr lang="en-GB" noProof="0" dirty="0" smtClean="0"/>
+              <a:rPr lang="en-GB" noProof="0" dirty="0"/>
               <a:t>Click to edit master text styles</a:t>
             </a:r>
           </a:p>
           <a:p>
             <a:pPr lvl="1"/>
             <a:r>
-              <a:rPr lang="en-GB" noProof="0" dirty="0" smtClean="0"/>
+              <a:rPr lang="en-GB" noProof="0" dirty="0"/>
               <a:t>Second level</a:t>
             </a:r>
           </a:p>
           <a:p>
             <a:pPr lvl="2"/>
             <a:r>
-              <a:rPr lang="en-GB" noProof="0" dirty="0" smtClean="0"/>
+              <a:rPr lang="en-GB" noProof="0" dirty="0"/>
               <a:t>Third level</a:t>
             </a:r>
           </a:p>
           <a:p>
             <a:pPr lvl="3"/>
             <a:r>
-              <a:rPr lang="en-GB" noProof="0" dirty="0" smtClean="0"/>
+              <a:rPr lang="en-GB" noProof="0" dirty="0"/>
               <a:t>Fourth level</a:t>
             </a:r>
           </a:p>
@@ -3394,13 +3450,6 @@
   <p:clrMapOvr>
     <a:masterClrMapping/>
   </p:clrMapOvr>
-  <p:timing>
-    <p:tnLst>
-      <p:par>
-        <p:cTn id="1" dur="indefinite" restart="never" nodeType="tmRoot"/>
-      </p:par>
-    </p:tnLst>
-  </p:timing>
 </p:sldLayout>
 </file>
 
@@ -3489,28 +3538,28 @@
           <a:p>
             <a:pPr lvl="0"/>
             <a:r>
-              <a:rPr lang="en-GB" noProof="0" dirty="0" smtClean="0"/>
+              <a:rPr lang="en-GB" noProof="0" dirty="0"/>
               <a:t>Click to edit master text styles</a:t>
             </a:r>
           </a:p>
           <a:p>
             <a:pPr lvl="1"/>
             <a:r>
-              <a:rPr lang="en-GB" noProof="0" dirty="0" smtClean="0"/>
+              <a:rPr lang="en-GB" noProof="0" dirty="0"/>
               <a:t>Second level</a:t>
             </a:r>
           </a:p>
           <a:p>
             <a:pPr lvl="2"/>
             <a:r>
-              <a:rPr lang="en-GB" noProof="0" dirty="0" smtClean="0"/>
+              <a:rPr lang="en-GB" noProof="0" dirty="0"/>
               <a:t>Third level</a:t>
             </a:r>
           </a:p>
           <a:p>
             <a:pPr lvl="3"/>
             <a:r>
-              <a:rPr lang="en-GB" noProof="0" dirty="0" smtClean="0"/>
+              <a:rPr lang="en-GB" noProof="0" dirty="0"/>
               <a:t>Fourth level</a:t>
             </a:r>
           </a:p>
@@ -3584,28 +3633,28 @@
           <a:p>
             <a:pPr lvl="0"/>
             <a:r>
-              <a:rPr lang="en-GB" noProof="0" dirty="0" smtClean="0"/>
+              <a:rPr lang="en-GB" noProof="0" dirty="0"/>
               <a:t>Click to edit master text styles</a:t>
             </a:r>
           </a:p>
           <a:p>
             <a:pPr lvl="1"/>
             <a:r>
-              <a:rPr lang="en-GB" noProof="0" dirty="0" smtClean="0"/>
+              <a:rPr lang="en-GB" noProof="0" dirty="0"/>
               <a:t>Second level</a:t>
             </a:r>
           </a:p>
           <a:p>
             <a:pPr lvl="2"/>
             <a:r>
-              <a:rPr lang="en-GB" noProof="0" dirty="0" smtClean="0"/>
+              <a:rPr lang="en-GB" noProof="0" dirty="0"/>
               <a:t>Third level</a:t>
             </a:r>
           </a:p>
           <a:p>
             <a:pPr lvl="3"/>
             <a:r>
-              <a:rPr lang="en-GB" noProof="0" dirty="0" smtClean="0"/>
+              <a:rPr lang="en-GB" noProof="0" dirty="0"/>
               <a:t>Fourth level</a:t>
             </a:r>
           </a:p>
@@ -3679,28 +3728,28 @@
           <a:p>
             <a:pPr lvl="0"/>
             <a:r>
-              <a:rPr lang="en-GB" noProof="0" dirty="0" smtClean="0"/>
+              <a:rPr lang="en-GB" noProof="0" dirty="0"/>
               <a:t>Click to edit master text styles</a:t>
             </a:r>
           </a:p>
           <a:p>
             <a:pPr lvl="1"/>
             <a:r>
-              <a:rPr lang="en-GB" noProof="0" dirty="0" smtClean="0"/>
+              <a:rPr lang="en-GB" noProof="0" dirty="0"/>
               <a:t>Second level</a:t>
             </a:r>
           </a:p>
           <a:p>
             <a:pPr lvl="2"/>
             <a:r>
-              <a:rPr lang="en-GB" noProof="0" dirty="0" smtClean="0"/>
+              <a:rPr lang="en-GB" noProof="0" dirty="0"/>
               <a:t>Third level</a:t>
             </a:r>
           </a:p>
           <a:p>
             <a:pPr lvl="3"/>
             <a:r>
-              <a:rPr lang="en-GB" noProof="0" dirty="0" smtClean="0"/>
+              <a:rPr lang="en-GB" noProof="0" dirty="0"/>
               <a:t>Fourth level</a:t>
             </a:r>
           </a:p>
@@ -3727,10 +3776,9 @@
           <a:lstStyle/>
           <a:p>
             <a:r>
-              <a:rPr lang="en-GB" noProof="0" dirty="0" smtClean="0"/>
+              <a:rPr lang="en-GB" noProof="0" dirty="0"/>
               <a:t>Click to edit master title style</a:t>
             </a:r>
-            <a:endParaRPr lang="en-GB" noProof="0" dirty="0"/>
           </a:p>
         </p:txBody>
       </p:sp>
@@ -3744,13 +3792,6 @@
   <p:clrMapOvr>
     <a:masterClrMapping/>
   </p:clrMapOvr>
-  <p:timing>
-    <p:tnLst>
-      <p:par>
-        <p:cTn id="1" dur="indefinite" restart="never" nodeType="tmRoot"/>
-      </p:par>
-    </p:tnLst>
-  </p:timing>
 </p:sldLayout>
 </file>
 
@@ -3827,24 +3868,23 @@
           <a:p>
             <a:pPr lvl="0"/>
             <a:r>
-              <a:rPr lang="en-GB" noProof="0" dirty="0" smtClean="0"/>
+              <a:rPr lang="en-GB" noProof="0" dirty="0"/>
               <a:t>Click to edit master text styles</a:t>
             </a:r>
           </a:p>
           <a:p>
             <a:pPr lvl="1"/>
             <a:r>
-              <a:rPr lang="en-GB" noProof="0" dirty="0" smtClean="0"/>
+              <a:rPr lang="en-GB" noProof="0" dirty="0"/>
               <a:t>Second level</a:t>
             </a:r>
           </a:p>
           <a:p>
             <a:pPr lvl="2"/>
             <a:r>
-              <a:rPr lang="en-GB" noProof="0" dirty="0" smtClean="0"/>
+              <a:rPr lang="en-GB" noProof="0" dirty="0"/>
               <a:t>Third level</a:t>
             </a:r>
-            <a:endParaRPr lang="en-GB" noProof="0" dirty="0"/>
           </a:p>
         </p:txBody>
       </p:sp>
@@ -3869,10 +3909,9 @@
           <a:lstStyle/>
           <a:p>
             <a:r>
-              <a:rPr lang="en-GB" noProof="0" dirty="0" smtClean="0"/>
+              <a:rPr lang="en-GB" noProof="0" dirty="0"/>
               <a:t>Click to edit master title style</a:t>
             </a:r>
-            <a:endParaRPr lang="en-GB" noProof="0" dirty="0"/>
           </a:p>
         </p:txBody>
       </p:sp>
@@ -3932,24 +3971,23 @@
           <a:p>
             <a:pPr lvl="0"/>
             <a:r>
-              <a:rPr lang="en-GB" noProof="0" dirty="0" smtClean="0"/>
+              <a:rPr lang="en-GB" noProof="0" dirty="0"/>
               <a:t>Click to edit master text styles</a:t>
             </a:r>
           </a:p>
           <a:p>
             <a:pPr lvl="1"/>
             <a:r>
-              <a:rPr lang="en-GB" noProof="0" dirty="0" smtClean="0"/>
+              <a:rPr lang="en-GB" noProof="0" dirty="0"/>
               <a:t>Second level</a:t>
             </a:r>
           </a:p>
           <a:p>
             <a:pPr lvl="2"/>
             <a:r>
-              <a:rPr lang="en-GB" noProof="0" dirty="0" smtClean="0"/>
+              <a:rPr lang="en-GB" noProof="0" dirty="0"/>
               <a:t>Third level</a:t>
             </a:r>
-            <a:endParaRPr lang="en-GB" noProof="0" dirty="0"/>
           </a:p>
         </p:txBody>
       </p:sp>
@@ -3963,13 +4001,6 @@
   <p:clrMapOvr>
     <a:masterClrMapping/>
   </p:clrMapOvr>
-  <p:timing>
-    <p:tnLst>
-      <p:par>
-        <p:cTn id="1" dur="indefinite" restart="never" nodeType="tmRoot"/>
-      </p:par>
-    </p:tnLst>
-  </p:timing>
 </p:sldLayout>
 </file>
 
@@ -4011,10 +4042,9 @@
           <a:lstStyle/>
           <a:p>
             <a:r>
-              <a:rPr lang="en-GB" noProof="0" dirty="0" smtClean="0"/>
+              <a:rPr lang="en-GB" noProof="0" dirty="0"/>
               <a:t>Click to edit master title style</a:t>
             </a:r>
-            <a:endParaRPr lang="en-GB" noProof="0" dirty="0"/>
           </a:p>
         </p:txBody>
       </p:sp>
@@ -4074,24 +4104,23 @@
           <a:p>
             <a:pPr lvl="0"/>
             <a:r>
-              <a:rPr lang="en-GB" noProof="0" dirty="0" smtClean="0"/>
+              <a:rPr lang="en-GB" noProof="0" dirty="0"/>
               <a:t>Click to edit master text styles</a:t>
             </a:r>
           </a:p>
           <a:p>
             <a:pPr lvl="1"/>
             <a:r>
-              <a:rPr lang="en-GB" noProof="0" dirty="0" smtClean="0"/>
+              <a:rPr lang="en-GB" noProof="0" dirty="0"/>
               <a:t>Second level</a:t>
             </a:r>
           </a:p>
           <a:p>
             <a:pPr lvl="2"/>
             <a:r>
-              <a:rPr lang="en-GB" noProof="0" dirty="0" smtClean="0"/>
+              <a:rPr lang="en-GB" noProof="0" dirty="0"/>
               <a:t>Third level</a:t>
             </a:r>
-            <a:endParaRPr lang="en-GB" noProof="0" dirty="0"/>
           </a:p>
         </p:txBody>
       </p:sp>
@@ -4151,24 +4180,23 @@
           <a:p>
             <a:pPr lvl="0"/>
             <a:r>
-              <a:rPr lang="en-GB" noProof="0" dirty="0" smtClean="0"/>
+              <a:rPr lang="en-GB" noProof="0" dirty="0"/>
               <a:t>Click to edit master text styles</a:t>
             </a:r>
           </a:p>
           <a:p>
             <a:pPr lvl="1"/>
             <a:r>
-              <a:rPr lang="en-GB" noProof="0" dirty="0" smtClean="0"/>
+              <a:rPr lang="en-GB" noProof="0" dirty="0"/>
               <a:t>Second level</a:t>
             </a:r>
           </a:p>
           <a:p>
             <a:pPr lvl="2"/>
             <a:r>
-              <a:rPr lang="en-GB" noProof="0" dirty="0" smtClean="0"/>
+              <a:rPr lang="en-GB" noProof="0" dirty="0"/>
               <a:t>Third level</a:t>
             </a:r>
-            <a:endParaRPr lang="en-GB" noProof="0" dirty="0"/>
           </a:p>
         </p:txBody>
       </p:sp>
@@ -4182,13 +4210,6 @@
   <p:clrMapOvr>
     <a:masterClrMapping/>
   </p:clrMapOvr>
-  <p:timing>
-    <p:tnLst>
-      <p:par>
-        <p:cTn id="1" dur="indefinite" restart="never" nodeType="tmRoot"/>
-      </p:par>
-    </p:tnLst>
-  </p:timing>
 </p:sldLayout>
 </file>
 
@@ -4230,10 +4251,9 @@
           <a:lstStyle/>
           <a:p>
             <a:r>
-              <a:rPr lang="en-GB" noProof="0" dirty="0" smtClean="0"/>
+              <a:rPr lang="en-GB" noProof="0" dirty="0"/>
               <a:t>Click to edit master title style</a:t>
             </a:r>
-            <a:endParaRPr lang="en-GB" noProof="0" dirty="0"/>
           </a:p>
         </p:txBody>
       </p:sp>
@@ -4293,7 +4313,7 @@
           <a:p>
             <a:pPr lvl="0"/>
             <a:r>
-              <a:rPr lang="en-GB" noProof="0" dirty="0" smtClean="0"/>
+              <a:rPr lang="en-GB" noProof="0" dirty="0"/>
               <a:t>Click to edit master text styles</a:t>
             </a:r>
           </a:p>
@@ -4355,7 +4375,7 @@
           <a:p>
             <a:pPr lvl="0"/>
             <a:r>
-              <a:rPr lang="en-GB" noProof="0" dirty="0" smtClean="0"/>
+              <a:rPr lang="en-GB" noProof="0" dirty="0"/>
               <a:t>Click to edit master text styles</a:t>
             </a:r>
           </a:p>
@@ -4417,7 +4437,7 @@
           <a:p>
             <a:pPr lvl="0"/>
             <a:r>
-              <a:rPr lang="en-GB" noProof="0" dirty="0" smtClean="0"/>
+              <a:rPr lang="en-GB" noProof="0" dirty="0"/>
               <a:t>Click to edit master text styles</a:t>
             </a:r>
           </a:p>
@@ -4517,13 +4537,6 @@
   <p:clrMapOvr>
     <a:masterClrMapping/>
   </p:clrMapOvr>
-  <p:timing>
-    <p:tnLst>
-      <p:par>
-        <p:cTn id="1" dur="indefinite" restart="never" nodeType="tmRoot"/>
-      </p:par>
-    </p:tnLst>
-  </p:timing>
 </p:sldLayout>
 </file>
 
@@ -4612,28 +4625,28 @@
           <a:p>
             <a:pPr lvl="0"/>
             <a:r>
-              <a:rPr lang="en-GB" noProof="0" dirty="0" smtClean="0"/>
+              <a:rPr lang="en-GB" noProof="0" dirty="0"/>
               <a:t>Click to edit master text styles</a:t>
             </a:r>
           </a:p>
           <a:p>
             <a:pPr lvl="1"/>
             <a:r>
-              <a:rPr lang="en-GB" noProof="0" dirty="0" smtClean="0"/>
+              <a:rPr lang="en-GB" noProof="0" dirty="0"/>
               <a:t>Second level</a:t>
             </a:r>
           </a:p>
           <a:p>
             <a:pPr lvl="2"/>
             <a:r>
-              <a:rPr lang="en-GB" noProof="0" dirty="0" smtClean="0"/>
+              <a:rPr lang="en-GB" noProof="0" dirty="0"/>
               <a:t>Third level</a:t>
             </a:r>
           </a:p>
           <a:p>
             <a:pPr lvl="3"/>
             <a:r>
-              <a:rPr lang="en-GB" noProof="0" dirty="0" smtClean="0"/>
+              <a:rPr lang="en-GB" noProof="0" dirty="0"/>
               <a:t>Fourth level</a:t>
             </a:r>
           </a:p>
@@ -4707,28 +4720,28 @@
           <a:p>
             <a:pPr lvl="0"/>
             <a:r>
-              <a:rPr lang="en-GB" noProof="0" dirty="0" smtClean="0"/>
+              <a:rPr lang="en-GB" noProof="0" dirty="0"/>
               <a:t>Click to edit master text styles</a:t>
             </a:r>
           </a:p>
           <a:p>
             <a:pPr lvl="1"/>
             <a:r>
-              <a:rPr lang="en-GB" noProof="0" dirty="0" smtClean="0"/>
+              <a:rPr lang="en-GB" noProof="0" dirty="0"/>
               <a:t>Second level</a:t>
             </a:r>
           </a:p>
           <a:p>
             <a:pPr lvl="2"/>
             <a:r>
-              <a:rPr lang="en-GB" noProof="0" dirty="0" smtClean="0"/>
+              <a:rPr lang="en-GB" noProof="0" dirty="0"/>
               <a:t>Third level</a:t>
             </a:r>
           </a:p>
           <a:p>
             <a:pPr lvl="3"/>
             <a:r>
-              <a:rPr lang="en-GB" noProof="0" dirty="0" smtClean="0"/>
+              <a:rPr lang="en-GB" noProof="0" dirty="0"/>
               <a:t>Fourth level</a:t>
             </a:r>
           </a:p>
@@ -4755,10 +4768,9 @@
           <a:lstStyle/>
           <a:p>
             <a:r>
-              <a:rPr lang="en-GB" noProof="0" dirty="0" smtClean="0"/>
+              <a:rPr lang="en-GB" noProof="0" dirty="0"/>
               <a:t>Click to edit master title style</a:t>
             </a:r>
-            <a:endParaRPr lang="en-GB" noProof="0" dirty="0"/>
           </a:p>
         </p:txBody>
       </p:sp>
@@ -4884,13 +4896,6 @@
   <p:clrMapOvr>
     <a:masterClrMapping/>
   </p:clrMapOvr>
-  <p:timing>
-    <p:tnLst>
-      <p:par>
-        <p:cTn id="1" dur="indefinite" restart="never" nodeType="tmRoot"/>
-      </p:par>
-    </p:tnLst>
-  </p:timing>
 </p:sldLayout>
 </file>
 
@@ -4942,10 +4947,9 @@
           <a:lstStyle/>
           <a:p>
             <a:r>
-              <a:rPr lang="en-GB" noProof="0" dirty="0" smtClean="0"/>
+              <a:rPr lang="en-GB" noProof="0" dirty="0"/>
               <a:t>Click to edit master title style</a:t>
             </a:r>
-            <a:endParaRPr lang="en-GB" noProof="0" dirty="0"/>
           </a:p>
         </p:txBody>
       </p:sp>
@@ -4976,28 +4980,28 @@
           <a:p>
             <a:pPr lvl="0"/>
             <a:r>
-              <a:rPr lang="en-GB" noProof="0" dirty="0" smtClean="0"/>
+              <a:rPr lang="en-GB" noProof="0" dirty="0"/>
               <a:t>Click to edit master text styles</a:t>
             </a:r>
           </a:p>
           <a:p>
             <a:pPr lvl="1"/>
             <a:r>
-              <a:rPr lang="en-GB" noProof="0" dirty="0" smtClean="0"/>
+              <a:rPr lang="en-GB" noProof="0" dirty="0"/>
               <a:t>Second level</a:t>
             </a:r>
           </a:p>
           <a:p>
             <a:pPr lvl="2"/>
             <a:r>
-              <a:rPr lang="en-GB" noProof="0" dirty="0" smtClean="0"/>
+              <a:rPr lang="en-GB" noProof="0" dirty="0"/>
               <a:t>Third level</a:t>
             </a:r>
           </a:p>
           <a:p>
             <a:pPr lvl="3"/>
             <a:r>
-              <a:rPr lang="en-GB" noProof="0" dirty="0" smtClean="0"/>
+              <a:rPr lang="en-GB" noProof="0" dirty="0"/>
               <a:t>Fourth level</a:t>
             </a:r>
           </a:p>
@@ -5154,14 +5158,11 @@
           </a:lstStyle>
           <a:p>
             <a:r>
-              <a:rPr lang="en-GB" sz="900" b="0" dirty="0" smtClean="0">
+              <a:rPr lang="en-GB" sz="900" b="0" dirty="0">
                 <a:latin typeface="Gill Sans MT"/>
               </a:rPr>
               <a:t>© ARM 2016 </a:t>
             </a:r>
-            <a:endParaRPr lang="en-GB" sz="900" b="0" dirty="0">
-              <a:latin typeface="Gill Sans MT"/>
-            </a:endParaRPr>
           </a:p>
         </p:txBody>
       </p:sp>
@@ -5325,13 +5326,6 @@
     <p:sldLayoutId id="2147483667" r:id="rId16"/>
     <p:sldLayoutId id="2147483724" r:id="rId17"/>
   </p:sldLayoutIdLst>
-  <p:timing>
-    <p:tnLst>
-      <p:par>
-        <p:cTn id="1" dur="indefinite" restart="never" nodeType="tmRoot"/>
-      </p:par>
-    </p:tnLst>
-  </p:timing>
   <p:hf sldNum="0" hdr="0" ftr="0" dt="0"/>
   <p:txStyles>
     <p:titleStyle>
@@ -5695,7 +5689,7 @@
               <a:buNone/>
               <a:tabLst/>
             </a:pPr>
-            <a:endParaRPr kumimoji="0" lang="en-US" sz="1400" b="1" i="0" u="none" strike="noStrike" cap="none" normalizeH="0" baseline="0" smtClean="0">
+            <a:endParaRPr kumimoji="0" lang="en-US" sz="1400" b="1" i="0" u="none" strike="noStrike" cap="none" normalizeH="0" baseline="0">
               <a:ln>
                 <a:noFill/>
               </a:ln>
@@ -5744,25 +5738,25 @@
             <a:pPr algn="ctr">
               <a:defRPr/>
             </a:pPr>
-            <a:endParaRPr lang="en-US" b="0" dirty="0" smtClean="0"/>
+            <a:endParaRPr lang="en-US" b="0" dirty="0"/>
           </a:p>
           <a:p>
             <a:pPr algn="ctr">
               <a:defRPr/>
             </a:pPr>
-            <a:endParaRPr lang="en-US" b="0" dirty="0" smtClean="0"/>
+            <a:endParaRPr lang="en-US" b="0" dirty="0"/>
           </a:p>
           <a:p>
             <a:pPr algn="ctr">
               <a:defRPr/>
             </a:pPr>
-            <a:endParaRPr lang="en-US" b="0" dirty="0" smtClean="0"/>
+            <a:endParaRPr lang="en-US" b="0" dirty="0"/>
           </a:p>
           <a:p>
             <a:pPr algn="ctr">
               <a:defRPr/>
             </a:pPr>
-            <a:endParaRPr lang="en-US" sz="1400" b="0" dirty="0" smtClean="0"/>
+            <a:endParaRPr lang="en-US" sz="1400" b="0" dirty="0"/>
           </a:p>
           <a:p>
             <a:pPr algn="ctr">
@@ -5774,21 +5768,21 @@
             <a:pPr algn="ctr">
               <a:defRPr/>
             </a:pPr>
-            <a:endParaRPr lang="en-US" sz="1400" b="0" dirty="0" smtClean="0"/>
+            <a:endParaRPr lang="en-US" sz="1400" b="0" dirty="0"/>
           </a:p>
           <a:p>
             <a:pPr algn="ctr">
               <a:defRPr/>
             </a:pPr>
             <a:r>
-              <a:rPr lang="en-US" sz="1400" b="0" dirty="0" smtClean="0"/>
+              <a:rPr lang="en-US" sz="1400" b="0" dirty="0"/>
               <a:t>Firmware implemented</a:t>
             </a:r>
             <a:br>
-              <a:rPr lang="en-US" sz="1400" b="0" dirty="0" smtClean="0"/>
+              <a:rPr lang="en-US" sz="1400" b="0" dirty="0"/>
             </a:br>
             <a:r>
-              <a:rPr lang="en-US" sz="1400" b="0" dirty="0" smtClean="0"/>
+              <a:rPr lang="en-US" sz="1400" b="0" dirty="0"/>
               <a:t>on Cortex-M MCU</a:t>
             </a:r>
           </a:p>
@@ -5815,7 +5809,7 @@
           <a:lstStyle/>
           <a:p>
             <a:r>
-              <a:rPr lang="en-US" sz="2600" dirty="0" smtClean="0"/>
+              <a:rPr lang="en-US" sz="2600" dirty="0"/>
               <a:t>CMSIS-DAP: Overview + Enhancements (v1.2.0)</a:t>
             </a:r>
           </a:p>
@@ -5897,10 +5891,9 @@
               <a:defRPr/>
             </a:pPr>
             <a:r>
-              <a:rPr lang="en-US" sz="1400" dirty="0" smtClean="0"/>
+              <a:rPr lang="en-US" sz="1400" dirty="0"/>
               <a:t>Cortex-M4</a:t>
             </a:r>
-            <a:endParaRPr lang="en-US" sz="1400" dirty="0"/>
           </a:p>
         </p:txBody>
       </p:sp>
@@ -6027,7 +6020,7 @@
           <a:p>
             <a:pPr algn="ctr"/>
             <a:r>
-              <a:rPr lang="en-US" sz="1800" dirty="0" smtClean="0"/>
+              <a:rPr lang="en-US" sz="1800" dirty="0"/>
               <a:t>CMSIS-DAP</a:t>
             </a:r>
             <a:endParaRPr lang="en-US" sz="1200" b="0" dirty="0"/>
@@ -6071,7 +6064,7 @@
               <a:defRPr/>
             </a:pPr>
             <a:r>
-              <a:rPr lang="en-US" sz="1600" b="0" dirty="0" smtClean="0">
+              <a:rPr lang="en-US" sz="1600" b="0" dirty="0">
                 <a:latin typeface="Arial" pitchFamily="34" charset="0"/>
               </a:rPr>
               <a:t>CoreSight</a:t>
@@ -6117,10 +6110,9 @@
               <a:defRPr/>
             </a:pPr>
             <a:r>
-              <a:rPr lang="en-US" sz="1400" dirty="0" smtClean="0"/>
+              <a:rPr lang="en-US" sz="1400" dirty="0"/>
               <a:t>Cortex-M23</a:t>
             </a:r>
-            <a:endParaRPr lang="en-US" sz="1400" dirty="0"/>
           </a:p>
         </p:txBody>
       </p:sp>
@@ -6161,7 +6153,7 @@
               <a:defRPr/>
             </a:pPr>
             <a:r>
-              <a:rPr lang="en-US" sz="1600" b="0" dirty="0" smtClean="0">
+              <a:rPr lang="en-US" sz="1600" b="0" dirty="0">
                 <a:latin typeface="Arial" pitchFamily="34" charset="0"/>
               </a:rPr>
               <a:t>CoreSight</a:t>
@@ -6207,10 +6199,9 @@
               <a:defRPr/>
             </a:pPr>
             <a:r>
-              <a:rPr lang="en-US" sz="1400" dirty="0" smtClean="0"/>
+              <a:rPr lang="en-US" sz="1400" dirty="0"/>
               <a:t>Cortex-A7</a:t>
             </a:r>
-            <a:endParaRPr lang="en-US" sz="1400" dirty="0"/>
           </a:p>
         </p:txBody>
       </p:sp>
@@ -6251,7 +6242,7 @@
               <a:defRPr/>
             </a:pPr>
             <a:r>
-              <a:rPr lang="en-US" sz="1600" b="0" dirty="0" smtClean="0">
+              <a:rPr lang="en-US" sz="1600" b="0" dirty="0">
                 <a:latin typeface="Arial" pitchFamily="34" charset="0"/>
               </a:rPr>
               <a:t>CoreSight</a:t>
@@ -6369,10 +6360,9 @@
           <a:p>
             <a:pPr algn="ctr"/>
             <a:r>
-              <a:rPr lang="en-US" sz="1600" b="0" dirty="0" smtClean="0"/>
+              <a:rPr lang="en-US" sz="1600" b="0" dirty="0"/>
               <a:t>Debug Unit</a:t>
             </a:r>
-            <a:endParaRPr lang="en-US" sz="1600" b="0" dirty="0"/>
           </a:p>
         </p:txBody>
       </p:sp>
@@ -6400,17 +6390,16 @@
           <a:p>
             <a:pPr algn="ctr"/>
             <a:r>
-              <a:rPr lang="en-US" sz="1200" b="0" dirty="0" smtClean="0"/>
+              <a:rPr lang="en-US" sz="1200" b="0" dirty="0"/>
               <a:t>JTAG/</a:t>
             </a:r>
             <a:br>
-              <a:rPr lang="en-US" sz="1200" b="0" dirty="0" smtClean="0"/>
+              <a:rPr lang="en-US" sz="1200" b="0" dirty="0"/>
             </a:br>
             <a:r>
-              <a:rPr lang="en-US" sz="1200" b="0" dirty="0" smtClean="0"/>
+              <a:rPr lang="en-US" sz="1200" b="0" dirty="0"/>
               <a:t>SWD</a:t>
             </a:r>
-            <a:endParaRPr lang="en-US" sz="1200" b="0" dirty="0"/>
           </a:p>
         </p:txBody>
       </p:sp>
@@ -6438,10 +6427,9 @@
           <a:p>
             <a:pPr algn="ctr"/>
             <a:r>
-              <a:rPr lang="en-US" sz="1600" b="0" dirty="0" smtClean="0"/>
+              <a:rPr lang="en-US" sz="1600" b="0" dirty="0"/>
               <a:t>Device</a:t>
             </a:r>
-            <a:endParaRPr lang="en-US" sz="1600" b="0" dirty="0"/>
           </a:p>
         </p:txBody>
       </p:sp>
@@ -6509,10 +6497,9 @@
           <a:p>
             <a:pPr algn="ctr"/>
             <a:r>
-              <a:rPr lang="en-US" sz="1400" b="0" dirty="0" smtClean="0"/>
+              <a:rPr lang="en-US" sz="1400" b="0" dirty="0"/>
               <a:t>May be integrated on a single evaluation board</a:t>
             </a:r>
-            <a:endParaRPr lang="en-US" sz="1400" b="0" dirty="0"/>
           </a:p>
         </p:txBody>
       </p:sp>
@@ -6540,10 +6527,9 @@
           <a:p>
             <a:pPr algn="ctr"/>
             <a:r>
-              <a:rPr lang="en-US" sz="1400" b="0" dirty="0" smtClean="0"/>
+              <a:rPr lang="en-US" sz="1400" b="0" dirty="0"/>
               <a:t>USB</a:t>
             </a:r>
-            <a:endParaRPr lang="en-US" sz="1400" b="0" dirty="0"/>
           </a:p>
         </p:txBody>
       </p:sp>
@@ -6571,18 +6557,13 @@
           <a:p>
             <a:pPr algn="ctr"/>
             <a:r>
-              <a:rPr lang="en-US" sz="1200" b="1" dirty="0" smtClean="0">
+              <a:rPr lang="en-US" sz="1200" b="1" dirty="0">
                 <a:solidFill>
                   <a:srgbClr val="FF0000"/>
                 </a:solidFill>
               </a:rPr>
               <a:t>inputs</a:t>
             </a:r>
-            <a:endParaRPr lang="en-US" sz="1200" b="1" dirty="0">
-              <a:solidFill>
-                <a:srgbClr val="FF0000"/>
-              </a:solidFill>
-            </a:endParaRPr>
           </a:p>
         </p:txBody>
       </p:sp>
@@ -6618,7 +6599,7 @@
           <a:p>
             <a:pPr algn="ctr"/>
             <a:r>
-              <a:rPr lang="en-US" sz="1800" b="0" dirty="0" smtClean="0"/>
+              <a:rPr lang="en-US" sz="1800" b="0" dirty="0"/>
               <a:t>Debugger</a:t>
             </a:r>
             <a:endParaRPr lang="en-US" sz="1200" b="0" dirty="0"/>
@@ -6649,10 +6630,9 @@
           <a:p>
             <a:pPr algn="ctr"/>
             <a:r>
-              <a:rPr lang="en-US" sz="1200" b="0" dirty="0" smtClean="0"/>
+              <a:rPr lang="en-US" sz="1200" b="0" dirty="0"/>
               <a:t>Host PC</a:t>
             </a:r>
-            <a:endParaRPr lang="en-US" sz="1200" b="0" dirty="0"/>
           </a:p>
         </p:txBody>
       </p:sp>
@@ -6772,7 +6752,7 @@
               </a:tabLst>
             </a:pPr>
             <a:r>
-              <a:rPr lang="en-US" b="1" u="sng" dirty="0" smtClean="0">
+              <a:rPr lang="en-US" b="1" u="sng" dirty="0">
                 <a:ea typeface="MS PGothic" pitchFamily="34" charset="-128"/>
               </a:rPr>
               <a:t>CMSIS-DAP v1.2.0</a:t>
@@ -6786,29 +6766,29 @@
               </a:tabLst>
             </a:pPr>
             <a:r>
-              <a:rPr lang="en-US" dirty="0" smtClean="0">
+              <a:rPr lang="en-US" dirty="0">
                 <a:ea typeface="MS PGothic" pitchFamily="34" charset="-128"/>
               </a:rPr>
               <a:t>A</a:t>
             </a:r>
             <a:r>
-              <a:rPr lang="en-US" altLang="en-US" dirty="0" smtClean="0">
+              <a:rPr lang="en-US" altLang="en-US" dirty="0">
                 <a:ea typeface="MS PGothic" pitchFamily="34" charset="-128"/>
               </a:rPr>
               <a:t>dds “real-world” timer </a:t>
             </a:r>
             <a:br>
-              <a:rPr lang="en-US" altLang="en-US" dirty="0" smtClean="0">
+              <a:rPr lang="en-US" altLang="en-US" dirty="0">
                 <a:ea typeface="MS PGothic" pitchFamily="34" charset="-128"/>
               </a:rPr>
             </a:br>
             <a:r>
-              <a:rPr lang="en-US" altLang="en-US" dirty="0" smtClean="0">
+              <a:rPr lang="en-US" altLang="en-US" dirty="0">
                 <a:ea typeface="MS PGothic" pitchFamily="34" charset="-128"/>
               </a:rPr>
               <a:t>to the Debug Unit</a:t>
             </a:r>
-            <a:endParaRPr lang="en-US" altLang="en-US" b="1" dirty="0" smtClean="0">
+            <a:endParaRPr lang="en-US" altLang="en-US" b="1" dirty="0">
               <a:ea typeface="MS PGothic" pitchFamily="34" charset="-128"/>
             </a:endParaRPr>
           </a:p>
@@ -6820,13 +6800,13 @@
               </a:tabLst>
             </a:pPr>
             <a:r>
-              <a:rPr lang="en-US" altLang="en-US" dirty="0" smtClean="0">
+              <a:rPr lang="en-US" altLang="en-US" dirty="0">
                 <a:ea typeface="MS PGothic" pitchFamily="34" charset="-128"/>
               </a:rPr>
               <a:t>Introduces trace recording for custom Performance Counters (</a:t>
             </a:r>
             <a:r>
-              <a:rPr lang="en-US" altLang="en-US" b="1" dirty="0" smtClean="0">
+              <a:rPr lang="en-US" altLang="en-US" b="1" dirty="0">
                 <a:solidFill>
                   <a:srgbClr val="FF0000"/>
                 </a:solidFill>
@@ -6835,7 +6815,7 @@
               <a:t>inputs</a:t>
             </a:r>
             <a:r>
-              <a:rPr lang="en-US" altLang="en-US" dirty="0" smtClean="0">
+              <a:rPr lang="en-US" altLang="en-US" dirty="0">
                 <a:ea typeface="MS PGothic" pitchFamily="34" charset="-128"/>
               </a:rPr>
               <a:t>),  for example:</a:t>
@@ -6849,51 +6829,38 @@
               </a:tabLst>
             </a:pPr>
             <a:r>
-              <a:rPr lang="en-US" altLang="en-US" sz="1400" dirty="0" smtClean="0">
+              <a:rPr lang="en-US" altLang="en-US" sz="1400" dirty="0">
                 <a:ea typeface="MS PGothic" pitchFamily="34" charset="-128"/>
               </a:rPr>
               <a:t>Power measurement</a:t>
             </a:r>
             <a:r>
-              <a:rPr lang="en-GB" sz="1400" dirty="0" smtClean="0"/>
+              <a:rPr lang="en-GB" sz="1400" dirty="0"/>
               <a:t> (U, I) from A/D converters</a:t>
             </a:r>
           </a:p>
           <a:p>
             <a:pPr marL="512763" lvl="1" indent="-161925"/>
             <a:r>
-              <a:rPr lang="en-GB" sz="1400" dirty="0" smtClean="0"/>
+              <a:rPr lang="en-GB" sz="1400" dirty="0"/>
               <a:t>Performance parameters from a external system (i.e. wait states)</a:t>
             </a:r>
           </a:p>
           <a:p>
             <a:pPr marL="512763" lvl="1" indent="-161925"/>
             <a:r>
-              <a:rPr lang="en-GB" sz="1400" dirty="0" smtClean="0"/>
-              <a:t>Transfer </a:t>
-            </a:r>
-            <a:r>
               <a:rPr lang="en-GB" sz="1400" dirty="0"/>
-              <a:t>parameters of an RF </a:t>
-            </a:r>
-            <a:r>
-              <a:rPr lang="en-GB" sz="1400" dirty="0" smtClean="0"/>
-              <a:t>interface</a:t>
-            </a:r>
-            <a:endParaRPr lang="en-GB" sz="1400" dirty="0"/>
+              <a:t>Transfer parameters of an RF interface</a:t>
+            </a:r>
           </a:p>
           <a:p>
             <a:pPr marL="0" lvl="2" indent="0">
               <a:buNone/>
             </a:pPr>
-            <a:r>
-              <a:rPr lang="en-GB" dirty="0"/>
-              <a:t/>
-            </a:r>
             <a:br>
               <a:rPr lang="en-GB" dirty="0"/>
             </a:br>
-            <a:endParaRPr lang="en-US" altLang="en-US" dirty="0" smtClean="0">
+            <a:endParaRPr lang="en-US" altLang="en-US" dirty="0">
               <a:ea typeface="MS PGothic" pitchFamily="34" charset="-128"/>
             </a:endParaRPr>
           </a:p>
@@ -7035,7 +7002,7 @@
           <a:p>
             <a:pPr algn="ctr"/>
             <a:r>
-              <a:rPr lang="en-US" sz="1200" dirty="0" smtClean="0"/>
+              <a:rPr lang="en-US" sz="1200" dirty="0"/>
               <a:t>SWO</a:t>
             </a:r>
             <a:endParaRPr lang="en-US" sz="1200" b="0" dirty="0"/>
@@ -7242,7 +7209,7 @@
               </a:tabLst>
             </a:pPr>
             <a:r>
-              <a:rPr lang="en-US" dirty="0" smtClean="0">
+              <a:rPr lang="en-US" dirty="0">
                 <a:ea typeface="MS PGothic" pitchFamily="34" charset="-128"/>
               </a:rPr>
               <a:t>Many platforms supported</a:t>
@@ -7701,7 +7668,7 @@
           <a:lstStyle/>
           <a:p>
             <a:pPr algn="ctr"/>
-            <a:endParaRPr lang="en-GB" sz="1400" dirty="0" err="1" smtClean="0">
+            <a:endParaRPr lang="en-GB" sz="1400" dirty="0" err="1">
               <a:solidFill>
                 <a:schemeClr val="tx1"/>
               </a:solidFill>
@@ -7744,25 +7711,25 @@
             <a:pPr algn="ctr">
               <a:defRPr/>
             </a:pPr>
-            <a:endParaRPr lang="en-US" b="0" dirty="0" smtClean="0"/>
+            <a:endParaRPr lang="en-US" b="0" dirty="0"/>
           </a:p>
           <a:p>
             <a:pPr algn="ctr">
               <a:defRPr/>
             </a:pPr>
-            <a:endParaRPr lang="en-US" b="0" dirty="0" smtClean="0"/>
+            <a:endParaRPr lang="en-US" b="0" dirty="0"/>
           </a:p>
           <a:p>
             <a:pPr algn="ctr">
               <a:defRPr/>
             </a:pPr>
-            <a:endParaRPr lang="en-US" b="0" dirty="0" smtClean="0"/>
+            <a:endParaRPr lang="en-US" b="0" dirty="0"/>
           </a:p>
           <a:p>
             <a:pPr algn="ctr">
               <a:defRPr/>
             </a:pPr>
-            <a:endParaRPr lang="en-US" sz="1400" b="0" dirty="0" smtClean="0"/>
+            <a:endParaRPr lang="en-US" sz="1400" b="0" dirty="0"/>
           </a:p>
           <a:p>
             <a:pPr algn="ctr">
@@ -7774,7 +7741,7 @@
             <a:pPr algn="ctr">
               <a:defRPr/>
             </a:pPr>
-            <a:endParaRPr lang="en-US" sz="1400" b="0" dirty="0" smtClean="0"/>
+            <a:endParaRPr lang="en-US" sz="1400" b="0" dirty="0"/>
           </a:p>
         </p:txBody>
       </p:sp>
@@ -7799,7 +7766,7 @@
           <a:lstStyle/>
           <a:p>
             <a:r>
-              <a:rPr lang="en-US" sz="2600" dirty="0" smtClean="0"/>
+              <a:rPr lang="en-US" sz="2600" dirty="0"/>
               <a:t>CMSIS-DAP v1.2.0 trace data management</a:t>
             </a:r>
           </a:p>
@@ -7866,10 +7833,9 @@
           <a:lstStyle/>
           <a:p>
             <a:r>
-              <a:rPr lang="en-US" sz="1600" b="0" dirty="0" smtClean="0"/>
+              <a:rPr lang="en-US" sz="1600" b="0" dirty="0"/>
               <a:t>Debug Unit</a:t>
             </a:r>
-            <a:endParaRPr lang="en-US" sz="1600" b="0" dirty="0"/>
           </a:p>
         </p:txBody>
       </p:sp>
@@ -7896,10 +7862,9 @@
           <a:lstStyle/>
           <a:p>
             <a:r>
-              <a:rPr lang="en-US" sz="1200" dirty="0" smtClean="0"/>
+              <a:rPr lang="en-US" sz="1200" dirty="0"/>
               <a:t>A/D input</a:t>
             </a:r>
-            <a:endParaRPr lang="en-US" sz="1200" dirty="0"/>
           </a:p>
         </p:txBody>
       </p:sp>
@@ -7974,7 +7939,7 @@
               </a:tabLst>
             </a:pPr>
             <a:r>
-              <a:rPr lang="en-US" dirty="0" smtClean="0">
+              <a:rPr lang="en-US" dirty="0">
                 <a:ea typeface="MS PGothic" pitchFamily="34" charset="-128"/>
               </a:rPr>
               <a:t>Trace sources are recorded in blocks</a:t>
@@ -7988,7 +7953,7 @@
               </a:tabLst>
             </a:pPr>
             <a:r>
-              <a:rPr lang="en-US" altLang="en-US" dirty="0" smtClean="0">
+              <a:rPr lang="en-US" altLang="en-US" dirty="0">
                 <a:ea typeface="MS PGothic" pitchFamily="34" charset="-128"/>
               </a:rPr>
               <a:t>Block size 512 bytes … 2 Kbytes</a:t>
@@ -8002,16 +7967,10 @@
               </a:tabLst>
             </a:pPr>
             <a:r>
-              <a:rPr lang="en-US" altLang="en-US" dirty="0" smtClean="0">
+              <a:rPr lang="en-US" altLang="en-US" dirty="0">
                 <a:ea typeface="MS PGothic" pitchFamily="34" charset="-128"/>
               </a:rPr>
-              <a:t>Includes Time Stamp and Channel No</a:t>
-            </a:r>
-            <a:r>
-              <a:rPr lang="en-US" altLang="en-US" dirty="0" smtClean="0">
-                <a:ea typeface="MS PGothic" pitchFamily="34" charset="-128"/>
-              </a:rPr>
-              <a:t>.</a:t>
+              <a:t>Includes Time Stamp and Channel No.</a:t>
             </a:r>
           </a:p>
           <a:p>
@@ -8033,25 +7992,22 @@
               </a:tabLst>
             </a:pPr>
             <a:r>
-              <a:rPr lang="en-US" altLang="en-US" dirty="0" smtClean="0">
+              <a:rPr lang="en-US" altLang="en-US" dirty="0">
                 <a:ea typeface="MS PGothic" pitchFamily="34" charset="-128"/>
               </a:rPr>
               <a:t>Trace communication optionally with</a:t>
             </a:r>
             <a:br>
-              <a:rPr lang="en-US" altLang="en-US" dirty="0" smtClean="0">
+              <a:rPr lang="en-US" altLang="en-US" dirty="0">
                 <a:ea typeface="MS PGothic" pitchFamily="34" charset="-128"/>
               </a:rPr>
             </a:br>
             <a:r>
-              <a:rPr lang="en-US" altLang="en-US" dirty="0" smtClean="0">
+              <a:rPr lang="en-US" altLang="en-US" dirty="0">
                 <a:ea typeface="MS PGothic" pitchFamily="34" charset="-128"/>
               </a:rPr>
               <a:t>data difference compression</a:t>
             </a:r>
-            <a:endParaRPr lang="en-US" altLang="en-US" dirty="0" smtClean="0">
-              <a:ea typeface="MS PGothic" pitchFamily="34" charset="-128"/>
-            </a:endParaRPr>
           </a:p>
           <a:p>
             <a:pPr marL="171450" lvl="2" indent="-171450">
@@ -8060,7 +8016,7 @@
                 <a:tab pos="1828724" algn="l"/>
               </a:tabLst>
             </a:pPr>
-            <a:endParaRPr lang="en-US" altLang="en-US" dirty="0" smtClean="0">
+            <a:endParaRPr lang="en-US" altLang="en-US" dirty="0">
               <a:ea typeface="MS PGothic" pitchFamily="34" charset="-128"/>
             </a:endParaRPr>
           </a:p>
@@ -8072,7 +8028,7 @@
               </a:tabLst>
             </a:pPr>
             <a:r>
-              <a:rPr lang="en-US" altLang="en-US" dirty="0" smtClean="0">
+              <a:rPr lang="en-US" altLang="en-US" dirty="0">
                 <a:ea typeface="MS PGothic" pitchFamily="34" charset="-128"/>
               </a:rPr>
               <a:t>SWO trace is handled in same way</a:t>
@@ -8086,7 +8042,7 @@
               </a:tabLst>
             </a:pPr>
             <a:r>
-              <a:rPr lang="en-US" altLang="en-US" dirty="0" smtClean="0">
+              <a:rPr lang="en-US" altLang="en-US" dirty="0">
                 <a:ea typeface="MS PGothic" pitchFamily="34" charset="-128"/>
               </a:rPr>
               <a:t>Improves SWO trace performance</a:t>
@@ -8110,7 +8066,7 @@
                 <a:tab pos="1828724" algn="l"/>
               </a:tabLst>
             </a:pPr>
-            <a:endParaRPr lang="en-US" altLang="en-US" dirty="0" smtClean="0">
+            <a:endParaRPr lang="en-US" altLang="en-US" dirty="0">
               <a:ea typeface="MS PGothic" pitchFamily="34" charset="-128"/>
             </a:endParaRPr>
           </a:p>
@@ -8251,7 +8207,7 @@
           <a:lstStyle/>
           <a:p>
             <a:r>
-              <a:rPr lang="en-US" sz="1200" dirty="0" smtClean="0"/>
+              <a:rPr lang="en-US" sz="1200" dirty="0"/>
               <a:t>SWO</a:t>
             </a:r>
             <a:endParaRPr lang="en-US" sz="1200" b="0" dirty="0"/>
@@ -8282,10 +8238,9 @@
           <a:p>
             <a:pPr algn="ctr"/>
             <a:r>
-              <a:rPr lang="en-US" sz="1600" b="0" dirty="0" smtClean="0"/>
+              <a:rPr lang="en-US" sz="1600" b="0" dirty="0"/>
               <a:t>CMSIS-DAP</a:t>
             </a:r>
-            <a:endParaRPr lang="en-US" sz="1600" b="0" dirty="0"/>
           </a:p>
         </p:txBody>
       </p:sp>
@@ -8312,10 +8267,9 @@
           <a:lstStyle/>
           <a:p>
             <a:r>
-              <a:rPr lang="en-US" sz="1200" dirty="0" smtClean="0"/>
+              <a:rPr lang="en-US" sz="1200" dirty="0"/>
               <a:t>counter</a:t>
             </a:r>
-            <a:endParaRPr lang="en-US" sz="1200" dirty="0"/>
           </a:p>
         </p:txBody>
       </p:sp>
@@ -8382,7 +8336,7 @@
           <a:lstStyle/>
           <a:p>
             <a:r>
-              <a:rPr lang="en-US" sz="1200" dirty="0" smtClean="0"/>
+              <a:rPr lang="en-US" sz="1200" dirty="0"/>
               <a:t>Trace Source</a:t>
             </a:r>
             <a:endParaRPr lang="en-US" sz="1200" b="0" dirty="0"/>
@@ -8422,10 +8376,10 @@
               </a:tabLst>
             </a:pPr>
             <a:r>
-              <a:rPr lang="en-US" sz="1000" dirty="0" smtClean="0"/>
+              <a:rPr lang="en-US" sz="1000" dirty="0"/>
               <a:t>Time Stamp | Channel No. 	| Trace Data</a:t>
             </a:r>
-            <a:endParaRPr lang="en-GB" sz="1000" dirty="0" err="1" smtClean="0"/>
+            <a:endParaRPr lang="en-GB" sz="1000" dirty="0" err="1"/>
           </a:p>
         </p:txBody>
       </p:sp>
@@ -8462,10 +8416,10 @@
               </a:tabLst>
             </a:pPr>
             <a:r>
-              <a:rPr lang="en-US" sz="1000" dirty="0" smtClean="0"/>
+              <a:rPr lang="en-US" sz="1000" dirty="0"/>
               <a:t>Time Stamp | A/D #2         	| Trace Data</a:t>
             </a:r>
-            <a:endParaRPr lang="en-GB" sz="1000" dirty="0" err="1" smtClean="0"/>
+            <a:endParaRPr lang="en-GB" sz="1000" dirty="0" err="1"/>
           </a:p>
         </p:txBody>
       </p:sp>
@@ -8502,10 +8456,10 @@
               </a:tabLst>
             </a:pPr>
             <a:r>
-              <a:rPr lang="en-US" sz="1000" dirty="0" smtClean="0"/>
+              <a:rPr lang="en-US" sz="1000" dirty="0"/>
               <a:t>Time Stamp | SWO            | Trace Data</a:t>
             </a:r>
-            <a:endParaRPr lang="en-GB" sz="1000" dirty="0" err="1" smtClean="0"/>
+            <a:endParaRPr lang="en-GB" sz="1000" dirty="0" err="1"/>
           </a:p>
         </p:txBody>
       </p:sp>
@@ -8542,10 +8496,10 @@
               </a:tabLst>
             </a:pPr>
             <a:r>
-              <a:rPr lang="en-US" sz="1000" dirty="0" smtClean="0"/>
+              <a:rPr lang="en-US" sz="1000" dirty="0"/>
               <a:t>Time Stamp | A/D #1         	| Trace Data</a:t>
             </a:r>
-            <a:endParaRPr lang="en-GB" sz="1000" dirty="0" err="1" smtClean="0"/>
+            <a:endParaRPr lang="en-GB" sz="1000" dirty="0" err="1"/>
           </a:p>
         </p:txBody>
       </p:sp>
@@ -8582,10 +8536,10 @@
               </a:tabLst>
             </a:pPr>
             <a:r>
-              <a:rPr lang="en-US" sz="1000" dirty="0" smtClean="0"/>
+              <a:rPr lang="en-US" sz="1000" dirty="0"/>
               <a:t>Time Stamp | SWO 	| Trace Data</a:t>
             </a:r>
-            <a:endParaRPr lang="en-GB" sz="1000" dirty="0" err="1" smtClean="0"/>
+            <a:endParaRPr lang="en-GB" sz="1000" dirty="0" err="1"/>
           </a:p>
         </p:txBody>
       </p:sp>
@@ -8622,10 +8576,10 @@
               </a:tabLst>
             </a:pPr>
             <a:r>
-              <a:rPr lang="en-US" sz="1000" dirty="0" smtClean="0"/>
+              <a:rPr lang="en-US" sz="1000" dirty="0"/>
               <a:t>Time Stamp | SWO           	| Trace Data</a:t>
             </a:r>
-            <a:endParaRPr lang="en-GB" sz="1000" dirty="0" err="1" smtClean="0"/>
+            <a:endParaRPr lang="en-GB" sz="1000" dirty="0" err="1"/>
           </a:p>
         </p:txBody>
       </p:sp>
@@ -8662,10 +8616,10 @@
               </a:tabLst>
             </a:pPr>
             <a:r>
-              <a:rPr lang="en-US" sz="1000" dirty="0" smtClean="0"/>
+              <a:rPr lang="en-US" sz="1000" dirty="0"/>
               <a:t>Time Stamp | free             	| ---</a:t>
             </a:r>
-            <a:endParaRPr lang="en-GB" sz="1000" dirty="0" err="1" smtClean="0"/>
+            <a:endParaRPr lang="en-GB" sz="1000" dirty="0" err="1"/>
           </a:p>
         </p:txBody>
       </p:sp>
@@ -8702,10 +8656,10 @@
               </a:tabLst>
             </a:pPr>
             <a:r>
-              <a:rPr lang="en-US" sz="1000" dirty="0" smtClean="0"/>
+              <a:rPr lang="en-US" sz="1000" dirty="0"/>
               <a:t>Time Stamp | free             	| ---</a:t>
             </a:r>
-            <a:endParaRPr lang="en-GB" sz="1000" dirty="0" err="1" smtClean="0"/>
+            <a:endParaRPr lang="en-GB" sz="1000" dirty="0" err="1"/>
           </a:p>
         </p:txBody>
       </p:sp>
@@ -9069,6 +9023,4050 @@
       <p:bldP spid="33" grpId="0" animBg="1"/>
     </p:bldLst>
   </p:timing>
+</p:sld>
+</file>
+
+<file path=ppt/slides/slide3.xml><?xml version="1.0" encoding="utf-8"?>
+<p:sld xmlns:a="http://schemas.openxmlformats.org/drawingml/2006/main" xmlns:r="http://schemas.openxmlformats.org/officeDocument/2006/relationships" xmlns:p="http://schemas.openxmlformats.org/presentationml/2006/main">
+  <p:cSld>
+    <p:spTree>
+      <p:nvGrpSpPr>
+        <p:cNvPr id="1" name=""/>
+        <p:cNvGrpSpPr/>
+        <p:nvPr/>
+      </p:nvGrpSpPr>
+      <p:grpSpPr>
+        <a:xfrm>
+          <a:off x="0" y="0"/>
+          <a:ext cx="0" cy="0"/>
+          <a:chOff x="0" y="0"/>
+          <a:chExt cx="0" cy="0"/>
+        </a:xfrm>
+      </p:grpSpPr>
+      <p:sp>
+        <p:nvSpPr>
+          <p:cNvPr id="75" name="Rectangle 74"/>
+          <p:cNvSpPr/>
+          <p:nvPr/>
+        </p:nvSpPr>
+        <p:spPr bwMode="auto">
+          <a:xfrm>
+            <a:off x="2946470" y="750082"/>
+            <a:ext cx="5143536" cy="2669818"/>
+          </a:xfrm>
+          <a:prstGeom prst="rect">
+            <a:avLst/>
+          </a:prstGeom>
+          <a:solidFill>
+            <a:schemeClr val="bg1">
+              <a:lumMod val="95000"/>
+            </a:schemeClr>
+          </a:solidFill>
+          <a:ln w="19050" cap="flat" cmpd="sng" algn="ctr">
+            <a:solidFill>
+              <a:schemeClr val="tx1">
+                <a:lumMod val="65000"/>
+                <a:lumOff val="35000"/>
+              </a:schemeClr>
+            </a:solidFill>
+            <a:prstDash val="solid"/>
+            <a:round/>
+            <a:headEnd type="none" w="med" len="med"/>
+            <a:tailEnd type="none" w="med" len="med"/>
+          </a:ln>
+          <a:effectLst/>
+        </p:spPr>
+        <p:txBody>
+          <a:bodyPr vert="horz" wrap="none" lIns="91440" tIns="45720" rIns="91440" bIns="45720" numCol="1" rtlCol="0" anchor="ctr" anchorCtr="0" compatLnSpc="1">
+            <a:prstTxWarp prst="textNoShape">
+              <a:avLst/>
+            </a:prstTxWarp>
+          </a:bodyPr>
+          <a:lstStyle/>
+          <a:p>
+            <a:pPr marL="0" marR="0" indent="0" algn="ctr" defTabSz="914400" rtl="0" eaLnBrk="1" fontAlgn="base" latinLnBrk="0" hangingPunct="1">
+              <a:lnSpc>
+                <a:spcPct val="100000"/>
+              </a:lnSpc>
+              <a:spcBef>
+                <a:spcPct val="0"/>
+              </a:spcBef>
+              <a:spcAft>
+                <a:spcPct val="0"/>
+              </a:spcAft>
+              <a:buClrTx/>
+              <a:buSzTx/>
+              <a:buFontTx/>
+              <a:buNone/>
+              <a:tabLst/>
+            </a:pPr>
+            <a:endParaRPr kumimoji="0" lang="en-US" sz="1400" b="1" i="0" u="none" strike="noStrike" cap="none" normalizeH="0" baseline="0">
+              <a:ln>
+                <a:noFill/>
+              </a:ln>
+              <a:solidFill>
+                <a:srgbClr val="000000"/>
+              </a:solidFill>
+              <a:effectLst/>
+              <a:latin typeface="Calibri" panose="020F0502020204030204" pitchFamily="34" charset="0"/>
+              <a:ea typeface="MS PGothic" pitchFamily="34" charset="-128"/>
+              <a:cs typeface="Calibri" panose="020F0502020204030204" pitchFamily="34" charset="0"/>
+            </a:endParaRPr>
+          </a:p>
+        </p:txBody>
+      </p:sp>
+      <p:sp>
+        <p:nvSpPr>
+          <p:cNvPr id="20" name="Rectangle 19"/>
+          <p:cNvSpPr/>
+          <p:nvPr/>
+        </p:nvSpPr>
+        <p:spPr bwMode="auto">
+          <a:xfrm>
+            <a:off x="3228274" y="1050164"/>
+            <a:ext cx="2016000" cy="2051959"/>
+          </a:xfrm>
+          <a:prstGeom prst="rect">
+            <a:avLst/>
+          </a:prstGeom>
+          <a:solidFill>
+            <a:schemeClr val="bg2">
+              <a:lumMod val="85000"/>
+            </a:schemeClr>
+          </a:solidFill>
+          <a:ln w="19050" cap="flat" cmpd="sng" algn="ctr">
+            <a:noFill/>
+            <a:prstDash val="solid"/>
+            <a:round/>
+            <a:headEnd type="none" w="med" len="med"/>
+            <a:tailEnd type="none" w="med" len="med"/>
+          </a:ln>
+          <a:effectLst/>
+        </p:spPr>
+        <p:txBody>
+          <a:bodyPr wrap="none" anchor="ctr"/>
+          <a:lstStyle/>
+          <a:p>
+            <a:pPr algn="ctr">
+              <a:defRPr/>
+            </a:pPr>
+            <a:endParaRPr lang="en-US" b="0" dirty="0">
+              <a:latin typeface="Calibri" panose="020F0502020204030204" pitchFamily="34" charset="0"/>
+              <a:cs typeface="Calibri" panose="020F0502020204030204" pitchFamily="34" charset="0"/>
+            </a:endParaRPr>
+          </a:p>
+          <a:p>
+            <a:pPr algn="ctr">
+              <a:defRPr/>
+            </a:pPr>
+            <a:endParaRPr lang="en-US" b="0" dirty="0">
+              <a:latin typeface="Calibri" panose="020F0502020204030204" pitchFamily="34" charset="0"/>
+              <a:cs typeface="Calibri" panose="020F0502020204030204" pitchFamily="34" charset="0"/>
+            </a:endParaRPr>
+          </a:p>
+          <a:p>
+            <a:pPr algn="ctr">
+              <a:defRPr/>
+            </a:pPr>
+            <a:endParaRPr lang="en-US" b="0" dirty="0">
+              <a:latin typeface="Calibri" panose="020F0502020204030204" pitchFamily="34" charset="0"/>
+              <a:cs typeface="Calibri" panose="020F0502020204030204" pitchFamily="34" charset="0"/>
+            </a:endParaRPr>
+          </a:p>
+          <a:p>
+            <a:pPr algn="ctr">
+              <a:defRPr/>
+            </a:pPr>
+            <a:endParaRPr lang="en-US" sz="1400" b="0" dirty="0">
+              <a:latin typeface="Calibri" panose="020F0502020204030204" pitchFamily="34" charset="0"/>
+              <a:cs typeface="Calibri" panose="020F0502020204030204" pitchFamily="34" charset="0"/>
+            </a:endParaRPr>
+          </a:p>
+          <a:p>
+            <a:pPr algn="ctr">
+              <a:defRPr/>
+            </a:pPr>
+            <a:endParaRPr lang="en-US" sz="1400" dirty="0">
+              <a:latin typeface="Calibri" panose="020F0502020204030204" pitchFamily="34" charset="0"/>
+              <a:cs typeface="Calibri" panose="020F0502020204030204" pitchFamily="34" charset="0"/>
+            </a:endParaRPr>
+          </a:p>
+          <a:p>
+            <a:pPr algn="ctr">
+              <a:defRPr/>
+            </a:pPr>
+            <a:endParaRPr lang="en-US" sz="1400" b="0" dirty="0">
+              <a:latin typeface="Calibri" panose="020F0502020204030204" pitchFamily="34" charset="0"/>
+              <a:cs typeface="Calibri" panose="020F0502020204030204" pitchFamily="34" charset="0"/>
+            </a:endParaRPr>
+          </a:p>
+          <a:p>
+            <a:pPr algn="ctr">
+              <a:defRPr/>
+            </a:pPr>
+            <a:r>
+              <a:rPr lang="en-US" sz="1400" b="0" dirty="0">
+                <a:latin typeface="Calibri" panose="020F0502020204030204" pitchFamily="34" charset="0"/>
+                <a:cs typeface="Calibri" panose="020F0502020204030204" pitchFamily="34" charset="0"/>
+              </a:rPr>
+              <a:t>Firmware implemented</a:t>
+            </a:r>
+            <a:br>
+              <a:rPr lang="en-US" sz="1400" b="0" dirty="0">
+                <a:latin typeface="Calibri" panose="020F0502020204030204" pitchFamily="34" charset="0"/>
+                <a:cs typeface="Calibri" panose="020F0502020204030204" pitchFamily="34" charset="0"/>
+              </a:rPr>
+            </a:br>
+            <a:r>
+              <a:rPr lang="en-US" sz="1400" b="0" dirty="0">
+                <a:latin typeface="Calibri" panose="020F0502020204030204" pitchFamily="34" charset="0"/>
+                <a:cs typeface="Calibri" panose="020F0502020204030204" pitchFamily="34" charset="0"/>
+              </a:rPr>
+              <a:t>on Cortex-M MCU</a:t>
+            </a:r>
+          </a:p>
+        </p:txBody>
+      </p:sp>
+      <p:sp>
+        <p:nvSpPr>
+          <p:cNvPr id="10" name="Rectangle 9"/>
+          <p:cNvSpPr/>
+          <p:nvPr/>
+        </p:nvSpPr>
+        <p:spPr bwMode="auto">
+          <a:xfrm>
+            <a:off x="5770710" y="1020088"/>
+            <a:ext cx="2016000" cy="2082035"/>
+          </a:xfrm>
+          <a:prstGeom prst="rect">
+            <a:avLst/>
+          </a:prstGeom>
+          <a:solidFill>
+            <a:schemeClr val="bg2">
+              <a:lumMod val="85000"/>
+            </a:schemeClr>
+          </a:solidFill>
+          <a:ln w="19050" cap="flat" cmpd="sng" algn="ctr">
+            <a:noFill/>
+            <a:prstDash val="solid"/>
+            <a:round/>
+            <a:headEnd type="none" w="med" len="med"/>
+            <a:tailEnd type="none" w="med" len="med"/>
+          </a:ln>
+          <a:effectLst/>
+        </p:spPr>
+        <p:txBody>
+          <a:bodyPr wrap="none" anchor="ctr"/>
+          <a:lstStyle/>
+          <a:p>
+            <a:pPr algn="ctr">
+              <a:defRPr/>
+            </a:pPr>
+            <a:endParaRPr lang="en-US" dirty="0">
+              <a:latin typeface="Calibri" panose="020F0502020204030204" pitchFamily="34" charset="0"/>
+              <a:cs typeface="Calibri" panose="020F0502020204030204" pitchFamily="34" charset="0"/>
+            </a:endParaRPr>
+          </a:p>
+        </p:txBody>
+      </p:sp>
+      <p:sp>
+        <p:nvSpPr>
+          <p:cNvPr id="11" name="Rectangle 10"/>
+          <p:cNvSpPr/>
+          <p:nvPr/>
+        </p:nvSpPr>
+        <p:spPr bwMode="auto">
+          <a:xfrm>
+            <a:off x="6370650" y="1485931"/>
+            <a:ext cx="1214438" cy="285570"/>
+          </a:xfrm>
+          <a:prstGeom prst="rect">
+            <a:avLst/>
+          </a:prstGeom>
+          <a:solidFill>
+            <a:schemeClr val="accent1">
+              <a:lumMod val="40000"/>
+              <a:lumOff val="60000"/>
+            </a:schemeClr>
+          </a:solidFill>
+          <a:ln w="19050" cap="flat" cmpd="sng" algn="ctr">
+            <a:noFill/>
+            <a:prstDash val="solid"/>
+            <a:round/>
+            <a:headEnd type="none" w="med" len="med"/>
+            <a:tailEnd type="none" w="med" len="med"/>
+          </a:ln>
+          <a:effectLst/>
+        </p:spPr>
+        <p:txBody>
+          <a:bodyPr wrap="none" anchor="ctr"/>
+          <a:lstStyle/>
+          <a:p>
+            <a:pPr algn="ctr">
+              <a:defRPr/>
+            </a:pPr>
+            <a:r>
+              <a:rPr lang="en-US" sz="1400" dirty="0">
+                <a:latin typeface="Calibri" panose="020F0502020204030204" pitchFamily="34" charset="0"/>
+                <a:cs typeface="Calibri" panose="020F0502020204030204" pitchFamily="34" charset="0"/>
+              </a:rPr>
+              <a:t>Cortex-M4</a:t>
+            </a:r>
+          </a:p>
+        </p:txBody>
+      </p:sp>
+      <p:sp>
+        <p:nvSpPr>
+          <p:cNvPr id="33813" name="Down Arrow 27"/>
+          <p:cNvSpPr>
+            <a:spLocks noChangeArrowheads="1"/>
+          </p:cNvSpPr>
+          <p:nvPr/>
+        </p:nvSpPr>
+        <p:spPr bwMode="auto">
+          <a:xfrm rot="5400000">
+            <a:off x="5372353" y="1021733"/>
+            <a:ext cx="241705" cy="957964"/>
+          </a:xfrm>
+          <a:prstGeom prst="downArrow">
+            <a:avLst>
+              <a:gd name="adj1" fmla="val 25769"/>
+              <a:gd name="adj2" fmla="val 50059"/>
+            </a:avLst>
+          </a:prstGeom>
+          <a:solidFill>
+            <a:schemeClr val="bg1">
+              <a:lumMod val="50000"/>
+            </a:schemeClr>
+          </a:solidFill>
+          <a:ln w="19050" algn="ctr">
+            <a:solidFill>
+              <a:schemeClr val="bg1">
+                <a:lumMod val="50000"/>
+              </a:schemeClr>
+            </a:solidFill>
+            <a:round/>
+            <a:headEnd/>
+            <a:tailEnd/>
+          </a:ln>
+        </p:spPr>
+        <p:txBody>
+          <a:bodyPr wrap="none" anchor="ctr"/>
+          <a:lstStyle/>
+          <a:p>
+            <a:pPr algn="ctr"/>
+            <a:endParaRPr lang="en-US" dirty="0">
+              <a:latin typeface="Calibri" panose="020F0502020204030204" pitchFamily="34" charset="0"/>
+              <a:cs typeface="Calibri" panose="020F0502020204030204" pitchFamily="34" charset="0"/>
+            </a:endParaRPr>
+          </a:p>
+        </p:txBody>
+      </p:sp>
+      <p:sp>
+        <p:nvSpPr>
+          <p:cNvPr id="33814" name="Down Arrow 28"/>
+          <p:cNvSpPr>
+            <a:spLocks noChangeArrowheads="1"/>
+          </p:cNvSpPr>
+          <p:nvPr/>
+        </p:nvSpPr>
+        <p:spPr bwMode="auto">
+          <a:xfrm rot="16200000">
+            <a:off x="6045808" y="1200778"/>
+            <a:ext cx="213122" cy="385762"/>
+          </a:xfrm>
+          <a:prstGeom prst="downArrow">
+            <a:avLst>
+              <a:gd name="adj1" fmla="val 25769"/>
+              <a:gd name="adj2" fmla="val 50060"/>
+            </a:avLst>
+          </a:prstGeom>
+          <a:solidFill>
+            <a:schemeClr val="bg1">
+              <a:lumMod val="50000"/>
+            </a:schemeClr>
+          </a:solidFill>
+          <a:ln w="19050" algn="ctr">
+            <a:solidFill>
+              <a:schemeClr val="bg1">
+                <a:lumMod val="50000"/>
+              </a:schemeClr>
+            </a:solidFill>
+            <a:round/>
+            <a:headEnd/>
+            <a:tailEnd/>
+          </a:ln>
+        </p:spPr>
+        <p:txBody>
+          <a:bodyPr wrap="none" anchor="ctr"/>
+          <a:lstStyle/>
+          <a:p>
+            <a:pPr algn="ctr"/>
+            <a:endParaRPr lang="en-US" dirty="0">
+              <a:latin typeface="Calibri" panose="020F0502020204030204" pitchFamily="34" charset="0"/>
+              <a:cs typeface="Calibri" panose="020F0502020204030204" pitchFamily="34" charset="0"/>
+            </a:endParaRPr>
+          </a:p>
+        </p:txBody>
+      </p:sp>
+      <p:sp>
+        <p:nvSpPr>
+          <p:cNvPr id="33826" name="Rectangle 43"/>
+          <p:cNvSpPr>
+            <a:spLocks noChangeArrowheads="1"/>
+          </p:cNvSpPr>
+          <p:nvPr/>
+        </p:nvSpPr>
+        <p:spPr bwMode="auto">
+          <a:xfrm>
+            <a:off x="3483867" y="1235900"/>
+            <a:ext cx="1530358" cy="1255274"/>
+          </a:xfrm>
+          <a:prstGeom prst="rect">
+            <a:avLst/>
+          </a:prstGeom>
+          <a:solidFill>
+            <a:srgbClr val="002B49"/>
+          </a:solidFill>
+          <a:ln w="19050" algn="ctr">
+            <a:noFill/>
+            <a:round/>
+            <a:headEnd/>
+            <a:tailEnd/>
+          </a:ln>
+        </p:spPr>
+        <p:txBody>
+          <a:bodyPr wrap="none" anchor="ctr"/>
+          <a:lstStyle/>
+          <a:p>
+            <a:pPr algn="ctr"/>
+            <a:r>
+              <a:rPr lang="en-US" sz="2400" dirty="0">
+                <a:solidFill>
+                  <a:schemeClr val="bg1"/>
+                </a:solidFill>
+                <a:latin typeface="Calibri" panose="020F0502020204030204" pitchFamily="34" charset="0"/>
+                <a:cs typeface="Calibri" panose="020F0502020204030204" pitchFamily="34" charset="0"/>
+              </a:rPr>
+              <a:t>CMSIS-DAP</a:t>
+            </a:r>
+            <a:endParaRPr lang="en-US" sz="1600" b="0" dirty="0">
+              <a:solidFill>
+                <a:schemeClr val="bg1"/>
+              </a:solidFill>
+              <a:latin typeface="Calibri" panose="020F0502020204030204" pitchFamily="34" charset="0"/>
+              <a:cs typeface="Calibri" panose="020F0502020204030204" pitchFamily="34" charset="0"/>
+            </a:endParaRPr>
+          </a:p>
+        </p:txBody>
+      </p:sp>
+      <p:sp>
+        <p:nvSpPr>
+          <p:cNvPr id="55" name="Rectangle 54"/>
+          <p:cNvSpPr/>
+          <p:nvPr/>
+        </p:nvSpPr>
+        <p:spPr bwMode="auto">
+          <a:xfrm>
+            <a:off x="6370650" y="1258515"/>
+            <a:ext cx="1214438" cy="233363"/>
+          </a:xfrm>
+          <a:prstGeom prst="rect">
+            <a:avLst/>
+          </a:prstGeom>
+          <a:solidFill>
+            <a:schemeClr val="accent1">
+              <a:lumMod val="60000"/>
+              <a:lumOff val="40000"/>
+            </a:schemeClr>
+          </a:solidFill>
+          <a:ln w="19050" cap="flat" cmpd="sng" algn="ctr">
+            <a:noFill/>
+            <a:prstDash val="solid"/>
+            <a:round/>
+            <a:headEnd type="none" w="med" len="med"/>
+            <a:tailEnd type="none" w="med" len="med"/>
+          </a:ln>
+          <a:effectLst/>
+        </p:spPr>
+        <p:txBody>
+          <a:bodyPr wrap="none" anchor="ctr"/>
+          <a:lstStyle/>
+          <a:p>
+            <a:pPr algn="ctr">
+              <a:defRPr/>
+            </a:pPr>
+            <a:r>
+              <a:rPr lang="en-US" sz="1600" b="0" dirty="0">
+                <a:latin typeface="Calibri" panose="020F0502020204030204" pitchFamily="34" charset="0"/>
+                <a:cs typeface="Calibri" panose="020F0502020204030204" pitchFamily="34" charset="0"/>
+              </a:rPr>
+              <a:t>CoreSight</a:t>
+            </a:r>
+          </a:p>
+        </p:txBody>
+      </p:sp>
+      <p:sp>
+        <p:nvSpPr>
+          <p:cNvPr id="56" name="Rectangle 55"/>
+          <p:cNvSpPr/>
+          <p:nvPr/>
+        </p:nvSpPr>
+        <p:spPr bwMode="auto">
+          <a:xfrm>
+            <a:off x="6370650" y="2119351"/>
+            <a:ext cx="1214438" cy="264319"/>
+          </a:xfrm>
+          <a:prstGeom prst="rect">
+            <a:avLst/>
+          </a:prstGeom>
+          <a:solidFill>
+            <a:schemeClr val="accent1">
+              <a:lumMod val="40000"/>
+              <a:lumOff val="60000"/>
+            </a:schemeClr>
+          </a:solidFill>
+          <a:ln w="19050" cap="flat" cmpd="sng" algn="ctr">
+            <a:noFill/>
+            <a:prstDash val="solid"/>
+            <a:round/>
+            <a:headEnd type="none" w="med" len="med"/>
+            <a:tailEnd type="none" w="med" len="med"/>
+          </a:ln>
+          <a:effectLst/>
+        </p:spPr>
+        <p:txBody>
+          <a:bodyPr wrap="none" anchor="ctr"/>
+          <a:lstStyle/>
+          <a:p>
+            <a:pPr algn="ctr">
+              <a:defRPr/>
+            </a:pPr>
+            <a:r>
+              <a:rPr lang="en-US" sz="1400" dirty="0">
+                <a:latin typeface="Calibri" panose="020F0502020204030204" pitchFamily="34" charset="0"/>
+                <a:cs typeface="Calibri" panose="020F0502020204030204" pitchFamily="34" charset="0"/>
+              </a:rPr>
+              <a:t>Cortex-M23</a:t>
+            </a:r>
+          </a:p>
+        </p:txBody>
+      </p:sp>
+      <p:sp>
+        <p:nvSpPr>
+          <p:cNvPr id="57" name="Rectangle 56"/>
+          <p:cNvSpPr/>
+          <p:nvPr/>
+        </p:nvSpPr>
+        <p:spPr bwMode="auto">
+          <a:xfrm>
+            <a:off x="6370650" y="1891936"/>
+            <a:ext cx="1214438" cy="233363"/>
+          </a:xfrm>
+          <a:prstGeom prst="rect">
+            <a:avLst/>
+          </a:prstGeom>
+          <a:solidFill>
+            <a:schemeClr val="accent1">
+              <a:lumMod val="60000"/>
+              <a:lumOff val="40000"/>
+            </a:schemeClr>
+          </a:solidFill>
+          <a:ln w="19050" cap="flat" cmpd="sng" algn="ctr">
+            <a:noFill/>
+            <a:prstDash val="solid"/>
+            <a:round/>
+            <a:headEnd type="none" w="med" len="med"/>
+            <a:tailEnd type="none" w="med" len="med"/>
+          </a:ln>
+          <a:effectLst/>
+        </p:spPr>
+        <p:txBody>
+          <a:bodyPr wrap="none" anchor="ctr"/>
+          <a:lstStyle/>
+          <a:p>
+            <a:pPr algn="ctr">
+              <a:defRPr/>
+            </a:pPr>
+            <a:r>
+              <a:rPr lang="en-US" sz="1600" b="0" dirty="0">
+                <a:latin typeface="Calibri" panose="020F0502020204030204" pitchFamily="34" charset="0"/>
+                <a:cs typeface="Calibri" panose="020F0502020204030204" pitchFamily="34" charset="0"/>
+              </a:rPr>
+              <a:t>CoreSight</a:t>
+            </a:r>
+          </a:p>
+        </p:txBody>
+      </p:sp>
+      <p:sp>
+        <p:nvSpPr>
+          <p:cNvPr id="58" name="Rectangle 57"/>
+          <p:cNvSpPr/>
+          <p:nvPr/>
+        </p:nvSpPr>
+        <p:spPr bwMode="auto">
+          <a:xfrm>
+            <a:off x="6370650" y="2718589"/>
+            <a:ext cx="1214438" cy="264319"/>
+          </a:xfrm>
+          <a:prstGeom prst="rect">
+            <a:avLst/>
+          </a:prstGeom>
+          <a:solidFill>
+            <a:schemeClr val="accent1">
+              <a:lumMod val="40000"/>
+              <a:lumOff val="60000"/>
+            </a:schemeClr>
+          </a:solidFill>
+          <a:ln w="19050" cap="flat" cmpd="sng" algn="ctr">
+            <a:noFill/>
+            <a:prstDash val="solid"/>
+            <a:round/>
+            <a:headEnd type="none" w="med" len="med"/>
+            <a:tailEnd type="none" w="med" len="med"/>
+          </a:ln>
+          <a:effectLst/>
+        </p:spPr>
+        <p:txBody>
+          <a:bodyPr wrap="none" anchor="ctr"/>
+          <a:lstStyle/>
+          <a:p>
+            <a:pPr algn="ctr">
+              <a:defRPr/>
+            </a:pPr>
+            <a:r>
+              <a:rPr lang="en-US" sz="1400" dirty="0">
+                <a:latin typeface="Calibri" panose="020F0502020204030204" pitchFamily="34" charset="0"/>
+                <a:cs typeface="Calibri" panose="020F0502020204030204" pitchFamily="34" charset="0"/>
+              </a:rPr>
+              <a:t>Cortex-A7</a:t>
+            </a:r>
+          </a:p>
+        </p:txBody>
+      </p:sp>
+      <p:sp>
+        <p:nvSpPr>
+          <p:cNvPr id="59" name="Rectangle 58"/>
+          <p:cNvSpPr/>
+          <p:nvPr/>
+        </p:nvSpPr>
+        <p:spPr bwMode="auto">
+          <a:xfrm>
+            <a:off x="6370650" y="2491174"/>
+            <a:ext cx="1214438" cy="233363"/>
+          </a:xfrm>
+          <a:prstGeom prst="rect">
+            <a:avLst/>
+          </a:prstGeom>
+          <a:solidFill>
+            <a:schemeClr val="accent1">
+              <a:lumMod val="60000"/>
+              <a:lumOff val="40000"/>
+            </a:schemeClr>
+          </a:solidFill>
+          <a:ln w="19050" cap="flat" cmpd="sng" algn="ctr">
+            <a:noFill/>
+            <a:prstDash val="solid"/>
+            <a:round/>
+            <a:headEnd type="none" w="med" len="med"/>
+            <a:tailEnd type="none" w="med" len="med"/>
+          </a:ln>
+          <a:effectLst/>
+        </p:spPr>
+        <p:txBody>
+          <a:bodyPr wrap="none" anchor="ctr"/>
+          <a:lstStyle/>
+          <a:p>
+            <a:pPr algn="ctr">
+              <a:defRPr/>
+            </a:pPr>
+            <a:r>
+              <a:rPr lang="en-US" sz="1600" b="0" dirty="0">
+                <a:latin typeface="Calibri" panose="020F0502020204030204" pitchFamily="34" charset="0"/>
+                <a:cs typeface="Calibri" panose="020F0502020204030204" pitchFamily="34" charset="0"/>
+              </a:rPr>
+              <a:t>CoreSight</a:t>
+            </a:r>
+          </a:p>
+        </p:txBody>
+      </p:sp>
+      <p:sp>
+        <p:nvSpPr>
+          <p:cNvPr id="65" name="Down Arrow 28"/>
+          <p:cNvSpPr>
+            <a:spLocks noChangeArrowheads="1"/>
+          </p:cNvSpPr>
+          <p:nvPr/>
+        </p:nvSpPr>
+        <p:spPr bwMode="auto">
+          <a:xfrm rot="16200000">
+            <a:off x="6045808" y="1814162"/>
+            <a:ext cx="213122" cy="385762"/>
+          </a:xfrm>
+          <a:prstGeom prst="downArrow">
+            <a:avLst>
+              <a:gd name="adj1" fmla="val 25769"/>
+              <a:gd name="adj2" fmla="val 50060"/>
+            </a:avLst>
+          </a:prstGeom>
+          <a:solidFill>
+            <a:schemeClr val="bg1">
+              <a:lumMod val="50000"/>
+            </a:schemeClr>
+          </a:solidFill>
+          <a:ln w="19050" algn="ctr">
+            <a:solidFill>
+              <a:schemeClr val="bg1">
+                <a:lumMod val="50000"/>
+              </a:schemeClr>
+            </a:solidFill>
+            <a:round/>
+            <a:headEnd/>
+            <a:tailEnd/>
+          </a:ln>
+        </p:spPr>
+        <p:txBody>
+          <a:bodyPr wrap="none" anchor="ctr"/>
+          <a:lstStyle/>
+          <a:p>
+            <a:pPr algn="ctr"/>
+            <a:endParaRPr lang="en-US" dirty="0">
+              <a:latin typeface="Calibri" panose="020F0502020204030204" pitchFamily="34" charset="0"/>
+              <a:cs typeface="Calibri" panose="020F0502020204030204" pitchFamily="34" charset="0"/>
+            </a:endParaRPr>
+          </a:p>
+        </p:txBody>
+      </p:sp>
+      <p:cxnSp>
+        <p:nvCxnSpPr>
+          <p:cNvPr id="68" name="Straight Connector 67"/>
+          <p:cNvCxnSpPr/>
+          <p:nvPr/>
+        </p:nvCxnSpPr>
+        <p:spPr bwMode="auto">
+          <a:xfrm flipH="1">
+            <a:off x="5959488" y="1358426"/>
+            <a:ext cx="12698" cy="1306193"/>
+          </a:xfrm>
+          <a:prstGeom prst="line">
+            <a:avLst/>
+          </a:prstGeom>
+          <a:ln w="57150" cmpd="sng">
+            <a:solidFill>
+              <a:schemeClr val="bg1">
+                <a:lumMod val="50000"/>
+              </a:schemeClr>
+            </a:solidFill>
+            <a:miter lim="800000"/>
+            <a:headEnd type="none" w="med" len="med"/>
+            <a:tailEnd type="none" w="med" len="med"/>
+          </a:ln>
+          <a:effectLst/>
+        </p:spPr>
+        <p:style>
+          <a:lnRef idx="3">
+            <a:schemeClr val="accent4"/>
+          </a:lnRef>
+          <a:fillRef idx="0">
+            <a:schemeClr val="accent4"/>
+          </a:fillRef>
+          <a:effectRef idx="2">
+            <a:schemeClr val="accent4"/>
+          </a:effectRef>
+          <a:fontRef idx="minor">
+            <a:schemeClr val="tx1"/>
+          </a:fontRef>
+        </p:style>
+      </p:cxnSp>
+      <p:sp>
+        <p:nvSpPr>
+          <p:cNvPr id="72" name="TextBox 71"/>
+          <p:cNvSpPr txBox="1"/>
+          <p:nvPr/>
+        </p:nvSpPr>
+        <p:spPr>
+          <a:xfrm>
+            <a:off x="3225457" y="718767"/>
+            <a:ext cx="2006599" cy="338554"/>
+          </a:xfrm>
+          <a:prstGeom prst="rect">
+            <a:avLst/>
+          </a:prstGeom>
+          <a:noFill/>
+        </p:spPr>
+        <p:txBody>
+          <a:bodyPr wrap="square" rtlCol="0">
+            <a:spAutoFit/>
+          </a:bodyPr>
+          <a:lstStyle/>
+          <a:p>
+            <a:pPr algn="ctr"/>
+            <a:r>
+              <a:rPr lang="en-US" sz="1600" b="0" dirty="0">
+                <a:latin typeface="Calibri" panose="020F0502020204030204" pitchFamily="34" charset="0"/>
+                <a:cs typeface="Calibri" panose="020F0502020204030204" pitchFamily="34" charset="0"/>
+              </a:rPr>
+              <a:t>Debug Unit</a:t>
+            </a:r>
+          </a:p>
+        </p:txBody>
+      </p:sp>
+      <p:sp>
+        <p:nvSpPr>
+          <p:cNvPr id="73" name="TextBox 72"/>
+          <p:cNvSpPr txBox="1"/>
+          <p:nvPr/>
+        </p:nvSpPr>
+        <p:spPr>
+          <a:xfrm>
+            <a:off x="4964037" y="1036211"/>
+            <a:ext cx="1108876" cy="461665"/>
+          </a:xfrm>
+          <a:prstGeom prst="rect">
+            <a:avLst/>
+          </a:prstGeom>
+          <a:noFill/>
+        </p:spPr>
+        <p:txBody>
+          <a:bodyPr wrap="square" rtlCol="0">
+            <a:spAutoFit/>
+          </a:bodyPr>
+          <a:lstStyle/>
+          <a:p>
+            <a:pPr algn="ctr"/>
+            <a:r>
+              <a:rPr lang="en-US" sz="1200" b="0" dirty="0">
+                <a:latin typeface="Calibri" panose="020F0502020204030204" pitchFamily="34" charset="0"/>
+                <a:cs typeface="Calibri" panose="020F0502020204030204" pitchFamily="34" charset="0"/>
+              </a:rPr>
+              <a:t>JTAG/</a:t>
+            </a:r>
+            <a:br>
+              <a:rPr lang="en-US" sz="1200" b="0" dirty="0">
+                <a:latin typeface="Calibri" panose="020F0502020204030204" pitchFamily="34" charset="0"/>
+                <a:cs typeface="Calibri" panose="020F0502020204030204" pitchFamily="34" charset="0"/>
+              </a:rPr>
+            </a:br>
+            <a:r>
+              <a:rPr lang="en-US" sz="1200" b="0" dirty="0">
+                <a:latin typeface="Calibri" panose="020F0502020204030204" pitchFamily="34" charset="0"/>
+                <a:cs typeface="Calibri" panose="020F0502020204030204" pitchFamily="34" charset="0"/>
+              </a:rPr>
+              <a:t>SWD</a:t>
+            </a:r>
+          </a:p>
+        </p:txBody>
+      </p:sp>
+      <p:sp>
+        <p:nvSpPr>
+          <p:cNvPr id="76" name="TextBox 75"/>
+          <p:cNvSpPr txBox="1"/>
+          <p:nvPr/>
+        </p:nvSpPr>
+        <p:spPr>
+          <a:xfrm>
+            <a:off x="5770710" y="718767"/>
+            <a:ext cx="2016000" cy="338554"/>
+          </a:xfrm>
+          <a:prstGeom prst="rect">
+            <a:avLst/>
+          </a:prstGeom>
+          <a:noFill/>
+        </p:spPr>
+        <p:txBody>
+          <a:bodyPr wrap="square" rtlCol="0">
+            <a:spAutoFit/>
+          </a:bodyPr>
+          <a:lstStyle/>
+          <a:p>
+            <a:pPr algn="ctr"/>
+            <a:r>
+              <a:rPr lang="en-US" sz="1600" b="0" dirty="0">
+                <a:latin typeface="Calibri" panose="020F0502020204030204" pitchFamily="34" charset="0"/>
+                <a:cs typeface="Calibri" panose="020F0502020204030204" pitchFamily="34" charset="0"/>
+              </a:rPr>
+              <a:t>Device</a:t>
+            </a:r>
+          </a:p>
+        </p:txBody>
+      </p:sp>
+      <p:sp>
+        <p:nvSpPr>
+          <p:cNvPr id="78" name="Down Arrow 77"/>
+          <p:cNvSpPr/>
+          <p:nvPr/>
+        </p:nvSpPr>
+        <p:spPr bwMode="auto">
+          <a:xfrm rot="16200000">
+            <a:off x="2845582" y="1322105"/>
+            <a:ext cx="216000" cy="1060571"/>
+          </a:xfrm>
+          <a:prstGeom prst="downArrow">
+            <a:avLst>
+              <a:gd name="adj1" fmla="val 25770"/>
+              <a:gd name="adj2" fmla="val 50000"/>
+            </a:avLst>
+          </a:prstGeom>
+          <a:solidFill>
+            <a:srgbClr val="0091BD"/>
+          </a:solidFill>
+          <a:ln w="19050" cap="flat" cmpd="sng" algn="ctr">
+            <a:noFill/>
+            <a:prstDash val="solid"/>
+            <a:round/>
+            <a:headEnd type="none" w="med" len="med"/>
+            <a:tailEnd type="none" w="med" len="med"/>
+          </a:ln>
+          <a:effectLst/>
+        </p:spPr>
+        <p:txBody>
+          <a:bodyPr wrap="none" anchor="ctr"/>
+          <a:lstStyle/>
+          <a:p>
+            <a:pPr algn="ctr">
+              <a:defRPr/>
+            </a:pPr>
+            <a:endParaRPr lang="en-US" dirty="0">
+              <a:latin typeface="Calibri" panose="020F0502020204030204" pitchFamily="34" charset="0"/>
+              <a:cs typeface="Calibri" panose="020F0502020204030204" pitchFamily="34" charset="0"/>
+            </a:endParaRPr>
+          </a:p>
+        </p:txBody>
+      </p:sp>
+      <p:sp>
+        <p:nvSpPr>
+          <p:cNvPr id="83" name="TextBox 82"/>
+          <p:cNvSpPr txBox="1"/>
+          <p:nvPr/>
+        </p:nvSpPr>
+        <p:spPr>
+          <a:xfrm>
+            <a:off x="2946470" y="3112122"/>
+            <a:ext cx="5143536" cy="307777"/>
+          </a:xfrm>
+          <a:prstGeom prst="rect">
+            <a:avLst/>
+          </a:prstGeom>
+          <a:noFill/>
+        </p:spPr>
+        <p:txBody>
+          <a:bodyPr wrap="square" rtlCol="0">
+            <a:spAutoFit/>
+          </a:bodyPr>
+          <a:lstStyle/>
+          <a:p>
+            <a:pPr algn="ctr"/>
+            <a:r>
+              <a:rPr lang="en-US" sz="1400" b="0" dirty="0">
+                <a:latin typeface="Calibri" panose="020F0502020204030204" pitchFamily="34" charset="0"/>
+                <a:cs typeface="Calibri" panose="020F0502020204030204" pitchFamily="34" charset="0"/>
+              </a:rPr>
+              <a:t>May be integrated on a single evaluation board</a:t>
+            </a:r>
+          </a:p>
+        </p:txBody>
+      </p:sp>
+      <p:sp>
+        <p:nvSpPr>
+          <p:cNvPr id="84" name="TextBox 83"/>
+          <p:cNvSpPr txBox="1"/>
+          <p:nvPr/>
+        </p:nvSpPr>
+        <p:spPr>
+          <a:xfrm>
+            <a:off x="2206080" y="1586431"/>
+            <a:ext cx="928695" cy="307777"/>
+          </a:xfrm>
+          <a:prstGeom prst="rect">
+            <a:avLst/>
+          </a:prstGeom>
+          <a:noFill/>
+        </p:spPr>
+        <p:txBody>
+          <a:bodyPr wrap="square" rtlCol="0">
+            <a:spAutoFit/>
+          </a:bodyPr>
+          <a:lstStyle/>
+          <a:p>
+            <a:pPr algn="ctr"/>
+            <a:r>
+              <a:rPr lang="en-US" sz="1400" b="0" dirty="0">
+                <a:latin typeface="Calibri" panose="020F0502020204030204" pitchFamily="34" charset="0"/>
+                <a:cs typeface="Calibri" panose="020F0502020204030204" pitchFamily="34" charset="0"/>
+              </a:rPr>
+              <a:t>USB</a:t>
+            </a:r>
+          </a:p>
+        </p:txBody>
+      </p:sp>
+      <p:sp>
+        <p:nvSpPr>
+          <p:cNvPr id="35" name="Rectangle 42"/>
+          <p:cNvSpPr>
+            <a:spLocks noChangeArrowheads="1"/>
+          </p:cNvSpPr>
+          <p:nvPr/>
+        </p:nvSpPr>
+        <p:spPr bwMode="auto">
+          <a:xfrm>
+            <a:off x="1091294" y="1412262"/>
+            <a:ext cx="1332000" cy="896767"/>
+          </a:xfrm>
+          <a:prstGeom prst="rect">
+            <a:avLst/>
+          </a:prstGeom>
+          <a:solidFill>
+            <a:srgbClr val="0091BD"/>
+          </a:solidFill>
+          <a:ln w="76200" algn="ctr">
+            <a:noFill/>
+            <a:round/>
+            <a:headEnd/>
+            <a:tailEnd/>
+          </a:ln>
+        </p:spPr>
+        <p:txBody>
+          <a:bodyPr wrap="none" anchor="ctr"/>
+          <a:lstStyle/>
+          <a:p>
+            <a:pPr algn="ctr"/>
+            <a:r>
+              <a:rPr lang="en-US" sz="2400" b="0" dirty="0">
+                <a:solidFill>
+                  <a:schemeClr val="bg1"/>
+                </a:solidFill>
+                <a:latin typeface="Calibri" panose="020F0502020204030204" pitchFamily="34" charset="0"/>
+                <a:cs typeface="Calibri" panose="020F0502020204030204" pitchFamily="34" charset="0"/>
+              </a:rPr>
+              <a:t>Debugger</a:t>
+            </a:r>
+            <a:endParaRPr lang="en-US" sz="1600" b="0" dirty="0">
+              <a:solidFill>
+                <a:schemeClr val="bg1"/>
+              </a:solidFill>
+              <a:latin typeface="Calibri" panose="020F0502020204030204" pitchFamily="34" charset="0"/>
+              <a:cs typeface="Calibri" panose="020F0502020204030204" pitchFamily="34" charset="0"/>
+            </a:endParaRPr>
+          </a:p>
+        </p:txBody>
+      </p:sp>
+      <p:sp>
+        <p:nvSpPr>
+          <p:cNvPr id="37" name="TextBox 36"/>
+          <p:cNvSpPr txBox="1"/>
+          <p:nvPr/>
+        </p:nvSpPr>
+        <p:spPr>
+          <a:xfrm>
+            <a:off x="1091294" y="1128543"/>
+            <a:ext cx="1332000" cy="276999"/>
+          </a:xfrm>
+          <a:prstGeom prst="rect">
+            <a:avLst/>
+          </a:prstGeom>
+          <a:noFill/>
+        </p:spPr>
+        <p:txBody>
+          <a:bodyPr wrap="square" rtlCol="0">
+            <a:spAutoFit/>
+          </a:bodyPr>
+          <a:lstStyle/>
+          <a:p>
+            <a:pPr algn="ctr"/>
+            <a:r>
+              <a:rPr lang="en-US" sz="1200" b="0" dirty="0">
+                <a:latin typeface="Calibri" panose="020F0502020204030204" pitchFamily="34" charset="0"/>
+                <a:cs typeface="Calibri" panose="020F0502020204030204" pitchFamily="34" charset="0"/>
+              </a:rPr>
+              <a:t>Host PC</a:t>
+            </a:r>
+          </a:p>
+        </p:txBody>
+      </p:sp>
+      <p:sp>
+        <p:nvSpPr>
+          <p:cNvPr id="66" name="Down Arrow 28"/>
+          <p:cNvSpPr>
+            <a:spLocks noChangeArrowheads="1"/>
+          </p:cNvSpPr>
+          <p:nvPr/>
+        </p:nvSpPr>
+        <p:spPr bwMode="auto">
+          <a:xfrm rot="16200000">
+            <a:off x="6045808" y="2436446"/>
+            <a:ext cx="213122" cy="385762"/>
+          </a:xfrm>
+          <a:prstGeom prst="downArrow">
+            <a:avLst>
+              <a:gd name="adj1" fmla="val 25769"/>
+              <a:gd name="adj2" fmla="val 50060"/>
+            </a:avLst>
+          </a:prstGeom>
+          <a:solidFill>
+            <a:schemeClr val="bg1">
+              <a:lumMod val="50000"/>
+            </a:schemeClr>
+          </a:solidFill>
+          <a:ln w="19050" algn="ctr">
+            <a:solidFill>
+              <a:schemeClr val="bg1">
+                <a:lumMod val="50000"/>
+              </a:schemeClr>
+            </a:solidFill>
+            <a:round/>
+            <a:headEnd/>
+            <a:tailEnd/>
+          </a:ln>
+        </p:spPr>
+        <p:txBody>
+          <a:bodyPr wrap="none" anchor="ctr"/>
+          <a:lstStyle/>
+          <a:p>
+            <a:pPr algn="ctr"/>
+            <a:endParaRPr lang="en-US" dirty="0">
+              <a:latin typeface="Calibri" panose="020F0502020204030204" pitchFamily="34" charset="0"/>
+              <a:cs typeface="Calibri" panose="020F0502020204030204" pitchFamily="34" charset="0"/>
+            </a:endParaRPr>
+          </a:p>
+        </p:txBody>
+      </p:sp>
+      <p:sp>
+        <p:nvSpPr>
+          <p:cNvPr id="38" name="Down Arrow 27"/>
+          <p:cNvSpPr>
+            <a:spLocks noChangeArrowheads="1"/>
+          </p:cNvSpPr>
+          <p:nvPr/>
+        </p:nvSpPr>
+        <p:spPr bwMode="auto">
+          <a:xfrm rot="5400000">
+            <a:off x="5401627" y="1431433"/>
+            <a:ext cx="153889" cy="928694"/>
+          </a:xfrm>
+          <a:prstGeom prst="downArrow">
+            <a:avLst>
+              <a:gd name="adj1" fmla="val 25769"/>
+              <a:gd name="adj2" fmla="val 50059"/>
+            </a:avLst>
+          </a:prstGeom>
+          <a:solidFill>
+            <a:schemeClr val="bg1">
+              <a:lumMod val="50000"/>
+            </a:schemeClr>
+          </a:solidFill>
+          <a:ln w="19050" algn="ctr">
+            <a:solidFill>
+              <a:schemeClr val="bg1">
+                <a:lumMod val="50000"/>
+              </a:schemeClr>
+            </a:solidFill>
+            <a:round/>
+            <a:headEnd/>
+            <a:tailEnd/>
+          </a:ln>
+        </p:spPr>
+        <p:txBody>
+          <a:bodyPr wrap="none" anchor="ctr"/>
+          <a:lstStyle/>
+          <a:p>
+            <a:pPr algn="ctr"/>
+            <a:endParaRPr lang="en-US" dirty="0">
+              <a:latin typeface="Calibri" panose="020F0502020204030204" pitchFamily="34" charset="0"/>
+              <a:cs typeface="Calibri" panose="020F0502020204030204" pitchFamily="34" charset="0"/>
+            </a:endParaRPr>
+          </a:p>
+        </p:txBody>
+      </p:sp>
+      <p:sp>
+        <p:nvSpPr>
+          <p:cNvPr id="45" name="TextBox 44"/>
+          <p:cNvSpPr txBox="1"/>
+          <p:nvPr/>
+        </p:nvSpPr>
+        <p:spPr>
+          <a:xfrm>
+            <a:off x="4958035" y="1637303"/>
+            <a:ext cx="1108876" cy="276999"/>
+          </a:xfrm>
+          <a:prstGeom prst="rect">
+            <a:avLst/>
+          </a:prstGeom>
+          <a:noFill/>
+        </p:spPr>
+        <p:txBody>
+          <a:bodyPr wrap="square" rtlCol="0">
+            <a:spAutoFit/>
+          </a:bodyPr>
+          <a:lstStyle/>
+          <a:p>
+            <a:pPr algn="ctr"/>
+            <a:r>
+              <a:rPr lang="en-US" sz="1200" dirty="0">
+                <a:latin typeface="Calibri" panose="020F0502020204030204" pitchFamily="34" charset="0"/>
+                <a:cs typeface="Calibri" panose="020F0502020204030204" pitchFamily="34" charset="0"/>
+              </a:rPr>
+              <a:t>SWO</a:t>
+            </a:r>
+            <a:endParaRPr lang="en-US" sz="1200" b="0" dirty="0">
+              <a:latin typeface="Calibri" panose="020F0502020204030204" pitchFamily="34" charset="0"/>
+              <a:cs typeface="Calibri" panose="020F0502020204030204" pitchFamily="34" charset="0"/>
+            </a:endParaRPr>
+          </a:p>
+        </p:txBody>
+      </p:sp>
+      <p:cxnSp>
+        <p:nvCxnSpPr>
+          <p:cNvPr id="9" name="Straight Arrow Connector 8">
+            <a:extLst>
+              <a:ext uri="{FF2B5EF4-FFF2-40B4-BE49-F238E27FC236}">
+                <a16:creationId xmlns:a16="http://schemas.microsoft.com/office/drawing/2014/main" id="{437D30EF-0673-43EA-95B4-B6F33A92FD90}"/>
+              </a:ext>
+            </a:extLst>
+          </p:cNvPr>
+          <p:cNvCxnSpPr/>
+          <p:nvPr/>
+        </p:nvCxnSpPr>
+        <p:spPr>
+          <a:xfrm>
+            <a:off x="5014223" y="2248525"/>
+            <a:ext cx="756487" cy="0"/>
+          </a:xfrm>
+          <a:prstGeom prst="straightConnector1">
+            <a:avLst/>
+          </a:prstGeom>
+          <a:ln w="38100" cmpd="sng">
+            <a:solidFill>
+              <a:schemeClr val="bg1">
+                <a:lumMod val="50000"/>
+              </a:schemeClr>
+            </a:solidFill>
+            <a:miter lim="800000"/>
+            <a:headEnd type="triangle" w="med" len="med"/>
+            <a:tailEnd type="triangle" w="med" len="med"/>
+          </a:ln>
+          <a:effectLst/>
+        </p:spPr>
+        <p:style>
+          <a:lnRef idx="3">
+            <a:schemeClr val="accent4"/>
+          </a:lnRef>
+          <a:fillRef idx="0">
+            <a:schemeClr val="accent4"/>
+          </a:fillRef>
+          <a:effectRef idx="2">
+            <a:schemeClr val="accent4"/>
+          </a:effectRef>
+          <a:fontRef idx="minor">
+            <a:schemeClr val="tx1"/>
+          </a:fontRef>
+        </p:style>
+      </p:cxnSp>
+      <p:sp>
+        <p:nvSpPr>
+          <p:cNvPr id="40" name="TextBox 39">
+            <a:extLst>
+              <a:ext uri="{FF2B5EF4-FFF2-40B4-BE49-F238E27FC236}">
+                <a16:creationId xmlns:a16="http://schemas.microsoft.com/office/drawing/2014/main" id="{8E0BC28F-D94F-4B94-970F-FB66CFD1A243}"/>
+              </a:ext>
+            </a:extLst>
+          </p:cNvPr>
+          <p:cNvSpPr txBox="1"/>
+          <p:nvPr/>
+        </p:nvSpPr>
+        <p:spPr>
+          <a:xfrm>
+            <a:off x="5014221" y="1977837"/>
+            <a:ext cx="919867" cy="276999"/>
+          </a:xfrm>
+          <a:prstGeom prst="rect">
+            <a:avLst/>
+          </a:prstGeom>
+          <a:noFill/>
+        </p:spPr>
+        <p:txBody>
+          <a:bodyPr wrap="square" rtlCol="0">
+            <a:spAutoFit/>
+          </a:bodyPr>
+          <a:lstStyle/>
+          <a:p>
+            <a:pPr algn="ctr"/>
+            <a:r>
+              <a:rPr lang="en-US" sz="1200" dirty="0">
+                <a:solidFill>
+                  <a:schemeClr val="tx2">
+                    <a:lumMod val="65000"/>
+                    <a:lumOff val="35000"/>
+                  </a:schemeClr>
+                </a:solidFill>
+                <a:latin typeface="Calibri" panose="020F0502020204030204" pitchFamily="34" charset="0"/>
+                <a:cs typeface="Calibri" panose="020F0502020204030204" pitchFamily="34" charset="0"/>
+              </a:rPr>
+              <a:t>UART</a:t>
+            </a:r>
+            <a:endParaRPr lang="en-US" sz="1200" b="0" dirty="0">
+              <a:solidFill>
+                <a:schemeClr val="tx2">
+                  <a:lumMod val="65000"/>
+                  <a:lumOff val="35000"/>
+                </a:schemeClr>
+              </a:solidFill>
+              <a:latin typeface="Calibri" panose="020F0502020204030204" pitchFamily="34" charset="0"/>
+              <a:cs typeface="Calibri" panose="020F0502020204030204" pitchFamily="34" charset="0"/>
+            </a:endParaRPr>
+          </a:p>
+        </p:txBody>
+      </p:sp>
+    </p:spTree>
+    <p:extLst>
+      <p:ext uri="{BB962C8B-B14F-4D97-AF65-F5344CB8AC3E}">
+        <p14:creationId xmlns:p14="http://schemas.microsoft.com/office/powerpoint/2010/main" val="1096955970"/>
+      </p:ext>
+    </p:extLst>
+  </p:cSld>
+  <p:clrMapOvr>
+    <a:masterClrMapping/>
+  </p:clrMapOvr>
+</p:sld>
+</file>
+
+<file path=ppt/slides/slide4.xml><?xml version="1.0" encoding="utf-8"?>
+<p:sld xmlns:a="http://schemas.openxmlformats.org/drawingml/2006/main" xmlns:r="http://schemas.openxmlformats.org/officeDocument/2006/relationships" xmlns:p="http://schemas.openxmlformats.org/presentationml/2006/main">
+  <p:cSld>
+    <p:spTree>
+      <p:nvGrpSpPr>
+        <p:cNvPr id="1" name=""/>
+        <p:cNvGrpSpPr/>
+        <p:nvPr/>
+      </p:nvGrpSpPr>
+      <p:grpSpPr>
+        <a:xfrm>
+          <a:off x="0" y="0"/>
+          <a:ext cx="0" cy="0"/>
+          <a:chOff x="0" y="0"/>
+          <a:chExt cx="0" cy="0"/>
+        </a:xfrm>
+      </p:grpSpPr>
+      <p:sp>
+        <p:nvSpPr>
+          <p:cNvPr id="5" name="TextBox 4">
+            <a:extLst>
+              <a:ext uri="{FF2B5EF4-FFF2-40B4-BE49-F238E27FC236}">
+                <a16:creationId xmlns:a16="http://schemas.microsoft.com/office/drawing/2014/main" id="{7C21CE0E-D5BF-4BF2-B7ED-1B0E94650D1C}"/>
+              </a:ext>
+            </a:extLst>
+          </p:cNvPr>
+          <p:cNvSpPr txBox="1"/>
+          <p:nvPr/>
+        </p:nvSpPr>
+        <p:spPr>
+          <a:xfrm>
+            <a:off x="3483868" y="718767"/>
+            <a:ext cx="1980000" cy="338554"/>
+          </a:xfrm>
+          <a:prstGeom prst="rect">
+            <a:avLst/>
+          </a:prstGeom>
+          <a:noFill/>
+        </p:spPr>
+        <p:txBody>
+          <a:bodyPr wrap="square" rtlCol="0">
+            <a:spAutoFit/>
+          </a:bodyPr>
+          <a:lstStyle/>
+          <a:p>
+            <a:pPr algn="ctr"/>
+            <a:r>
+              <a:rPr lang="en-US" sz="1600" b="0" dirty="0">
+                <a:latin typeface="Calibri" panose="020F0502020204030204" pitchFamily="34" charset="0"/>
+                <a:cs typeface="Calibri" panose="020F0502020204030204" pitchFamily="34" charset="0"/>
+              </a:rPr>
+              <a:t>Debug Unit</a:t>
+            </a:r>
+          </a:p>
+        </p:txBody>
+      </p:sp>
+      <p:sp>
+        <p:nvSpPr>
+          <p:cNvPr id="9" name="Rectangle 8">
+            <a:extLst>
+              <a:ext uri="{FF2B5EF4-FFF2-40B4-BE49-F238E27FC236}">
+                <a16:creationId xmlns:a16="http://schemas.microsoft.com/office/drawing/2014/main" id="{1D555A8F-D1D0-434D-8724-8792BF0AA2A2}"/>
+              </a:ext>
+            </a:extLst>
+          </p:cNvPr>
+          <p:cNvSpPr/>
+          <p:nvPr/>
+        </p:nvSpPr>
+        <p:spPr>
+          <a:xfrm>
+            <a:off x="3483868" y="1057321"/>
+            <a:ext cx="1980000" cy="1980000"/>
+          </a:xfrm>
+          <a:prstGeom prst="rect">
+            <a:avLst/>
+          </a:prstGeom>
+          <a:solidFill>
+            <a:srgbClr val="0091BD"/>
+          </a:solidFill>
+          <a:ln w="6350" cmpd="sng">
+            <a:solidFill>
+              <a:schemeClr val="accent1"/>
+            </a:solidFill>
+          </a:ln>
+          <a:effectLst/>
+        </p:spPr>
+        <p:style>
+          <a:lnRef idx="1">
+            <a:schemeClr val="accent1"/>
+          </a:lnRef>
+          <a:fillRef idx="3">
+            <a:schemeClr val="accent1"/>
+          </a:fillRef>
+          <a:effectRef idx="2">
+            <a:schemeClr val="accent1"/>
+          </a:effectRef>
+          <a:fontRef idx="minor">
+            <a:schemeClr val="lt1"/>
+          </a:fontRef>
+        </p:style>
+        <p:txBody>
+          <a:bodyPr rtlCol="0" anchor="ctr"/>
+          <a:lstStyle/>
+          <a:p>
+            <a:pPr algn="ctr"/>
+            <a:r>
+              <a:rPr lang="en-US" sz="2000" dirty="0">
+                <a:solidFill>
+                  <a:schemeClr val="bg1"/>
+                </a:solidFill>
+                <a:latin typeface="Calibri" panose="020F0502020204030204" pitchFamily="34" charset="0"/>
+                <a:cs typeface="Calibri" panose="020F0502020204030204" pitchFamily="34" charset="0"/>
+              </a:rPr>
+              <a:t>Arm Cortex-M based microcontroller</a:t>
+            </a:r>
+            <a:endParaRPr lang="en-GB" sz="2000" dirty="0" err="1">
+              <a:solidFill>
+                <a:schemeClr val="bg1"/>
+              </a:solidFill>
+              <a:latin typeface="Calibri" panose="020F0502020204030204" pitchFamily="34" charset="0"/>
+              <a:cs typeface="Calibri" panose="020F0502020204030204" pitchFamily="34" charset="0"/>
+            </a:endParaRPr>
+          </a:p>
+        </p:txBody>
+      </p:sp>
+      <p:sp>
+        <p:nvSpPr>
+          <p:cNvPr id="10" name="TextBox 9">
+            <a:extLst>
+              <a:ext uri="{FF2B5EF4-FFF2-40B4-BE49-F238E27FC236}">
+                <a16:creationId xmlns:a16="http://schemas.microsoft.com/office/drawing/2014/main" id="{B6F4B4A8-7D83-434C-9E25-F3AC2EF42B6C}"/>
+              </a:ext>
+            </a:extLst>
+          </p:cNvPr>
+          <p:cNvSpPr txBox="1"/>
+          <p:nvPr/>
+        </p:nvSpPr>
+        <p:spPr>
+          <a:xfrm>
+            <a:off x="5812961" y="1139380"/>
+            <a:ext cx="1215956" cy="1815882"/>
+          </a:xfrm>
+          <a:prstGeom prst="rect">
+            <a:avLst/>
+          </a:prstGeom>
+          <a:noFill/>
+        </p:spPr>
+        <p:txBody>
+          <a:bodyPr wrap="square" rtlCol="0">
+            <a:spAutoFit/>
+          </a:bodyPr>
+          <a:lstStyle/>
+          <a:p>
+            <a:r>
+              <a:rPr lang="en-US" sz="1400" dirty="0">
+                <a:solidFill>
+                  <a:schemeClr val="tx2"/>
+                </a:solidFill>
+                <a:latin typeface="Calibri" panose="020F0502020204030204" pitchFamily="34" charset="0"/>
+                <a:cs typeface="Calibri" panose="020F0502020204030204" pitchFamily="34" charset="0"/>
+              </a:rPr>
+              <a:t>TCK/SWCLK</a:t>
+            </a:r>
+          </a:p>
+          <a:p>
+            <a:r>
+              <a:rPr lang="en-US" sz="1400" dirty="0">
+                <a:solidFill>
+                  <a:schemeClr val="tx2"/>
+                </a:solidFill>
+                <a:latin typeface="Calibri" panose="020F0502020204030204" pitchFamily="34" charset="0"/>
+                <a:cs typeface="Calibri" panose="020F0502020204030204" pitchFamily="34" charset="0"/>
+              </a:rPr>
+              <a:t>TMS/SWDIO</a:t>
+            </a:r>
+          </a:p>
+          <a:p>
+            <a:r>
+              <a:rPr lang="en-US" sz="1400" dirty="0">
+                <a:solidFill>
+                  <a:schemeClr val="tx2"/>
+                </a:solidFill>
+                <a:latin typeface="Calibri" panose="020F0502020204030204" pitchFamily="34" charset="0"/>
+                <a:cs typeface="Calibri" panose="020F0502020204030204" pitchFamily="34" charset="0"/>
+              </a:rPr>
+              <a:t>TDI</a:t>
+            </a:r>
+          </a:p>
+          <a:p>
+            <a:r>
+              <a:rPr lang="en-US" sz="1400" dirty="0">
+                <a:solidFill>
+                  <a:schemeClr val="tx2"/>
+                </a:solidFill>
+                <a:latin typeface="Calibri" panose="020F0502020204030204" pitchFamily="34" charset="0"/>
+                <a:cs typeface="Calibri" panose="020F0502020204030204" pitchFamily="34" charset="0"/>
+              </a:rPr>
+              <a:t>TDO/SWO</a:t>
+            </a:r>
+          </a:p>
+          <a:p>
+            <a:r>
+              <a:rPr lang="en-US" sz="1400" dirty="0" err="1">
+                <a:solidFill>
+                  <a:schemeClr val="tx2"/>
+                </a:solidFill>
+                <a:latin typeface="Calibri" panose="020F0502020204030204" pitchFamily="34" charset="0"/>
+                <a:cs typeface="Calibri" panose="020F0502020204030204" pitchFamily="34" charset="0"/>
+              </a:rPr>
+              <a:t>nTRST</a:t>
+            </a:r>
+            <a:endParaRPr lang="en-US" sz="1400" dirty="0">
+              <a:solidFill>
+                <a:schemeClr val="tx2"/>
+              </a:solidFill>
+              <a:latin typeface="Calibri" panose="020F0502020204030204" pitchFamily="34" charset="0"/>
+              <a:cs typeface="Calibri" panose="020F0502020204030204" pitchFamily="34" charset="0"/>
+            </a:endParaRPr>
+          </a:p>
+          <a:p>
+            <a:r>
+              <a:rPr lang="en-US" sz="1400" dirty="0" err="1">
+                <a:solidFill>
+                  <a:schemeClr val="tx2"/>
+                </a:solidFill>
+                <a:latin typeface="Calibri" panose="020F0502020204030204" pitchFamily="34" charset="0"/>
+                <a:cs typeface="Calibri" panose="020F0502020204030204" pitchFamily="34" charset="0"/>
+              </a:rPr>
+              <a:t>nRESET</a:t>
+            </a:r>
+            <a:endParaRPr lang="en-US" sz="1400" dirty="0">
+              <a:solidFill>
+                <a:schemeClr val="tx2"/>
+              </a:solidFill>
+              <a:latin typeface="Calibri" panose="020F0502020204030204" pitchFamily="34" charset="0"/>
+              <a:cs typeface="Calibri" panose="020F0502020204030204" pitchFamily="34" charset="0"/>
+            </a:endParaRPr>
+          </a:p>
+          <a:p>
+            <a:r>
+              <a:rPr lang="en-US" sz="1400" dirty="0">
+                <a:solidFill>
+                  <a:schemeClr val="tx2"/>
+                </a:solidFill>
+                <a:latin typeface="Calibri" panose="020F0502020204030204" pitchFamily="34" charset="0"/>
+                <a:cs typeface="Calibri" panose="020F0502020204030204" pitchFamily="34" charset="0"/>
+              </a:rPr>
+              <a:t>UART RX</a:t>
+            </a:r>
+          </a:p>
+          <a:p>
+            <a:r>
+              <a:rPr lang="en-US" sz="1400" dirty="0">
+                <a:solidFill>
+                  <a:schemeClr val="tx2"/>
+                </a:solidFill>
+                <a:latin typeface="Calibri" panose="020F0502020204030204" pitchFamily="34" charset="0"/>
+                <a:cs typeface="Calibri" panose="020F0502020204030204" pitchFamily="34" charset="0"/>
+              </a:rPr>
+              <a:t>UART TX</a:t>
+            </a:r>
+            <a:endParaRPr lang="en-GB" sz="1400" dirty="0" err="1">
+              <a:solidFill>
+                <a:schemeClr val="tx2"/>
+              </a:solidFill>
+              <a:latin typeface="Calibri" panose="020F0502020204030204" pitchFamily="34" charset="0"/>
+              <a:cs typeface="Calibri" panose="020F0502020204030204" pitchFamily="34" charset="0"/>
+            </a:endParaRPr>
+          </a:p>
+        </p:txBody>
+      </p:sp>
+      <p:cxnSp>
+        <p:nvCxnSpPr>
+          <p:cNvPr id="12" name="Straight Connector 11">
+            <a:extLst>
+              <a:ext uri="{FF2B5EF4-FFF2-40B4-BE49-F238E27FC236}">
+                <a16:creationId xmlns:a16="http://schemas.microsoft.com/office/drawing/2014/main" id="{7E8B4AC9-610C-44A4-857A-BE3621AECEA2}"/>
+              </a:ext>
+            </a:extLst>
+          </p:cNvPr>
+          <p:cNvCxnSpPr/>
+          <p:nvPr/>
+        </p:nvCxnSpPr>
+        <p:spPr>
+          <a:xfrm>
+            <a:off x="5463868" y="1276350"/>
+            <a:ext cx="349093" cy="0"/>
+          </a:xfrm>
+          <a:prstGeom prst="line">
+            <a:avLst/>
+          </a:prstGeom>
+          <a:ln w="31750" cmpd="sng">
+            <a:solidFill>
+              <a:srgbClr val="2D2D2D"/>
+            </a:solidFill>
+            <a:headEnd type="none" w="med" len="med"/>
+            <a:tailEnd type="none" w="med" len="med"/>
+          </a:ln>
+          <a:effectLst/>
+        </p:spPr>
+        <p:style>
+          <a:lnRef idx="2">
+            <a:schemeClr val="accent1"/>
+          </a:lnRef>
+          <a:fillRef idx="0">
+            <a:schemeClr val="accent1"/>
+          </a:fillRef>
+          <a:effectRef idx="1">
+            <a:schemeClr val="accent1"/>
+          </a:effectRef>
+          <a:fontRef idx="minor">
+            <a:schemeClr val="tx1"/>
+          </a:fontRef>
+        </p:style>
+      </p:cxnSp>
+      <p:cxnSp>
+        <p:nvCxnSpPr>
+          <p:cNvPr id="13" name="Straight Connector 12">
+            <a:extLst>
+              <a:ext uri="{FF2B5EF4-FFF2-40B4-BE49-F238E27FC236}">
+                <a16:creationId xmlns:a16="http://schemas.microsoft.com/office/drawing/2014/main" id="{88AAD593-A48F-417C-A9B9-C3CB6CC51140}"/>
+              </a:ext>
+            </a:extLst>
+          </p:cNvPr>
+          <p:cNvCxnSpPr/>
+          <p:nvPr/>
+        </p:nvCxnSpPr>
+        <p:spPr>
+          <a:xfrm>
+            <a:off x="5463868" y="1490436"/>
+            <a:ext cx="349093" cy="0"/>
+          </a:xfrm>
+          <a:prstGeom prst="line">
+            <a:avLst/>
+          </a:prstGeom>
+          <a:ln w="31750" cmpd="sng">
+            <a:solidFill>
+              <a:srgbClr val="2D2D2D"/>
+            </a:solidFill>
+            <a:headEnd type="none" w="med" len="med"/>
+            <a:tailEnd type="none" w="med" len="med"/>
+          </a:ln>
+          <a:effectLst/>
+        </p:spPr>
+        <p:style>
+          <a:lnRef idx="2">
+            <a:schemeClr val="accent1"/>
+          </a:lnRef>
+          <a:fillRef idx="0">
+            <a:schemeClr val="accent1"/>
+          </a:fillRef>
+          <a:effectRef idx="1">
+            <a:schemeClr val="accent1"/>
+          </a:effectRef>
+          <a:fontRef idx="minor">
+            <a:schemeClr val="tx1"/>
+          </a:fontRef>
+        </p:style>
+      </p:cxnSp>
+      <p:cxnSp>
+        <p:nvCxnSpPr>
+          <p:cNvPr id="14" name="Straight Connector 13">
+            <a:extLst>
+              <a:ext uri="{FF2B5EF4-FFF2-40B4-BE49-F238E27FC236}">
+                <a16:creationId xmlns:a16="http://schemas.microsoft.com/office/drawing/2014/main" id="{42FE278F-455F-4A10-B1CA-4797659A0089}"/>
+              </a:ext>
+            </a:extLst>
+          </p:cNvPr>
+          <p:cNvCxnSpPr/>
+          <p:nvPr/>
+        </p:nvCxnSpPr>
+        <p:spPr>
+          <a:xfrm>
+            <a:off x="5463094" y="1698172"/>
+            <a:ext cx="349093" cy="0"/>
+          </a:xfrm>
+          <a:prstGeom prst="line">
+            <a:avLst/>
+          </a:prstGeom>
+          <a:ln w="31750" cmpd="sng">
+            <a:solidFill>
+              <a:srgbClr val="2D2D2D"/>
+            </a:solidFill>
+            <a:headEnd type="none" w="med" len="med"/>
+            <a:tailEnd type="none" w="med" len="med"/>
+          </a:ln>
+          <a:effectLst/>
+        </p:spPr>
+        <p:style>
+          <a:lnRef idx="2">
+            <a:schemeClr val="accent1"/>
+          </a:lnRef>
+          <a:fillRef idx="0">
+            <a:schemeClr val="accent1"/>
+          </a:fillRef>
+          <a:effectRef idx="1">
+            <a:schemeClr val="accent1"/>
+          </a:effectRef>
+          <a:fontRef idx="minor">
+            <a:schemeClr val="tx1"/>
+          </a:fontRef>
+        </p:style>
+      </p:cxnSp>
+      <p:cxnSp>
+        <p:nvCxnSpPr>
+          <p:cNvPr id="15" name="Straight Connector 14">
+            <a:extLst>
+              <a:ext uri="{FF2B5EF4-FFF2-40B4-BE49-F238E27FC236}">
+                <a16:creationId xmlns:a16="http://schemas.microsoft.com/office/drawing/2014/main" id="{90D15386-BF31-457D-A6E7-8410EAAEC84C}"/>
+              </a:ext>
+            </a:extLst>
+          </p:cNvPr>
+          <p:cNvCxnSpPr/>
+          <p:nvPr/>
+        </p:nvCxnSpPr>
+        <p:spPr>
+          <a:xfrm>
+            <a:off x="5469059" y="1918608"/>
+            <a:ext cx="349093" cy="0"/>
+          </a:xfrm>
+          <a:prstGeom prst="line">
+            <a:avLst/>
+          </a:prstGeom>
+          <a:ln w="31750" cmpd="sng">
+            <a:solidFill>
+              <a:srgbClr val="2D2D2D"/>
+            </a:solidFill>
+            <a:headEnd type="none" w="med" len="med"/>
+            <a:tailEnd type="none" w="med" len="med"/>
+          </a:ln>
+          <a:effectLst/>
+        </p:spPr>
+        <p:style>
+          <a:lnRef idx="2">
+            <a:schemeClr val="accent1"/>
+          </a:lnRef>
+          <a:fillRef idx="0">
+            <a:schemeClr val="accent1"/>
+          </a:fillRef>
+          <a:effectRef idx="1">
+            <a:schemeClr val="accent1"/>
+          </a:effectRef>
+          <a:fontRef idx="minor">
+            <a:schemeClr val="tx1"/>
+          </a:fontRef>
+        </p:style>
+      </p:cxnSp>
+      <p:cxnSp>
+        <p:nvCxnSpPr>
+          <p:cNvPr id="16" name="Straight Connector 15">
+            <a:extLst>
+              <a:ext uri="{FF2B5EF4-FFF2-40B4-BE49-F238E27FC236}">
+                <a16:creationId xmlns:a16="http://schemas.microsoft.com/office/drawing/2014/main" id="{AF3C8E5C-FBFF-480E-9AA4-0D27F2166559}"/>
+              </a:ext>
+            </a:extLst>
+          </p:cNvPr>
+          <p:cNvCxnSpPr/>
+          <p:nvPr/>
+        </p:nvCxnSpPr>
+        <p:spPr>
+          <a:xfrm>
+            <a:off x="5466677" y="2132694"/>
+            <a:ext cx="349093" cy="0"/>
+          </a:xfrm>
+          <a:prstGeom prst="line">
+            <a:avLst/>
+          </a:prstGeom>
+          <a:ln w="31750" cmpd="sng">
+            <a:solidFill>
+              <a:srgbClr val="2D2D2D"/>
+            </a:solidFill>
+            <a:headEnd type="none" w="med" len="med"/>
+            <a:tailEnd type="none" w="med" len="med"/>
+          </a:ln>
+          <a:effectLst/>
+        </p:spPr>
+        <p:style>
+          <a:lnRef idx="2">
+            <a:schemeClr val="accent1"/>
+          </a:lnRef>
+          <a:fillRef idx="0">
+            <a:schemeClr val="accent1"/>
+          </a:fillRef>
+          <a:effectRef idx="1">
+            <a:schemeClr val="accent1"/>
+          </a:effectRef>
+          <a:fontRef idx="minor">
+            <a:schemeClr val="tx1"/>
+          </a:fontRef>
+        </p:style>
+      </p:cxnSp>
+      <p:cxnSp>
+        <p:nvCxnSpPr>
+          <p:cNvPr id="17" name="Straight Connector 16">
+            <a:extLst>
+              <a:ext uri="{FF2B5EF4-FFF2-40B4-BE49-F238E27FC236}">
+                <a16:creationId xmlns:a16="http://schemas.microsoft.com/office/drawing/2014/main" id="{902A3458-E55A-43BD-BE3E-343DBC2CD347}"/>
+              </a:ext>
+            </a:extLst>
+          </p:cNvPr>
+          <p:cNvCxnSpPr/>
+          <p:nvPr/>
+        </p:nvCxnSpPr>
+        <p:spPr>
+          <a:xfrm>
+            <a:off x="5463115" y="2346780"/>
+            <a:ext cx="349093" cy="0"/>
+          </a:xfrm>
+          <a:prstGeom prst="line">
+            <a:avLst/>
+          </a:prstGeom>
+          <a:ln w="31750" cmpd="sng">
+            <a:solidFill>
+              <a:srgbClr val="2D2D2D"/>
+            </a:solidFill>
+            <a:headEnd type="none" w="med" len="med"/>
+            <a:tailEnd type="none" w="med" len="med"/>
+          </a:ln>
+          <a:effectLst/>
+        </p:spPr>
+        <p:style>
+          <a:lnRef idx="2">
+            <a:schemeClr val="accent1"/>
+          </a:lnRef>
+          <a:fillRef idx="0">
+            <a:schemeClr val="accent1"/>
+          </a:fillRef>
+          <a:effectRef idx="1">
+            <a:schemeClr val="accent1"/>
+          </a:effectRef>
+          <a:fontRef idx="minor">
+            <a:schemeClr val="tx1"/>
+          </a:fontRef>
+        </p:style>
+      </p:cxnSp>
+      <p:cxnSp>
+        <p:nvCxnSpPr>
+          <p:cNvPr id="18" name="Straight Connector 17">
+            <a:extLst>
+              <a:ext uri="{FF2B5EF4-FFF2-40B4-BE49-F238E27FC236}">
+                <a16:creationId xmlns:a16="http://schemas.microsoft.com/office/drawing/2014/main" id="{68A89D66-1CCD-4871-BEBC-AD1672A0D360}"/>
+              </a:ext>
+            </a:extLst>
+          </p:cNvPr>
+          <p:cNvCxnSpPr/>
+          <p:nvPr/>
+        </p:nvCxnSpPr>
+        <p:spPr>
+          <a:xfrm>
+            <a:off x="5463115" y="2570391"/>
+            <a:ext cx="349093" cy="0"/>
+          </a:xfrm>
+          <a:prstGeom prst="line">
+            <a:avLst/>
+          </a:prstGeom>
+          <a:ln w="31750" cmpd="sng">
+            <a:solidFill>
+              <a:schemeClr val="tx2"/>
+            </a:solidFill>
+            <a:headEnd type="none" w="med" len="med"/>
+            <a:tailEnd type="none" w="med" len="med"/>
+          </a:ln>
+          <a:effectLst/>
+        </p:spPr>
+        <p:style>
+          <a:lnRef idx="2">
+            <a:schemeClr val="accent1"/>
+          </a:lnRef>
+          <a:fillRef idx="0">
+            <a:schemeClr val="accent1"/>
+          </a:fillRef>
+          <a:effectRef idx="1">
+            <a:schemeClr val="accent1"/>
+          </a:effectRef>
+          <a:fontRef idx="minor">
+            <a:schemeClr val="tx1"/>
+          </a:fontRef>
+        </p:style>
+      </p:cxnSp>
+      <p:cxnSp>
+        <p:nvCxnSpPr>
+          <p:cNvPr id="19" name="Straight Connector 18">
+            <a:extLst>
+              <a:ext uri="{FF2B5EF4-FFF2-40B4-BE49-F238E27FC236}">
+                <a16:creationId xmlns:a16="http://schemas.microsoft.com/office/drawing/2014/main" id="{42EE5AA7-44C4-46AA-A541-DF34D22D265A}"/>
+              </a:ext>
+            </a:extLst>
+          </p:cNvPr>
+          <p:cNvCxnSpPr/>
+          <p:nvPr/>
+        </p:nvCxnSpPr>
+        <p:spPr>
+          <a:xfrm>
+            <a:off x="5463095" y="2774950"/>
+            <a:ext cx="349093" cy="0"/>
+          </a:xfrm>
+          <a:prstGeom prst="line">
+            <a:avLst/>
+          </a:prstGeom>
+          <a:ln w="31750" cmpd="sng">
+            <a:solidFill>
+              <a:schemeClr val="tx2"/>
+            </a:solidFill>
+            <a:headEnd type="none" w="med" len="med"/>
+            <a:tailEnd type="none" w="med" len="med"/>
+          </a:ln>
+          <a:effectLst/>
+        </p:spPr>
+        <p:style>
+          <a:lnRef idx="2">
+            <a:schemeClr val="accent1"/>
+          </a:lnRef>
+          <a:fillRef idx="0">
+            <a:schemeClr val="accent1"/>
+          </a:fillRef>
+          <a:effectRef idx="1">
+            <a:schemeClr val="accent1"/>
+          </a:effectRef>
+          <a:fontRef idx="minor">
+            <a:schemeClr val="tx1"/>
+          </a:fontRef>
+        </p:style>
+      </p:cxnSp>
+      <p:sp>
+        <p:nvSpPr>
+          <p:cNvPr id="20" name="Right Brace 19">
+            <a:extLst>
+              <a:ext uri="{FF2B5EF4-FFF2-40B4-BE49-F238E27FC236}">
+                <a16:creationId xmlns:a16="http://schemas.microsoft.com/office/drawing/2014/main" id="{F79A6986-314D-4F40-BD30-F25D84FC04F9}"/>
+              </a:ext>
+            </a:extLst>
+          </p:cNvPr>
+          <p:cNvSpPr/>
+          <p:nvPr/>
+        </p:nvSpPr>
+        <p:spPr>
+          <a:xfrm>
+            <a:off x="6838950" y="1200150"/>
+            <a:ext cx="189967" cy="1070857"/>
+          </a:xfrm>
+          <a:prstGeom prst="rightBrace">
+            <a:avLst/>
+          </a:prstGeom>
+          <a:ln w="12700" cmpd="sng">
+            <a:solidFill>
+              <a:schemeClr val="tx2"/>
+            </a:solidFill>
+            <a:headEnd type="none" w="med" len="med"/>
+            <a:tailEnd type="none" w="med" len="med"/>
+          </a:ln>
+          <a:effectLst/>
+        </p:spPr>
+        <p:style>
+          <a:lnRef idx="2">
+            <a:schemeClr val="accent1"/>
+          </a:lnRef>
+          <a:fillRef idx="0">
+            <a:schemeClr val="accent1"/>
+          </a:fillRef>
+          <a:effectRef idx="1">
+            <a:schemeClr val="accent1"/>
+          </a:effectRef>
+          <a:fontRef idx="minor">
+            <a:schemeClr val="tx1"/>
+          </a:fontRef>
+        </p:style>
+        <p:txBody>
+          <a:bodyPr rtlCol="0" anchor="ctr"/>
+          <a:lstStyle/>
+          <a:p>
+            <a:pPr algn="ctr"/>
+            <a:endParaRPr lang="en-GB">
+              <a:ln>
+                <a:solidFill>
+                  <a:sysClr val="windowText" lastClr="000000"/>
+                </a:solidFill>
+              </a:ln>
+            </a:endParaRPr>
+          </a:p>
+        </p:txBody>
+      </p:sp>
+      <p:sp>
+        <p:nvSpPr>
+          <p:cNvPr id="21" name="TextBox 20">
+            <a:extLst>
+              <a:ext uri="{FF2B5EF4-FFF2-40B4-BE49-F238E27FC236}">
+                <a16:creationId xmlns:a16="http://schemas.microsoft.com/office/drawing/2014/main" id="{487ADD17-6DD4-48F8-8B77-E4F90174578E}"/>
+              </a:ext>
+            </a:extLst>
+          </p:cNvPr>
+          <p:cNvSpPr txBox="1"/>
+          <p:nvPr/>
+        </p:nvSpPr>
+        <p:spPr>
+          <a:xfrm rot="5400000">
+            <a:off x="6662765" y="1566301"/>
+            <a:ext cx="1070857" cy="338554"/>
+          </a:xfrm>
+          <a:prstGeom prst="rect">
+            <a:avLst/>
+          </a:prstGeom>
+          <a:noFill/>
+        </p:spPr>
+        <p:txBody>
+          <a:bodyPr wrap="square" rtlCol="0">
+            <a:spAutoFit/>
+          </a:bodyPr>
+          <a:lstStyle/>
+          <a:p>
+            <a:pPr algn="ctr"/>
+            <a:r>
+              <a:rPr lang="en-US" sz="1600" b="0" dirty="0">
+                <a:latin typeface="Calibri" panose="020F0502020204030204" pitchFamily="34" charset="0"/>
+                <a:cs typeface="Calibri" panose="020F0502020204030204" pitchFamily="34" charset="0"/>
+              </a:rPr>
+              <a:t>JTAG/SWD</a:t>
+            </a:r>
+          </a:p>
+        </p:txBody>
+      </p:sp>
+      <p:cxnSp>
+        <p:nvCxnSpPr>
+          <p:cNvPr id="23" name="Straight Arrow Connector 22">
+            <a:extLst>
+              <a:ext uri="{FF2B5EF4-FFF2-40B4-BE49-F238E27FC236}">
+                <a16:creationId xmlns:a16="http://schemas.microsoft.com/office/drawing/2014/main" id="{4D6613CB-09FD-43A2-BB95-EAD3884D7AE6}"/>
+              </a:ext>
+            </a:extLst>
+          </p:cNvPr>
+          <p:cNvCxnSpPr>
+            <a:stCxn id="9" idx="1"/>
+          </p:cNvCxnSpPr>
+          <p:nvPr/>
+        </p:nvCxnSpPr>
+        <p:spPr>
+          <a:xfrm flipH="1">
+            <a:off x="2540000" y="2047321"/>
+            <a:ext cx="943868" cy="0"/>
+          </a:xfrm>
+          <a:prstGeom prst="straightConnector1">
+            <a:avLst/>
+          </a:prstGeom>
+          <a:ln w="31750" cmpd="sng">
+            <a:solidFill>
+              <a:srgbClr val="2D2D2D"/>
+            </a:solidFill>
+            <a:headEnd type="triangle" w="med" len="med"/>
+            <a:tailEnd type="none" w="med" len="med"/>
+          </a:ln>
+          <a:effectLst/>
+        </p:spPr>
+        <p:style>
+          <a:lnRef idx="2">
+            <a:schemeClr val="accent1"/>
+          </a:lnRef>
+          <a:fillRef idx="0">
+            <a:schemeClr val="accent1"/>
+          </a:fillRef>
+          <a:effectRef idx="1">
+            <a:schemeClr val="accent1"/>
+          </a:effectRef>
+          <a:fontRef idx="minor">
+            <a:schemeClr val="tx1"/>
+          </a:fontRef>
+        </p:style>
+      </p:cxnSp>
+      <p:sp>
+        <p:nvSpPr>
+          <p:cNvPr id="24" name="TextBox 23">
+            <a:extLst>
+              <a:ext uri="{FF2B5EF4-FFF2-40B4-BE49-F238E27FC236}">
+                <a16:creationId xmlns:a16="http://schemas.microsoft.com/office/drawing/2014/main" id="{4C1E7F09-D47D-4EE1-9AF1-1852C277279C}"/>
+              </a:ext>
+            </a:extLst>
+          </p:cNvPr>
+          <p:cNvSpPr txBox="1"/>
+          <p:nvPr/>
+        </p:nvSpPr>
+        <p:spPr>
+          <a:xfrm>
+            <a:off x="2534807" y="1649997"/>
+            <a:ext cx="943869" cy="338554"/>
+          </a:xfrm>
+          <a:prstGeom prst="rect">
+            <a:avLst/>
+          </a:prstGeom>
+          <a:noFill/>
+        </p:spPr>
+        <p:txBody>
+          <a:bodyPr wrap="square" rtlCol="0">
+            <a:spAutoFit/>
+          </a:bodyPr>
+          <a:lstStyle/>
+          <a:p>
+            <a:pPr algn="ctr"/>
+            <a:r>
+              <a:rPr lang="en-US" sz="1600" b="0" dirty="0">
+                <a:latin typeface="Calibri" panose="020F0502020204030204" pitchFamily="34" charset="0"/>
+                <a:cs typeface="Calibri" panose="020F0502020204030204" pitchFamily="34" charset="0"/>
+              </a:rPr>
+              <a:t>USB</a:t>
+            </a:r>
+          </a:p>
+        </p:txBody>
+      </p:sp>
+      <p:cxnSp>
+        <p:nvCxnSpPr>
+          <p:cNvPr id="25" name="Straight Connector 24">
+            <a:extLst>
+              <a:ext uri="{FF2B5EF4-FFF2-40B4-BE49-F238E27FC236}">
+                <a16:creationId xmlns:a16="http://schemas.microsoft.com/office/drawing/2014/main" id="{7DBB5CB9-3212-43BA-B0EC-FE4A8542943A}"/>
+              </a:ext>
+            </a:extLst>
+          </p:cNvPr>
+          <p:cNvCxnSpPr>
+            <a:cxnSpLocks/>
+          </p:cNvCxnSpPr>
+          <p:nvPr/>
+        </p:nvCxnSpPr>
+        <p:spPr>
+          <a:xfrm rot="5400000">
+            <a:off x="4768683" y="3211869"/>
+            <a:ext cx="349093" cy="0"/>
+          </a:xfrm>
+          <a:prstGeom prst="line">
+            <a:avLst/>
+          </a:prstGeom>
+          <a:ln w="31750" cmpd="sng">
+            <a:solidFill>
+              <a:srgbClr val="2D2D2D"/>
+            </a:solidFill>
+            <a:headEnd type="none" w="med" len="med"/>
+            <a:tailEnd type="none" w="med" len="med"/>
+          </a:ln>
+          <a:effectLst/>
+        </p:spPr>
+        <p:style>
+          <a:lnRef idx="2">
+            <a:schemeClr val="accent1"/>
+          </a:lnRef>
+          <a:fillRef idx="0">
+            <a:schemeClr val="accent1"/>
+          </a:fillRef>
+          <a:effectRef idx="1">
+            <a:schemeClr val="accent1"/>
+          </a:effectRef>
+          <a:fontRef idx="minor">
+            <a:schemeClr val="tx1"/>
+          </a:fontRef>
+        </p:style>
+      </p:cxnSp>
+      <p:cxnSp>
+        <p:nvCxnSpPr>
+          <p:cNvPr id="26" name="Straight Connector 25">
+            <a:extLst>
+              <a:ext uri="{FF2B5EF4-FFF2-40B4-BE49-F238E27FC236}">
+                <a16:creationId xmlns:a16="http://schemas.microsoft.com/office/drawing/2014/main" id="{F36BDD40-CD52-4CF6-BC2A-375010B9AFFA}"/>
+              </a:ext>
+            </a:extLst>
+          </p:cNvPr>
+          <p:cNvCxnSpPr>
+            <a:cxnSpLocks/>
+          </p:cNvCxnSpPr>
+          <p:nvPr/>
+        </p:nvCxnSpPr>
+        <p:spPr>
+          <a:xfrm rot="5400000">
+            <a:off x="3824815" y="3211869"/>
+            <a:ext cx="349093" cy="0"/>
+          </a:xfrm>
+          <a:prstGeom prst="line">
+            <a:avLst/>
+          </a:prstGeom>
+          <a:ln w="31750" cmpd="sng">
+            <a:solidFill>
+              <a:srgbClr val="2D2D2D"/>
+            </a:solidFill>
+            <a:headEnd type="none" w="med" len="med"/>
+            <a:tailEnd type="none" w="med" len="med"/>
+          </a:ln>
+          <a:effectLst/>
+        </p:spPr>
+        <p:style>
+          <a:lnRef idx="2">
+            <a:schemeClr val="accent1"/>
+          </a:lnRef>
+          <a:fillRef idx="0">
+            <a:schemeClr val="accent1"/>
+          </a:fillRef>
+          <a:effectRef idx="1">
+            <a:schemeClr val="accent1"/>
+          </a:effectRef>
+          <a:fontRef idx="minor">
+            <a:schemeClr val="tx1"/>
+          </a:fontRef>
+        </p:style>
+      </p:cxnSp>
+      <p:sp>
+        <p:nvSpPr>
+          <p:cNvPr id="29" name="TextBox 28">
+            <a:extLst>
+              <a:ext uri="{FF2B5EF4-FFF2-40B4-BE49-F238E27FC236}">
+                <a16:creationId xmlns:a16="http://schemas.microsoft.com/office/drawing/2014/main" id="{2ACC2C09-B901-43DF-89AE-8C8B779A32FF}"/>
+              </a:ext>
+            </a:extLst>
+          </p:cNvPr>
+          <p:cNvSpPr txBox="1"/>
+          <p:nvPr/>
+        </p:nvSpPr>
+        <p:spPr>
+          <a:xfrm>
+            <a:off x="3478676" y="3375875"/>
+            <a:ext cx="1984417" cy="338554"/>
+          </a:xfrm>
+          <a:prstGeom prst="rect">
+            <a:avLst/>
+          </a:prstGeom>
+          <a:noFill/>
+        </p:spPr>
+        <p:txBody>
+          <a:bodyPr wrap="square" rtlCol="0">
+            <a:spAutoFit/>
+          </a:bodyPr>
+          <a:lstStyle/>
+          <a:p>
+            <a:pPr algn="ctr"/>
+            <a:r>
+              <a:rPr lang="en-US" sz="1600" b="0" dirty="0">
+                <a:latin typeface="Calibri" panose="020F0502020204030204" pitchFamily="34" charset="0"/>
+                <a:cs typeface="Calibri" panose="020F0502020204030204" pitchFamily="34" charset="0"/>
+              </a:rPr>
+              <a:t>Status LEDs</a:t>
+            </a:r>
+          </a:p>
+        </p:txBody>
+      </p:sp>
+      <p:sp>
+        <p:nvSpPr>
+          <p:cNvPr id="30" name="TextBox 29">
+            <a:extLst>
+              <a:ext uri="{FF2B5EF4-FFF2-40B4-BE49-F238E27FC236}">
+                <a16:creationId xmlns:a16="http://schemas.microsoft.com/office/drawing/2014/main" id="{79D198BB-E0B3-4650-8574-A569FFCE3CED}"/>
+              </a:ext>
+            </a:extLst>
+          </p:cNvPr>
+          <p:cNvSpPr txBox="1"/>
+          <p:nvPr/>
+        </p:nvSpPr>
+        <p:spPr>
+          <a:xfrm>
+            <a:off x="3007152" y="3037321"/>
+            <a:ext cx="992209" cy="461665"/>
+          </a:xfrm>
+          <a:prstGeom prst="rect">
+            <a:avLst/>
+          </a:prstGeom>
+          <a:noFill/>
+        </p:spPr>
+        <p:txBody>
+          <a:bodyPr wrap="square" rtlCol="0">
+            <a:spAutoFit/>
+          </a:bodyPr>
+          <a:lstStyle/>
+          <a:p>
+            <a:pPr algn="ctr"/>
+            <a:r>
+              <a:rPr lang="en-US" sz="1200" b="0" dirty="0">
+                <a:latin typeface="Calibri" panose="020F0502020204030204" pitchFamily="34" charset="0"/>
+                <a:cs typeface="Calibri" panose="020F0502020204030204" pitchFamily="34" charset="0"/>
+              </a:rPr>
+              <a:t>Debugger connected</a:t>
+            </a:r>
+          </a:p>
+        </p:txBody>
+      </p:sp>
+      <p:sp>
+        <p:nvSpPr>
+          <p:cNvPr id="31" name="TextBox 30">
+            <a:extLst>
+              <a:ext uri="{FF2B5EF4-FFF2-40B4-BE49-F238E27FC236}">
+                <a16:creationId xmlns:a16="http://schemas.microsoft.com/office/drawing/2014/main" id="{2A779C7D-ED1C-4DA2-A976-C39D9C2E3D0A}"/>
+              </a:ext>
+            </a:extLst>
+          </p:cNvPr>
+          <p:cNvSpPr txBox="1"/>
+          <p:nvPr/>
+        </p:nvSpPr>
+        <p:spPr>
+          <a:xfrm>
+            <a:off x="4943229" y="3045557"/>
+            <a:ext cx="992209" cy="461665"/>
+          </a:xfrm>
+          <a:prstGeom prst="rect">
+            <a:avLst/>
+          </a:prstGeom>
+          <a:noFill/>
+        </p:spPr>
+        <p:txBody>
+          <a:bodyPr wrap="square" rtlCol="0">
+            <a:spAutoFit/>
+          </a:bodyPr>
+          <a:lstStyle/>
+          <a:p>
+            <a:pPr algn="ctr"/>
+            <a:r>
+              <a:rPr lang="en-US" sz="1200" b="0" dirty="0">
+                <a:latin typeface="Calibri" panose="020F0502020204030204" pitchFamily="34" charset="0"/>
+                <a:cs typeface="Calibri" panose="020F0502020204030204" pitchFamily="34" charset="0"/>
+              </a:rPr>
+              <a:t>Target running</a:t>
+            </a:r>
+          </a:p>
+        </p:txBody>
+      </p:sp>
+    </p:spTree>
+    <p:extLst>
+      <p:ext uri="{BB962C8B-B14F-4D97-AF65-F5344CB8AC3E}">
+        <p14:creationId xmlns:p14="http://schemas.microsoft.com/office/powerpoint/2010/main" val="1451509937"/>
+      </p:ext>
+    </p:extLst>
+  </p:cSld>
+  <p:clrMapOvr>
+    <a:masterClrMapping/>
+  </p:clrMapOvr>
+</p:sld>
+</file>
+
+<file path=ppt/slides/slide5.xml><?xml version="1.0" encoding="utf-8"?>
+<p:sld xmlns:a="http://schemas.openxmlformats.org/drawingml/2006/main" xmlns:r="http://schemas.openxmlformats.org/officeDocument/2006/relationships" xmlns:p="http://schemas.openxmlformats.org/presentationml/2006/main">
+  <p:cSld>
+    <p:spTree>
+      <p:nvGrpSpPr>
+        <p:cNvPr id="1" name=""/>
+        <p:cNvGrpSpPr/>
+        <p:nvPr/>
+      </p:nvGrpSpPr>
+      <p:grpSpPr>
+        <a:xfrm>
+          <a:off x="0" y="0"/>
+          <a:ext cx="0" cy="0"/>
+          <a:chOff x="0" y="0"/>
+          <a:chExt cx="0" cy="0"/>
+        </a:xfrm>
+      </p:grpSpPr>
+      <p:sp>
+        <p:nvSpPr>
+          <p:cNvPr id="5" name="TextBox 4">
+            <a:extLst>
+              <a:ext uri="{FF2B5EF4-FFF2-40B4-BE49-F238E27FC236}">
+                <a16:creationId xmlns:a16="http://schemas.microsoft.com/office/drawing/2014/main" id="{7C21CE0E-D5BF-4BF2-B7ED-1B0E94650D1C}"/>
+              </a:ext>
+            </a:extLst>
+          </p:cNvPr>
+          <p:cNvSpPr txBox="1"/>
+          <p:nvPr/>
+        </p:nvSpPr>
+        <p:spPr>
+          <a:xfrm>
+            <a:off x="1243588" y="828495"/>
+            <a:ext cx="1980000" cy="338554"/>
+          </a:xfrm>
+          <a:prstGeom prst="rect">
+            <a:avLst/>
+          </a:prstGeom>
+          <a:noFill/>
+        </p:spPr>
+        <p:txBody>
+          <a:bodyPr wrap="square" rtlCol="0">
+            <a:spAutoFit/>
+          </a:bodyPr>
+          <a:lstStyle/>
+          <a:p>
+            <a:pPr algn="ctr"/>
+            <a:r>
+              <a:rPr lang="en-US" sz="1600" b="0" dirty="0">
+                <a:latin typeface="Calibri" panose="020F0502020204030204" pitchFamily="34" charset="0"/>
+                <a:cs typeface="Calibri" panose="020F0502020204030204" pitchFamily="34" charset="0"/>
+              </a:rPr>
+              <a:t>Debug Unit</a:t>
+            </a:r>
+          </a:p>
+        </p:txBody>
+      </p:sp>
+      <p:sp>
+        <p:nvSpPr>
+          <p:cNvPr id="9" name="Rectangle 8">
+            <a:extLst>
+              <a:ext uri="{FF2B5EF4-FFF2-40B4-BE49-F238E27FC236}">
+                <a16:creationId xmlns:a16="http://schemas.microsoft.com/office/drawing/2014/main" id="{1D555A8F-D1D0-434D-8724-8792BF0AA2A2}"/>
+              </a:ext>
+            </a:extLst>
+          </p:cNvPr>
+          <p:cNvSpPr/>
+          <p:nvPr/>
+        </p:nvSpPr>
+        <p:spPr>
+          <a:xfrm>
+            <a:off x="1243588" y="1167049"/>
+            <a:ext cx="1980000" cy="1980000"/>
+          </a:xfrm>
+          <a:prstGeom prst="rect">
+            <a:avLst/>
+          </a:prstGeom>
+          <a:solidFill>
+            <a:srgbClr val="0091BD"/>
+          </a:solidFill>
+          <a:ln w="6350" cmpd="sng">
+            <a:solidFill>
+              <a:schemeClr val="accent1"/>
+            </a:solidFill>
+          </a:ln>
+          <a:effectLst/>
+        </p:spPr>
+        <p:style>
+          <a:lnRef idx="1">
+            <a:schemeClr val="accent1"/>
+          </a:lnRef>
+          <a:fillRef idx="3">
+            <a:schemeClr val="accent1"/>
+          </a:fillRef>
+          <a:effectRef idx="2">
+            <a:schemeClr val="accent1"/>
+          </a:effectRef>
+          <a:fontRef idx="minor">
+            <a:schemeClr val="lt1"/>
+          </a:fontRef>
+        </p:style>
+        <p:txBody>
+          <a:bodyPr rtlCol="0" anchor="ctr"/>
+          <a:lstStyle/>
+          <a:p>
+            <a:pPr algn="ctr"/>
+            <a:r>
+              <a:rPr lang="en-US" sz="2000" dirty="0">
+                <a:solidFill>
+                  <a:schemeClr val="bg1"/>
+                </a:solidFill>
+                <a:latin typeface="Calibri" panose="020F0502020204030204" pitchFamily="34" charset="0"/>
+                <a:cs typeface="Calibri" panose="020F0502020204030204" pitchFamily="34" charset="0"/>
+              </a:rPr>
+              <a:t>Arm Cortex-M based microcontroller</a:t>
+            </a:r>
+            <a:endParaRPr lang="en-GB" sz="2000" dirty="0" err="1">
+              <a:solidFill>
+                <a:schemeClr val="bg1"/>
+              </a:solidFill>
+              <a:latin typeface="Calibri" panose="020F0502020204030204" pitchFamily="34" charset="0"/>
+              <a:cs typeface="Calibri" panose="020F0502020204030204" pitchFamily="34" charset="0"/>
+            </a:endParaRPr>
+          </a:p>
+        </p:txBody>
+      </p:sp>
+      <p:sp>
+        <p:nvSpPr>
+          <p:cNvPr id="10" name="TextBox 9">
+            <a:extLst>
+              <a:ext uri="{FF2B5EF4-FFF2-40B4-BE49-F238E27FC236}">
+                <a16:creationId xmlns:a16="http://schemas.microsoft.com/office/drawing/2014/main" id="{B6F4B4A8-7D83-434C-9E25-F3AC2EF42B6C}"/>
+              </a:ext>
+            </a:extLst>
+          </p:cNvPr>
+          <p:cNvSpPr txBox="1"/>
+          <p:nvPr/>
+        </p:nvSpPr>
+        <p:spPr>
+          <a:xfrm>
+            <a:off x="3572680" y="1249108"/>
+            <a:ext cx="1630131" cy="2031325"/>
+          </a:xfrm>
+          <a:prstGeom prst="rect">
+            <a:avLst/>
+          </a:prstGeom>
+          <a:noFill/>
+        </p:spPr>
+        <p:txBody>
+          <a:bodyPr wrap="square" rtlCol="0">
+            <a:spAutoFit/>
+          </a:bodyPr>
+          <a:lstStyle/>
+          <a:p>
+            <a:r>
+              <a:rPr lang="en-US" sz="1400" dirty="0">
+                <a:solidFill>
+                  <a:schemeClr val="tx2"/>
+                </a:solidFill>
+                <a:latin typeface="Calibri" panose="020F0502020204030204" pitchFamily="34" charset="0"/>
+                <a:cs typeface="Calibri" panose="020F0502020204030204" pitchFamily="34" charset="0"/>
+              </a:rPr>
+              <a:t>TCK/SWCLK</a:t>
+            </a:r>
+          </a:p>
+          <a:p>
+            <a:r>
+              <a:rPr lang="en-US" sz="1400" dirty="0">
+                <a:solidFill>
+                  <a:schemeClr val="tx2"/>
+                </a:solidFill>
+                <a:latin typeface="Calibri" panose="020F0502020204030204" pitchFamily="34" charset="0"/>
+                <a:cs typeface="Calibri" panose="020F0502020204030204" pitchFamily="34" charset="0"/>
+              </a:rPr>
+              <a:t>TMS/SWDIO</a:t>
+            </a:r>
+          </a:p>
+          <a:p>
+            <a:r>
+              <a:rPr lang="en-US" sz="1400" dirty="0">
+                <a:solidFill>
+                  <a:schemeClr val="tx2"/>
+                </a:solidFill>
+                <a:latin typeface="Calibri" panose="020F0502020204030204" pitchFamily="34" charset="0"/>
+                <a:cs typeface="Calibri" panose="020F0502020204030204" pitchFamily="34" charset="0"/>
+              </a:rPr>
+              <a:t>TDI</a:t>
+            </a:r>
+          </a:p>
+          <a:p>
+            <a:r>
+              <a:rPr lang="en-US" sz="1400" dirty="0">
+                <a:solidFill>
+                  <a:schemeClr val="tx2"/>
+                </a:solidFill>
+                <a:latin typeface="Calibri" panose="020F0502020204030204" pitchFamily="34" charset="0"/>
+                <a:cs typeface="Calibri" panose="020F0502020204030204" pitchFamily="34" charset="0"/>
+              </a:rPr>
+              <a:t>TDO/SWO</a:t>
+            </a:r>
+          </a:p>
+          <a:p>
+            <a:r>
+              <a:rPr lang="en-US" sz="1400" dirty="0" err="1">
+                <a:solidFill>
+                  <a:schemeClr val="tx2"/>
+                </a:solidFill>
+                <a:latin typeface="Calibri" panose="020F0502020204030204" pitchFamily="34" charset="0"/>
+                <a:cs typeface="Calibri" panose="020F0502020204030204" pitchFamily="34" charset="0"/>
+              </a:rPr>
+              <a:t>nTRST</a:t>
+            </a:r>
+            <a:endParaRPr lang="en-US" sz="1400" dirty="0">
+              <a:solidFill>
+                <a:schemeClr val="tx2"/>
+              </a:solidFill>
+              <a:latin typeface="Calibri" panose="020F0502020204030204" pitchFamily="34" charset="0"/>
+              <a:cs typeface="Calibri" panose="020F0502020204030204" pitchFamily="34" charset="0"/>
+            </a:endParaRPr>
+          </a:p>
+          <a:p>
+            <a:r>
+              <a:rPr lang="en-US" sz="1400" dirty="0">
+                <a:solidFill>
+                  <a:schemeClr val="tx2"/>
+                </a:solidFill>
+                <a:latin typeface="Calibri" panose="020F0502020204030204" pitchFamily="34" charset="0"/>
+                <a:cs typeface="Calibri" panose="020F0502020204030204" pitchFamily="34" charset="0"/>
+              </a:rPr>
+              <a:t>SWDIO Out-Enable</a:t>
+            </a:r>
+          </a:p>
+          <a:p>
+            <a:r>
+              <a:rPr lang="en-US" sz="1400" dirty="0" err="1">
+                <a:solidFill>
+                  <a:schemeClr val="tx2"/>
+                </a:solidFill>
+                <a:latin typeface="Calibri" panose="020F0502020204030204" pitchFamily="34" charset="0"/>
+                <a:cs typeface="Calibri" panose="020F0502020204030204" pitchFamily="34" charset="0"/>
+              </a:rPr>
+              <a:t>nRESET</a:t>
+            </a:r>
+            <a:endParaRPr lang="en-US" sz="1400" dirty="0">
+              <a:solidFill>
+                <a:schemeClr val="tx2"/>
+              </a:solidFill>
+              <a:latin typeface="Calibri" panose="020F0502020204030204" pitchFamily="34" charset="0"/>
+              <a:cs typeface="Calibri" panose="020F0502020204030204" pitchFamily="34" charset="0"/>
+            </a:endParaRPr>
+          </a:p>
+          <a:p>
+            <a:r>
+              <a:rPr lang="en-US" sz="1400" dirty="0">
+                <a:solidFill>
+                  <a:schemeClr val="tx2"/>
+                </a:solidFill>
+                <a:latin typeface="Calibri" panose="020F0502020204030204" pitchFamily="34" charset="0"/>
+                <a:cs typeface="Calibri" panose="020F0502020204030204" pitchFamily="34" charset="0"/>
+              </a:rPr>
+              <a:t>UART RX</a:t>
+            </a:r>
+          </a:p>
+          <a:p>
+            <a:r>
+              <a:rPr lang="en-US" sz="1400" dirty="0">
+                <a:solidFill>
+                  <a:schemeClr val="tx2"/>
+                </a:solidFill>
+                <a:latin typeface="Calibri" panose="020F0502020204030204" pitchFamily="34" charset="0"/>
+                <a:cs typeface="Calibri" panose="020F0502020204030204" pitchFamily="34" charset="0"/>
+              </a:rPr>
+              <a:t>UART TX</a:t>
+            </a:r>
+            <a:endParaRPr lang="en-GB" sz="1400" dirty="0" err="1">
+              <a:solidFill>
+                <a:schemeClr val="tx2"/>
+              </a:solidFill>
+              <a:latin typeface="Calibri" panose="020F0502020204030204" pitchFamily="34" charset="0"/>
+              <a:cs typeface="Calibri" panose="020F0502020204030204" pitchFamily="34" charset="0"/>
+            </a:endParaRPr>
+          </a:p>
+        </p:txBody>
+      </p:sp>
+      <p:cxnSp>
+        <p:nvCxnSpPr>
+          <p:cNvPr id="12" name="Straight Connector 11">
+            <a:extLst>
+              <a:ext uri="{FF2B5EF4-FFF2-40B4-BE49-F238E27FC236}">
+                <a16:creationId xmlns:a16="http://schemas.microsoft.com/office/drawing/2014/main" id="{7E8B4AC9-610C-44A4-857A-BE3621AECEA2}"/>
+              </a:ext>
+            </a:extLst>
+          </p:cNvPr>
+          <p:cNvCxnSpPr/>
+          <p:nvPr/>
+        </p:nvCxnSpPr>
+        <p:spPr>
+          <a:xfrm>
+            <a:off x="3223588" y="1386078"/>
+            <a:ext cx="349093" cy="0"/>
+          </a:xfrm>
+          <a:prstGeom prst="line">
+            <a:avLst/>
+          </a:prstGeom>
+          <a:ln w="31750" cmpd="sng">
+            <a:solidFill>
+              <a:srgbClr val="2D2D2D"/>
+            </a:solidFill>
+            <a:headEnd type="none" w="med" len="med"/>
+            <a:tailEnd type="none" w="med" len="med"/>
+          </a:ln>
+          <a:effectLst/>
+        </p:spPr>
+        <p:style>
+          <a:lnRef idx="2">
+            <a:schemeClr val="accent1"/>
+          </a:lnRef>
+          <a:fillRef idx="0">
+            <a:schemeClr val="accent1"/>
+          </a:fillRef>
+          <a:effectRef idx="1">
+            <a:schemeClr val="accent1"/>
+          </a:effectRef>
+          <a:fontRef idx="minor">
+            <a:schemeClr val="tx1"/>
+          </a:fontRef>
+        </p:style>
+      </p:cxnSp>
+      <p:cxnSp>
+        <p:nvCxnSpPr>
+          <p:cNvPr id="13" name="Straight Connector 12">
+            <a:extLst>
+              <a:ext uri="{FF2B5EF4-FFF2-40B4-BE49-F238E27FC236}">
+                <a16:creationId xmlns:a16="http://schemas.microsoft.com/office/drawing/2014/main" id="{88AAD593-A48F-417C-A9B9-C3CB6CC51140}"/>
+              </a:ext>
+            </a:extLst>
+          </p:cNvPr>
+          <p:cNvCxnSpPr/>
+          <p:nvPr/>
+        </p:nvCxnSpPr>
+        <p:spPr>
+          <a:xfrm>
+            <a:off x="3223588" y="1600164"/>
+            <a:ext cx="349093" cy="0"/>
+          </a:xfrm>
+          <a:prstGeom prst="line">
+            <a:avLst/>
+          </a:prstGeom>
+          <a:ln w="31750" cmpd="sng">
+            <a:solidFill>
+              <a:srgbClr val="2D2D2D"/>
+            </a:solidFill>
+            <a:headEnd type="none" w="med" len="med"/>
+            <a:tailEnd type="none" w="med" len="med"/>
+          </a:ln>
+          <a:effectLst/>
+        </p:spPr>
+        <p:style>
+          <a:lnRef idx="2">
+            <a:schemeClr val="accent1"/>
+          </a:lnRef>
+          <a:fillRef idx="0">
+            <a:schemeClr val="accent1"/>
+          </a:fillRef>
+          <a:effectRef idx="1">
+            <a:schemeClr val="accent1"/>
+          </a:effectRef>
+          <a:fontRef idx="minor">
+            <a:schemeClr val="tx1"/>
+          </a:fontRef>
+        </p:style>
+      </p:cxnSp>
+      <p:cxnSp>
+        <p:nvCxnSpPr>
+          <p:cNvPr id="14" name="Straight Connector 13">
+            <a:extLst>
+              <a:ext uri="{FF2B5EF4-FFF2-40B4-BE49-F238E27FC236}">
+                <a16:creationId xmlns:a16="http://schemas.microsoft.com/office/drawing/2014/main" id="{42FE278F-455F-4A10-B1CA-4797659A0089}"/>
+              </a:ext>
+            </a:extLst>
+          </p:cNvPr>
+          <p:cNvCxnSpPr/>
+          <p:nvPr/>
+        </p:nvCxnSpPr>
+        <p:spPr>
+          <a:xfrm>
+            <a:off x="3222814" y="1807900"/>
+            <a:ext cx="349093" cy="0"/>
+          </a:xfrm>
+          <a:prstGeom prst="line">
+            <a:avLst/>
+          </a:prstGeom>
+          <a:ln w="31750" cmpd="sng">
+            <a:solidFill>
+              <a:srgbClr val="2D2D2D"/>
+            </a:solidFill>
+            <a:headEnd type="none" w="med" len="med"/>
+            <a:tailEnd type="none" w="med" len="med"/>
+          </a:ln>
+          <a:effectLst/>
+        </p:spPr>
+        <p:style>
+          <a:lnRef idx="2">
+            <a:schemeClr val="accent1"/>
+          </a:lnRef>
+          <a:fillRef idx="0">
+            <a:schemeClr val="accent1"/>
+          </a:fillRef>
+          <a:effectRef idx="1">
+            <a:schemeClr val="accent1"/>
+          </a:effectRef>
+          <a:fontRef idx="minor">
+            <a:schemeClr val="tx1"/>
+          </a:fontRef>
+        </p:style>
+      </p:cxnSp>
+      <p:cxnSp>
+        <p:nvCxnSpPr>
+          <p:cNvPr id="15" name="Straight Connector 14">
+            <a:extLst>
+              <a:ext uri="{FF2B5EF4-FFF2-40B4-BE49-F238E27FC236}">
+                <a16:creationId xmlns:a16="http://schemas.microsoft.com/office/drawing/2014/main" id="{90D15386-BF31-457D-A6E7-8410EAAEC84C}"/>
+              </a:ext>
+            </a:extLst>
+          </p:cNvPr>
+          <p:cNvCxnSpPr/>
+          <p:nvPr/>
+        </p:nvCxnSpPr>
+        <p:spPr>
+          <a:xfrm>
+            <a:off x="3228779" y="2028336"/>
+            <a:ext cx="349093" cy="0"/>
+          </a:xfrm>
+          <a:prstGeom prst="line">
+            <a:avLst/>
+          </a:prstGeom>
+          <a:ln w="31750" cmpd="sng">
+            <a:solidFill>
+              <a:srgbClr val="2D2D2D"/>
+            </a:solidFill>
+            <a:headEnd type="none" w="med" len="med"/>
+            <a:tailEnd type="none" w="med" len="med"/>
+          </a:ln>
+          <a:effectLst/>
+        </p:spPr>
+        <p:style>
+          <a:lnRef idx="2">
+            <a:schemeClr val="accent1"/>
+          </a:lnRef>
+          <a:fillRef idx="0">
+            <a:schemeClr val="accent1"/>
+          </a:fillRef>
+          <a:effectRef idx="1">
+            <a:schemeClr val="accent1"/>
+          </a:effectRef>
+          <a:fontRef idx="minor">
+            <a:schemeClr val="tx1"/>
+          </a:fontRef>
+        </p:style>
+      </p:cxnSp>
+      <p:cxnSp>
+        <p:nvCxnSpPr>
+          <p:cNvPr id="16" name="Straight Connector 15">
+            <a:extLst>
+              <a:ext uri="{FF2B5EF4-FFF2-40B4-BE49-F238E27FC236}">
+                <a16:creationId xmlns:a16="http://schemas.microsoft.com/office/drawing/2014/main" id="{AF3C8E5C-FBFF-480E-9AA4-0D27F2166559}"/>
+              </a:ext>
+            </a:extLst>
+          </p:cNvPr>
+          <p:cNvCxnSpPr/>
+          <p:nvPr/>
+        </p:nvCxnSpPr>
+        <p:spPr>
+          <a:xfrm>
+            <a:off x="3226397" y="2242422"/>
+            <a:ext cx="349093" cy="0"/>
+          </a:xfrm>
+          <a:prstGeom prst="line">
+            <a:avLst/>
+          </a:prstGeom>
+          <a:ln w="31750" cmpd="sng">
+            <a:solidFill>
+              <a:srgbClr val="2D2D2D"/>
+            </a:solidFill>
+            <a:headEnd type="none" w="med" len="med"/>
+            <a:tailEnd type="none" w="med" len="med"/>
+          </a:ln>
+          <a:effectLst/>
+        </p:spPr>
+        <p:style>
+          <a:lnRef idx="2">
+            <a:schemeClr val="accent1"/>
+          </a:lnRef>
+          <a:fillRef idx="0">
+            <a:schemeClr val="accent1"/>
+          </a:fillRef>
+          <a:effectRef idx="1">
+            <a:schemeClr val="accent1"/>
+          </a:effectRef>
+          <a:fontRef idx="minor">
+            <a:schemeClr val="tx1"/>
+          </a:fontRef>
+        </p:style>
+      </p:cxnSp>
+      <p:cxnSp>
+        <p:nvCxnSpPr>
+          <p:cNvPr id="17" name="Straight Connector 16">
+            <a:extLst>
+              <a:ext uri="{FF2B5EF4-FFF2-40B4-BE49-F238E27FC236}">
+                <a16:creationId xmlns:a16="http://schemas.microsoft.com/office/drawing/2014/main" id="{902A3458-E55A-43BD-BE3E-343DBC2CD347}"/>
+              </a:ext>
+            </a:extLst>
+          </p:cNvPr>
+          <p:cNvCxnSpPr/>
+          <p:nvPr/>
+        </p:nvCxnSpPr>
+        <p:spPr>
+          <a:xfrm>
+            <a:off x="3222835" y="2456508"/>
+            <a:ext cx="349093" cy="0"/>
+          </a:xfrm>
+          <a:prstGeom prst="line">
+            <a:avLst/>
+          </a:prstGeom>
+          <a:ln w="31750" cmpd="sng">
+            <a:solidFill>
+              <a:srgbClr val="2D2D2D"/>
+            </a:solidFill>
+            <a:headEnd type="none" w="med" len="med"/>
+            <a:tailEnd type="none" w="med" len="med"/>
+          </a:ln>
+          <a:effectLst/>
+        </p:spPr>
+        <p:style>
+          <a:lnRef idx="2">
+            <a:schemeClr val="accent1"/>
+          </a:lnRef>
+          <a:fillRef idx="0">
+            <a:schemeClr val="accent1"/>
+          </a:fillRef>
+          <a:effectRef idx="1">
+            <a:schemeClr val="accent1"/>
+          </a:effectRef>
+          <a:fontRef idx="minor">
+            <a:schemeClr val="tx1"/>
+          </a:fontRef>
+        </p:style>
+      </p:cxnSp>
+      <p:cxnSp>
+        <p:nvCxnSpPr>
+          <p:cNvPr id="18" name="Straight Connector 17">
+            <a:extLst>
+              <a:ext uri="{FF2B5EF4-FFF2-40B4-BE49-F238E27FC236}">
+                <a16:creationId xmlns:a16="http://schemas.microsoft.com/office/drawing/2014/main" id="{68A89D66-1CCD-4871-BEBC-AD1672A0D360}"/>
+              </a:ext>
+            </a:extLst>
+          </p:cNvPr>
+          <p:cNvCxnSpPr/>
+          <p:nvPr/>
+        </p:nvCxnSpPr>
+        <p:spPr>
+          <a:xfrm>
+            <a:off x="3222835" y="2680119"/>
+            <a:ext cx="349093" cy="0"/>
+          </a:xfrm>
+          <a:prstGeom prst="line">
+            <a:avLst/>
+          </a:prstGeom>
+          <a:ln w="31750" cmpd="sng">
+            <a:solidFill>
+              <a:schemeClr val="tx2"/>
+            </a:solidFill>
+            <a:headEnd type="none" w="med" len="med"/>
+            <a:tailEnd type="none" w="med" len="med"/>
+          </a:ln>
+          <a:effectLst/>
+        </p:spPr>
+        <p:style>
+          <a:lnRef idx="2">
+            <a:schemeClr val="accent1"/>
+          </a:lnRef>
+          <a:fillRef idx="0">
+            <a:schemeClr val="accent1"/>
+          </a:fillRef>
+          <a:effectRef idx="1">
+            <a:schemeClr val="accent1"/>
+          </a:effectRef>
+          <a:fontRef idx="minor">
+            <a:schemeClr val="tx1"/>
+          </a:fontRef>
+        </p:style>
+      </p:cxnSp>
+      <p:cxnSp>
+        <p:nvCxnSpPr>
+          <p:cNvPr id="19" name="Straight Connector 18">
+            <a:extLst>
+              <a:ext uri="{FF2B5EF4-FFF2-40B4-BE49-F238E27FC236}">
+                <a16:creationId xmlns:a16="http://schemas.microsoft.com/office/drawing/2014/main" id="{42EE5AA7-44C4-46AA-A541-DF34D22D265A}"/>
+              </a:ext>
+            </a:extLst>
+          </p:cNvPr>
+          <p:cNvCxnSpPr/>
+          <p:nvPr/>
+        </p:nvCxnSpPr>
+        <p:spPr>
+          <a:xfrm>
+            <a:off x="3222815" y="2884678"/>
+            <a:ext cx="349093" cy="0"/>
+          </a:xfrm>
+          <a:prstGeom prst="line">
+            <a:avLst/>
+          </a:prstGeom>
+          <a:ln w="31750" cmpd="sng">
+            <a:solidFill>
+              <a:schemeClr val="tx2"/>
+            </a:solidFill>
+            <a:headEnd type="none" w="med" len="med"/>
+            <a:tailEnd type="none" w="med" len="med"/>
+          </a:ln>
+          <a:effectLst/>
+        </p:spPr>
+        <p:style>
+          <a:lnRef idx="2">
+            <a:schemeClr val="accent1"/>
+          </a:lnRef>
+          <a:fillRef idx="0">
+            <a:schemeClr val="accent1"/>
+          </a:fillRef>
+          <a:effectRef idx="1">
+            <a:schemeClr val="accent1"/>
+          </a:effectRef>
+          <a:fontRef idx="minor">
+            <a:schemeClr val="tx1"/>
+          </a:fontRef>
+        </p:style>
+      </p:cxnSp>
+      <p:sp>
+        <p:nvSpPr>
+          <p:cNvPr id="20" name="Right Brace 19">
+            <a:extLst>
+              <a:ext uri="{FF2B5EF4-FFF2-40B4-BE49-F238E27FC236}">
+                <a16:creationId xmlns:a16="http://schemas.microsoft.com/office/drawing/2014/main" id="{F79A6986-314D-4F40-BD30-F25D84FC04F9}"/>
+              </a:ext>
+            </a:extLst>
+          </p:cNvPr>
+          <p:cNvSpPr/>
+          <p:nvPr/>
+        </p:nvSpPr>
+        <p:spPr>
+          <a:xfrm>
+            <a:off x="7631646" y="1322797"/>
+            <a:ext cx="189967" cy="978193"/>
+          </a:xfrm>
+          <a:prstGeom prst="rightBrace">
+            <a:avLst/>
+          </a:prstGeom>
+          <a:ln w="12700" cmpd="sng">
+            <a:solidFill>
+              <a:schemeClr val="tx2"/>
+            </a:solidFill>
+            <a:headEnd type="none" w="med" len="med"/>
+            <a:tailEnd type="none" w="med" len="med"/>
+          </a:ln>
+          <a:effectLst/>
+        </p:spPr>
+        <p:style>
+          <a:lnRef idx="2">
+            <a:schemeClr val="accent1"/>
+          </a:lnRef>
+          <a:fillRef idx="0">
+            <a:schemeClr val="accent1"/>
+          </a:fillRef>
+          <a:effectRef idx="1">
+            <a:schemeClr val="accent1"/>
+          </a:effectRef>
+          <a:fontRef idx="minor">
+            <a:schemeClr val="tx1"/>
+          </a:fontRef>
+        </p:style>
+        <p:txBody>
+          <a:bodyPr rtlCol="0" anchor="ctr"/>
+          <a:lstStyle/>
+          <a:p>
+            <a:pPr algn="ctr"/>
+            <a:endParaRPr lang="en-GB">
+              <a:ln>
+                <a:solidFill>
+                  <a:sysClr val="windowText" lastClr="000000"/>
+                </a:solidFill>
+              </a:ln>
+            </a:endParaRPr>
+          </a:p>
+        </p:txBody>
+      </p:sp>
+      <p:sp>
+        <p:nvSpPr>
+          <p:cNvPr id="21" name="TextBox 20">
+            <a:extLst>
+              <a:ext uri="{FF2B5EF4-FFF2-40B4-BE49-F238E27FC236}">
+                <a16:creationId xmlns:a16="http://schemas.microsoft.com/office/drawing/2014/main" id="{487ADD17-6DD4-48F8-8B77-E4F90174578E}"/>
+              </a:ext>
+            </a:extLst>
+          </p:cNvPr>
+          <p:cNvSpPr txBox="1"/>
+          <p:nvPr/>
+        </p:nvSpPr>
+        <p:spPr>
+          <a:xfrm rot="5400000">
+            <a:off x="7440471" y="1645818"/>
+            <a:ext cx="1100835" cy="338554"/>
+          </a:xfrm>
+          <a:prstGeom prst="rect">
+            <a:avLst/>
+          </a:prstGeom>
+          <a:noFill/>
+        </p:spPr>
+        <p:txBody>
+          <a:bodyPr wrap="square" rtlCol="0">
+            <a:spAutoFit/>
+          </a:bodyPr>
+          <a:lstStyle/>
+          <a:p>
+            <a:pPr algn="ctr"/>
+            <a:r>
+              <a:rPr lang="en-US" sz="1600" b="0" dirty="0">
+                <a:latin typeface="Calibri" panose="020F0502020204030204" pitchFamily="34" charset="0"/>
+                <a:cs typeface="Calibri" panose="020F0502020204030204" pitchFamily="34" charset="0"/>
+              </a:rPr>
+              <a:t>JTAG/SWD</a:t>
+            </a:r>
+          </a:p>
+        </p:txBody>
+      </p:sp>
+      <p:cxnSp>
+        <p:nvCxnSpPr>
+          <p:cNvPr id="23" name="Straight Arrow Connector 22">
+            <a:extLst>
+              <a:ext uri="{FF2B5EF4-FFF2-40B4-BE49-F238E27FC236}">
+                <a16:creationId xmlns:a16="http://schemas.microsoft.com/office/drawing/2014/main" id="{4D6613CB-09FD-43A2-BB95-EAD3884D7AE6}"/>
+              </a:ext>
+            </a:extLst>
+          </p:cNvPr>
+          <p:cNvCxnSpPr>
+            <a:stCxn id="9" idx="1"/>
+          </p:cNvCxnSpPr>
+          <p:nvPr/>
+        </p:nvCxnSpPr>
+        <p:spPr>
+          <a:xfrm flipH="1">
+            <a:off x="299720" y="2157049"/>
+            <a:ext cx="943868" cy="0"/>
+          </a:xfrm>
+          <a:prstGeom prst="straightConnector1">
+            <a:avLst/>
+          </a:prstGeom>
+          <a:ln w="31750" cmpd="sng">
+            <a:solidFill>
+              <a:srgbClr val="2D2D2D"/>
+            </a:solidFill>
+            <a:headEnd type="triangle" w="med" len="med"/>
+            <a:tailEnd type="none" w="med" len="med"/>
+          </a:ln>
+          <a:effectLst/>
+        </p:spPr>
+        <p:style>
+          <a:lnRef idx="2">
+            <a:schemeClr val="accent1"/>
+          </a:lnRef>
+          <a:fillRef idx="0">
+            <a:schemeClr val="accent1"/>
+          </a:fillRef>
+          <a:effectRef idx="1">
+            <a:schemeClr val="accent1"/>
+          </a:effectRef>
+          <a:fontRef idx="minor">
+            <a:schemeClr val="tx1"/>
+          </a:fontRef>
+        </p:style>
+      </p:cxnSp>
+      <p:sp>
+        <p:nvSpPr>
+          <p:cNvPr id="24" name="TextBox 23">
+            <a:extLst>
+              <a:ext uri="{FF2B5EF4-FFF2-40B4-BE49-F238E27FC236}">
+                <a16:creationId xmlns:a16="http://schemas.microsoft.com/office/drawing/2014/main" id="{4C1E7F09-D47D-4EE1-9AF1-1852C277279C}"/>
+              </a:ext>
+            </a:extLst>
+          </p:cNvPr>
+          <p:cNvSpPr txBox="1"/>
+          <p:nvPr/>
+        </p:nvSpPr>
+        <p:spPr>
+          <a:xfrm>
+            <a:off x="294527" y="1759725"/>
+            <a:ext cx="943869" cy="338554"/>
+          </a:xfrm>
+          <a:prstGeom prst="rect">
+            <a:avLst/>
+          </a:prstGeom>
+          <a:noFill/>
+        </p:spPr>
+        <p:txBody>
+          <a:bodyPr wrap="square" rtlCol="0">
+            <a:spAutoFit/>
+          </a:bodyPr>
+          <a:lstStyle/>
+          <a:p>
+            <a:pPr algn="ctr"/>
+            <a:r>
+              <a:rPr lang="en-US" sz="1600" b="0" dirty="0">
+                <a:latin typeface="Calibri" panose="020F0502020204030204" pitchFamily="34" charset="0"/>
+                <a:cs typeface="Calibri" panose="020F0502020204030204" pitchFamily="34" charset="0"/>
+              </a:rPr>
+              <a:t>USB</a:t>
+            </a:r>
+          </a:p>
+        </p:txBody>
+      </p:sp>
+      <p:cxnSp>
+        <p:nvCxnSpPr>
+          <p:cNvPr id="25" name="Straight Connector 24">
+            <a:extLst>
+              <a:ext uri="{FF2B5EF4-FFF2-40B4-BE49-F238E27FC236}">
+                <a16:creationId xmlns:a16="http://schemas.microsoft.com/office/drawing/2014/main" id="{7DBB5CB9-3212-43BA-B0EC-FE4A8542943A}"/>
+              </a:ext>
+            </a:extLst>
+          </p:cNvPr>
+          <p:cNvCxnSpPr>
+            <a:cxnSpLocks/>
+          </p:cNvCxnSpPr>
+          <p:nvPr/>
+        </p:nvCxnSpPr>
+        <p:spPr>
+          <a:xfrm rot="5400000">
+            <a:off x="2528403" y="3321597"/>
+            <a:ext cx="349093" cy="0"/>
+          </a:xfrm>
+          <a:prstGeom prst="line">
+            <a:avLst/>
+          </a:prstGeom>
+          <a:ln w="31750" cmpd="sng">
+            <a:solidFill>
+              <a:srgbClr val="2D2D2D"/>
+            </a:solidFill>
+            <a:headEnd type="none" w="med" len="med"/>
+            <a:tailEnd type="none" w="med" len="med"/>
+          </a:ln>
+          <a:effectLst/>
+        </p:spPr>
+        <p:style>
+          <a:lnRef idx="2">
+            <a:schemeClr val="accent1"/>
+          </a:lnRef>
+          <a:fillRef idx="0">
+            <a:schemeClr val="accent1"/>
+          </a:fillRef>
+          <a:effectRef idx="1">
+            <a:schemeClr val="accent1"/>
+          </a:effectRef>
+          <a:fontRef idx="minor">
+            <a:schemeClr val="tx1"/>
+          </a:fontRef>
+        </p:style>
+      </p:cxnSp>
+      <p:cxnSp>
+        <p:nvCxnSpPr>
+          <p:cNvPr id="26" name="Straight Connector 25">
+            <a:extLst>
+              <a:ext uri="{FF2B5EF4-FFF2-40B4-BE49-F238E27FC236}">
+                <a16:creationId xmlns:a16="http://schemas.microsoft.com/office/drawing/2014/main" id="{F36BDD40-CD52-4CF6-BC2A-375010B9AFFA}"/>
+              </a:ext>
+            </a:extLst>
+          </p:cNvPr>
+          <p:cNvCxnSpPr>
+            <a:cxnSpLocks/>
+          </p:cNvCxnSpPr>
+          <p:nvPr/>
+        </p:nvCxnSpPr>
+        <p:spPr>
+          <a:xfrm rot="5400000">
+            <a:off x="1584535" y="3321597"/>
+            <a:ext cx="349093" cy="0"/>
+          </a:xfrm>
+          <a:prstGeom prst="line">
+            <a:avLst/>
+          </a:prstGeom>
+          <a:ln w="31750" cmpd="sng">
+            <a:solidFill>
+              <a:srgbClr val="2D2D2D"/>
+            </a:solidFill>
+            <a:headEnd type="none" w="med" len="med"/>
+            <a:tailEnd type="none" w="med" len="med"/>
+          </a:ln>
+          <a:effectLst/>
+        </p:spPr>
+        <p:style>
+          <a:lnRef idx="2">
+            <a:schemeClr val="accent1"/>
+          </a:lnRef>
+          <a:fillRef idx="0">
+            <a:schemeClr val="accent1"/>
+          </a:fillRef>
+          <a:effectRef idx="1">
+            <a:schemeClr val="accent1"/>
+          </a:effectRef>
+          <a:fontRef idx="minor">
+            <a:schemeClr val="tx1"/>
+          </a:fontRef>
+        </p:style>
+      </p:cxnSp>
+      <p:sp>
+        <p:nvSpPr>
+          <p:cNvPr id="29" name="TextBox 28">
+            <a:extLst>
+              <a:ext uri="{FF2B5EF4-FFF2-40B4-BE49-F238E27FC236}">
+                <a16:creationId xmlns:a16="http://schemas.microsoft.com/office/drawing/2014/main" id="{2ACC2C09-B901-43DF-89AE-8C8B779A32FF}"/>
+              </a:ext>
+            </a:extLst>
+          </p:cNvPr>
+          <p:cNvSpPr txBox="1"/>
+          <p:nvPr/>
+        </p:nvSpPr>
+        <p:spPr>
+          <a:xfrm>
+            <a:off x="1238396" y="3485603"/>
+            <a:ext cx="1984417" cy="338554"/>
+          </a:xfrm>
+          <a:prstGeom prst="rect">
+            <a:avLst/>
+          </a:prstGeom>
+          <a:noFill/>
+        </p:spPr>
+        <p:txBody>
+          <a:bodyPr wrap="square" rtlCol="0">
+            <a:spAutoFit/>
+          </a:bodyPr>
+          <a:lstStyle/>
+          <a:p>
+            <a:pPr algn="ctr"/>
+            <a:r>
+              <a:rPr lang="en-US" sz="1600" b="0" dirty="0">
+                <a:latin typeface="Calibri" panose="020F0502020204030204" pitchFamily="34" charset="0"/>
+                <a:cs typeface="Calibri" panose="020F0502020204030204" pitchFamily="34" charset="0"/>
+              </a:rPr>
+              <a:t>Status LEDs</a:t>
+            </a:r>
+          </a:p>
+        </p:txBody>
+      </p:sp>
+      <p:sp>
+        <p:nvSpPr>
+          <p:cNvPr id="30" name="TextBox 29">
+            <a:extLst>
+              <a:ext uri="{FF2B5EF4-FFF2-40B4-BE49-F238E27FC236}">
+                <a16:creationId xmlns:a16="http://schemas.microsoft.com/office/drawing/2014/main" id="{79D198BB-E0B3-4650-8574-A569FFCE3CED}"/>
+              </a:ext>
+            </a:extLst>
+          </p:cNvPr>
+          <p:cNvSpPr txBox="1"/>
+          <p:nvPr/>
+        </p:nvSpPr>
+        <p:spPr>
+          <a:xfrm>
+            <a:off x="766872" y="3147049"/>
+            <a:ext cx="992209" cy="461665"/>
+          </a:xfrm>
+          <a:prstGeom prst="rect">
+            <a:avLst/>
+          </a:prstGeom>
+          <a:noFill/>
+        </p:spPr>
+        <p:txBody>
+          <a:bodyPr wrap="square" rtlCol="0">
+            <a:spAutoFit/>
+          </a:bodyPr>
+          <a:lstStyle/>
+          <a:p>
+            <a:pPr algn="ctr"/>
+            <a:r>
+              <a:rPr lang="en-US" sz="1200" b="0" dirty="0">
+                <a:latin typeface="Calibri" panose="020F0502020204030204" pitchFamily="34" charset="0"/>
+                <a:cs typeface="Calibri" panose="020F0502020204030204" pitchFamily="34" charset="0"/>
+              </a:rPr>
+              <a:t>Debugger connected</a:t>
+            </a:r>
+          </a:p>
+        </p:txBody>
+      </p:sp>
+      <p:sp>
+        <p:nvSpPr>
+          <p:cNvPr id="31" name="TextBox 30">
+            <a:extLst>
+              <a:ext uri="{FF2B5EF4-FFF2-40B4-BE49-F238E27FC236}">
+                <a16:creationId xmlns:a16="http://schemas.microsoft.com/office/drawing/2014/main" id="{2A779C7D-ED1C-4DA2-A976-C39D9C2E3D0A}"/>
+              </a:ext>
+            </a:extLst>
+          </p:cNvPr>
+          <p:cNvSpPr txBox="1"/>
+          <p:nvPr/>
+        </p:nvSpPr>
+        <p:spPr>
+          <a:xfrm>
+            <a:off x="2702949" y="3155285"/>
+            <a:ext cx="992209" cy="461665"/>
+          </a:xfrm>
+          <a:prstGeom prst="rect">
+            <a:avLst/>
+          </a:prstGeom>
+          <a:noFill/>
+        </p:spPr>
+        <p:txBody>
+          <a:bodyPr wrap="square" rtlCol="0">
+            <a:spAutoFit/>
+          </a:bodyPr>
+          <a:lstStyle/>
+          <a:p>
+            <a:pPr algn="ctr"/>
+            <a:r>
+              <a:rPr lang="en-US" sz="1200" b="0" dirty="0">
+                <a:latin typeface="Calibri" panose="020F0502020204030204" pitchFamily="34" charset="0"/>
+                <a:cs typeface="Calibri" panose="020F0502020204030204" pitchFamily="34" charset="0"/>
+              </a:rPr>
+              <a:t>Target running</a:t>
+            </a:r>
+          </a:p>
+        </p:txBody>
+      </p:sp>
+      <p:sp>
+        <p:nvSpPr>
+          <p:cNvPr id="22" name="Rectangle 21">
+            <a:extLst>
+              <a:ext uri="{FF2B5EF4-FFF2-40B4-BE49-F238E27FC236}">
+                <a16:creationId xmlns:a16="http://schemas.microsoft.com/office/drawing/2014/main" id="{2AB7386F-84F0-4B70-BEBA-2BF45490AC80}"/>
+              </a:ext>
+            </a:extLst>
+          </p:cNvPr>
+          <p:cNvSpPr/>
+          <p:nvPr/>
+        </p:nvSpPr>
+        <p:spPr>
+          <a:xfrm rot="5400000">
+            <a:off x="5131667" y="1567977"/>
+            <a:ext cx="1249661" cy="673039"/>
+          </a:xfrm>
+          <a:prstGeom prst="rect">
+            <a:avLst/>
+          </a:prstGeom>
+          <a:solidFill>
+            <a:srgbClr val="0091BD"/>
+          </a:solidFill>
+          <a:ln w="6350" cmpd="sng">
+            <a:solidFill>
+              <a:schemeClr val="accent1"/>
+            </a:solidFill>
+          </a:ln>
+          <a:effectLst/>
+        </p:spPr>
+        <p:style>
+          <a:lnRef idx="1">
+            <a:schemeClr val="accent1"/>
+          </a:lnRef>
+          <a:fillRef idx="3">
+            <a:schemeClr val="accent1"/>
+          </a:fillRef>
+          <a:effectRef idx="2">
+            <a:schemeClr val="accent1"/>
+          </a:effectRef>
+          <a:fontRef idx="minor">
+            <a:schemeClr val="lt1"/>
+          </a:fontRef>
+        </p:style>
+        <p:txBody>
+          <a:bodyPr rtlCol="0" anchor="ctr"/>
+          <a:lstStyle/>
+          <a:p>
+            <a:pPr algn="ctr"/>
+            <a:r>
+              <a:rPr lang="en-US" sz="2000" dirty="0">
+                <a:solidFill>
+                  <a:schemeClr val="bg1"/>
+                </a:solidFill>
+                <a:latin typeface="Calibri" panose="020F0502020204030204" pitchFamily="34" charset="0"/>
+                <a:cs typeface="Calibri" panose="020F0502020204030204" pitchFamily="34" charset="0"/>
+              </a:rPr>
+              <a:t>Isolation</a:t>
+            </a:r>
+            <a:endParaRPr lang="en-GB" sz="2000" dirty="0" err="1">
+              <a:solidFill>
+                <a:schemeClr val="bg1"/>
+              </a:solidFill>
+              <a:latin typeface="Calibri" panose="020F0502020204030204" pitchFamily="34" charset="0"/>
+              <a:cs typeface="Calibri" panose="020F0502020204030204" pitchFamily="34" charset="0"/>
+            </a:endParaRPr>
+          </a:p>
+        </p:txBody>
+      </p:sp>
+      <p:cxnSp>
+        <p:nvCxnSpPr>
+          <p:cNvPr id="27" name="Straight Connector 26">
+            <a:extLst>
+              <a:ext uri="{FF2B5EF4-FFF2-40B4-BE49-F238E27FC236}">
+                <a16:creationId xmlns:a16="http://schemas.microsoft.com/office/drawing/2014/main" id="{9F9BFDC5-6567-42F8-8E31-F0EB78624194}"/>
+              </a:ext>
+            </a:extLst>
+          </p:cNvPr>
+          <p:cNvCxnSpPr/>
+          <p:nvPr/>
+        </p:nvCxnSpPr>
+        <p:spPr>
+          <a:xfrm>
+            <a:off x="5071659" y="1373161"/>
+            <a:ext cx="349093" cy="0"/>
+          </a:xfrm>
+          <a:prstGeom prst="line">
+            <a:avLst/>
+          </a:prstGeom>
+          <a:ln w="31750" cmpd="sng">
+            <a:solidFill>
+              <a:srgbClr val="2D2D2D"/>
+            </a:solidFill>
+            <a:headEnd type="none" w="med" len="med"/>
+            <a:tailEnd type="none" w="med" len="med"/>
+          </a:ln>
+          <a:effectLst/>
+        </p:spPr>
+        <p:style>
+          <a:lnRef idx="2">
+            <a:schemeClr val="accent1"/>
+          </a:lnRef>
+          <a:fillRef idx="0">
+            <a:schemeClr val="accent1"/>
+          </a:fillRef>
+          <a:effectRef idx="1">
+            <a:schemeClr val="accent1"/>
+          </a:effectRef>
+          <a:fontRef idx="minor">
+            <a:schemeClr val="tx1"/>
+          </a:fontRef>
+        </p:style>
+      </p:cxnSp>
+      <p:cxnSp>
+        <p:nvCxnSpPr>
+          <p:cNvPr id="28" name="Straight Connector 27">
+            <a:extLst>
+              <a:ext uri="{FF2B5EF4-FFF2-40B4-BE49-F238E27FC236}">
+                <a16:creationId xmlns:a16="http://schemas.microsoft.com/office/drawing/2014/main" id="{A6AB7132-BBCD-407D-B91F-608D7D42CEDD}"/>
+              </a:ext>
+            </a:extLst>
+          </p:cNvPr>
+          <p:cNvCxnSpPr/>
+          <p:nvPr/>
+        </p:nvCxnSpPr>
+        <p:spPr>
+          <a:xfrm>
+            <a:off x="5071659" y="1587247"/>
+            <a:ext cx="349093" cy="0"/>
+          </a:xfrm>
+          <a:prstGeom prst="line">
+            <a:avLst/>
+          </a:prstGeom>
+          <a:ln w="31750" cmpd="sng">
+            <a:solidFill>
+              <a:srgbClr val="2D2D2D"/>
+            </a:solidFill>
+            <a:headEnd type="none" w="med" len="med"/>
+            <a:tailEnd type="none" w="med" len="med"/>
+          </a:ln>
+          <a:effectLst/>
+        </p:spPr>
+        <p:style>
+          <a:lnRef idx="2">
+            <a:schemeClr val="accent1"/>
+          </a:lnRef>
+          <a:fillRef idx="0">
+            <a:schemeClr val="accent1"/>
+          </a:fillRef>
+          <a:effectRef idx="1">
+            <a:schemeClr val="accent1"/>
+          </a:effectRef>
+          <a:fontRef idx="minor">
+            <a:schemeClr val="tx1"/>
+          </a:fontRef>
+        </p:style>
+      </p:cxnSp>
+      <p:cxnSp>
+        <p:nvCxnSpPr>
+          <p:cNvPr id="32" name="Straight Connector 31">
+            <a:extLst>
+              <a:ext uri="{FF2B5EF4-FFF2-40B4-BE49-F238E27FC236}">
+                <a16:creationId xmlns:a16="http://schemas.microsoft.com/office/drawing/2014/main" id="{33D31CFC-DA5B-406D-AD16-68BE9CB3D345}"/>
+              </a:ext>
+            </a:extLst>
+          </p:cNvPr>
+          <p:cNvCxnSpPr/>
+          <p:nvPr/>
+        </p:nvCxnSpPr>
+        <p:spPr>
+          <a:xfrm>
+            <a:off x="5070885" y="1794983"/>
+            <a:ext cx="349093" cy="0"/>
+          </a:xfrm>
+          <a:prstGeom prst="line">
+            <a:avLst/>
+          </a:prstGeom>
+          <a:ln w="31750" cmpd="sng">
+            <a:solidFill>
+              <a:srgbClr val="2D2D2D"/>
+            </a:solidFill>
+            <a:headEnd type="none" w="med" len="med"/>
+            <a:tailEnd type="none" w="med" len="med"/>
+          </a:ln>
+          <a:effectLst/>
+        </p:spPr>
+        <p:style>
+          <a:lnRef idx="2">
+            <a:schemeClr val="accent1"/>
+          </a:lnRef>
+          <a:fillRef idx="0">
+            <a:schemeClr val="accent1"/>
+          </a:fillRef>
+          <a:effectRef idx="1">
+            <a:schemeClr val="accent1"/>
+          </a:effectRef>
+          <a:fontRef idx="minor">
+            <a:schemeClr val="tx1"/>
+          </a:fontRef>
+        </p:style>
+      </p:cxnSp>
+      <p:cxnSp>
+        <p:nvCxnSpPr>
+          <p:cNvPr id="33" name="Straight Connector 32">
+            <a:extLst>
+              <a:ext uri="{FF2B5EF4-FFF2-40B4-BE49-F238E27FC236}">
+                <a16:creationId xmlns:a16="http://schemas.microsoft.com/office/drawing/2014/main" id="{29F60B03-5CF2-4ABE-B994-52EA920916E3}"/>
+              </a:ext>
+            </a:extLst>
+          </p:cNvPr>
+          <p:cNvCxnSpPr/>
+          <p:nvPr/>
+        </p:nvCxnSpPr>
+        <p:spPr>
+          <a:xfrm>
+            <a:off x="5076850" y="2015419"/>
+            <a:ext cx="349093" cy="0"/>
+          </a:xfrm>
+          <a:prstGeom prst="line">
+            <a:avLst/>
+          </a:prstGeom>
+          <a:ln w="31750" cmpd="sng">
+            <a:solidFill>
+              <a:srgbClr val="2D2D2D"/>
+            </a:solidFill>
+            <a:headEnd type="none" w="med" len="med"/>
+            <a:tailEnd type="none" w="med" len="med"/>
+          </a:ln>
+          <a:effectLst/>
+        </p:spPr>
+        <p:style>
+          <a:lnRef idx="2">
+            <a:schemeClr val="accent1"/>
+          </a:lnRef>
+          <a:fillRef idx="0">
+            <a:schemeClr val="accent1"/>
+          </a:fillRef>
+          <a:effectRef idx="1">
+            <a:schemeClr val="accent1"/>
+          </a:effectRef>
+          <a:fontRef idx="minor">
+            <a:schemeClr val="tx1"/>
+          </a:fontRef>
+        </p:style>
+      </p:cxnSp>
+      <p:cxnSp>
+        <p:nvCxnSpPr>
+          <p:cNvPr id="34" name="Straight Connector 33">
+            <a:extLst>
+              <a:ext uri="{FF2B5EF4-FFF2-40B4-BE49-F238E27FC236}">
+                <a16:creationId xmlns:a16="http://schemas.microsoft.com/office/drawing/2014/main" id="{15D9B5CB-75A8-4E05-8E7C-FFAFA6293038}"/>
+              </a:ext>
+            </a:extLst>
+          </p:cNvPr>
+          <p:cNvCxnSpPr/>
+          <p:nvPr/>
+        </p:nvCxnSpPr>
+        <p:spPr>
+          <a:xfrm>
+            <a:off x="5074468" y="2229505"/>
+            <a:ext cx="349093" cy="0"/>
+          </a:xfrm>
+          <a:prstGeom prst="line">
+            <a:avLst/>
+          </a:prstGeom>
+          <a:ln w="31750" cmpd="sng">
+            <a:solidFill>
+              <a:srgbClr val="2D2D2D"/>
+            </a:solidFill>
+            <a:headEnd type="none" w="med" len="med"/>
+            <a:tailEnd type="none" w="med" len="med"/>
+          </a:ln>
+          <a:effectLst/>
+        </p:spPr>
+        <p:style>
+          <a:lnRef idx="2">
+            <a:schemeClr val="accent1"/>
+          </a:lnRef>
+          <a:fillRef idx="0">
+            <a:schemeClr val="accent1"/>
+          </a:fillRef>
+          <a:effectRef idx="1">
+            <a:schemeClr val="accent1"/>
+          </a:effectRef>
+          <a:fontRef idx="minor">
+            <a:schemeClr val="tx1"/>
+          </a:fontRef>
+        </p:style>
+      </p:cxnSp>
+      <p:cxnSp>
+        <p:nvCxnSpPr>
+          <p:cNvPr id="35" name="Straight Connector 34">
+            <a:extLst>
+              <a:ext uri="{FF2B5EF4-FFF2-40B4-BE49-F238E27FC236}">
+                <a16:creationId xmlns:a16="http://schemas.microsoft.com/office/drawing/2014/main" id="{35AD4DD6-0915-4BCE-BC34-6EE121ECB717}"/>
+              </a:ext>
+            </a:extLst>
+          </p:cNvPr>
+          <p:cNvCxnSpPr/>
+          <p:nvPr/>
+        </p:nvCxnSpPr>
+        <p:spPr>
+          <a:xfrm>
+            <a:off x="5070906" y="2443591"/>
+            <a:ext cx="349093" cy="0"/>
+          </a:xfrm>
+          <a:prstGeom prst="line">
+            <a:avLst/>
+          </a:prstGeom>
+          <a:ln w="31750" cmpd="sng">
+            <a:solidFill>
+              <a:srgbClr val="2D2D2D"/>
+            </a:solidFill>
+            <a:headEnd type="none" w="med" len="med"/>
+            <a:tailEnd type="none" w="med" len="med"/>
+          </a:ln>
+          <a:effectLst/>
+        </p:spPr>
+        <p:style>
+          <a:lnRef idx="2">
+            <a:schemeClr val="accent1"/>
+          </a:lnRef>
+          <a:fillRef idx="0">
+            <a:schemeClr val="accent1"/>
+          </a:fillRef>
+          <a:effectRef idx="1">
+            <a:schemeClr val="accent1"/>
+          </a:effectRef>
+          <a:fontRef idx="minor">
+            <a:schemeClr val="tx1"/>
+          </a:fontRef>
+        </p:style>
+      </p:cxnSp>
+      <p:cxnSp>
+        <p:nvCxnSpPr>
+          <p:cNvPr id="36" name="Straight Connector 35">
+            <a:extLst>
+              <a:ext uri="{FF2B5EF4-FFF2-40B4-BE49-F238E27FC236}">
+                <a16:creationId xmlns:a16="http://schemas.microsoft.com/office/drawing/2014/main" id="{30D2D6BE-E373-4417-A321-42239E8EDE0B}"/>
+              </a:ext>
+            </a:extLst>
+          </p:cNvPr>
+          <p:cNvCxnSpPr/>
+          <p:nvPr/>
+        </p:nvCxnSpPr>
+        <p:spPr>
+          <a:xfrm>
+            <a:off x="6093770" y="1373161"/>
+            <a:ext cx="349093" cy="0"/>
+          </a:xfrm>
+          <a:prstGeom prst="line">
+            <a:avLst/>
+          </a:prstGeom>
+          <a:ln w="31750" cmpd="sng">
+            <a:solidFill>
+              <a:srgbClr val="2D2D2D"/>
+            </a:solidFill>
+            <a:headEnd type="none" w="med" len="med"/>
+            <a:tailEnd type="none" w="med" len="med"/>
+          </a:ln>
+          <a:effectLst/>
+        </p:spPr>
+        <p:style>
+          <a:lnRef idx="2">
+            <a:schemeClr val="accent1"/>
+          </a:lnRef>
+          <a:fillRef idx="0">
+            <a:schemeClr val="accent1"/>
+          </a:fillRef>
+          <a:effectRef idx="1">
+            <a:schemeClr val="accent1"/>
+          </a:effectRef>
+          <a:fontRef idx="minor">
+            <a:schemeClr val="tx1"/>
+          </a:fontRef>
+        </p:style>
+      </p:cxnSp>
+      <p:cxnSp>
+        <p:nvCxnSpPr>
+          <p:cNvPr id="37" name="Straight Connector 36">
+            <a:extLst>
+              <a:ext uri="{FF2B5EF4-FFF2-40B4-BE49-F238E27FC236}">
+                <a16:creationId xmlns:a16="http://schemas.microsoft.com/office/drawing/2014/main" id="{F898164F-61D2-4A25-A53B-44DE54C08576}"/>
+              </a:ext>
+            </a:extLst>
+          </p:cNvPr>
+          <p:cNvCxnSpPr/>
+          <p:nvPr/>
+        </p:nvCxnSpPr>
+        <p:spPr>
+          <a:xfrm>
+            <a:off x="6093770" y="1587247"/>
+            <a:ext cx="349093" cy="0"/>
+          </a:xfrm>
+          <a:prstGeom prst="line">
+            <a:avLst/>
+          </a:prstGeom>
+          <a:ln w="31750" cmpd="sng">
+            <a:solidFill>
+              <a:srgbClr val="2D2D2D"/>
+            </a:solidFill>
+            <a:headEnd type="none" w="med" len="med"/>
+            <a:tailEnd type="none" w="med" len="med"/>
+          </a:ln>
+          <a:effectLst/>
+        </p:spPr>
+        <p:style>
+          <a:lnRef idx="2">
+            <a:schemeClr val="accent1"/>
+          </a:lnRef>
+          <a:fillRef idx="0">
+            <a:schemeClr val="accent1"/>
+          </a:fillRef>
+          <a:effectRef idx="1">
+            <a:schemeClr val="accent1"/>
+          </a:effectRef>
+          <a:fontRef idx="minor">
+            <a:schemeClr val="tx1"/>
+          </a:fontRef>
+        </p:style>
+      </p:cxnSp>
+      <p:cxnSp>
+        <p:nvCxnSpPr>
+          <p:cNvPr id="38" name="Straight Connector 37">
+            <a:extLst>
+              <a:ext uri="{FF2B5EF4-FFF2-40B4-BE49-F238E27FC236}">
+                <a16:creationId xmlns:a16="http://schemas.microsoft.com/office/drawing/2014/main" id="{AB35C119-B14B-492A-8B2A-45D37C45657C}"/>
+              </a:ext>
+            </a:extLst>
+          </p:cNvPr>
+          <p:cNvCxnSpPr/>
+          <p:nvPr/>
+        </p:nvCxnSpPr>
+        <p:spPr>
+          <a:xfrm>
+            <a:off x="6092996" y="1794983"/>
+            <a:ext cx="349093" cy="0"/>
+          </a:xfrm>
+          <a:prstGeom prst="line">
+            <a:avLst/>
+          </a:prstGeom>
+          <a:ln w="31750" cmpd="sng">
+            <a:solidFill>
+              <a:srgbClr val="2D2D2D"/>
+            </a:solidFill>
+            <a:headEnd type="none" w="med" len="med"/>
+            <a:tailEnd type="none" w="med" len="med"/>
+          </a:ln>
+          <a:effectLst/>
+        </p:spPr>
+        <p:style>
+          <a:lnRef idx="2">
+            <a:schemeClr val="accent1"/>
+          </a:lnRef>
+          <a:fillRef idx="0">
+            <a:schemeClr val="accent1"/>
+          </a:fillRef>
+          <a:effectRef idx="1">
+            <a:schemeClr val="accent1"/>
+          </a:effectRef>
+          <a:fontRef idx="minor">
+            <a:schemeClr val="tx1"/>
+          </a:fontRef>
+        </p:style>
+      </p:cxnSp>
+      <p:cxnSp>
+        <p:nvCxnSpPr>
+          <p:cNvPr id="39" name="Straight Connector 38">
+            <a:extLst>
+              <a:ext uri="{FF2B5EF4-FFF2-40B4-BE49-F238E27FC236}">
+                <a16:creationId xmlns:a16="http://schemas.microsoft.com/office/drawing/2014/main" id="{78260461-36ED-4589-B616-A829F946A840}"/>
+              </a:ext>
+            </a:extLst>
+          </p:cNvPr>
+          <p:cNvCxnSpPr/>
+          <p:nvPr/>
+        </p:nvCxnSpPr>
+        <p:spPr>
+          <a:xfrm>
+            <a:off x="6098961" y="2015419"/>
+            <a:ext cx="349093" cy="0"/>
+          </a:xfrm>
+          <a:prstGeom prst="line">
+            <a:avLst/>
+          </a:prstGeom>
+          <a:ln w="31750" cmpd="sng">
+            <a:solidFill>
+              <a:srgbClr val="2D2D2D"/>
+            </a:solidFill>
+            <a:headEnd type="none" w="med" len="med"/>
+            <a:tailEnd type="none" w="med" len="med"/>
+          </a:ln>
+          <a:effectLst/>
+        </p:spPr>
+        <p:style>
+          <a:lnRef idx="2">
+            <a:schemeClr val="accent1"/>
+          </a:lnRef>
+          <a:fillRef idx="0">
+            <a:schemeClr val="accent1"/>
+          </a:fillRef>
+          <a:effectRef idx="1">
+            <a:schemeClr val="accent1"/>
+          </a:effectRef>
+          <a:fontRef idx="minor">
+            <a:schemeClr val="tx1"/>
+          </a:fontRef>
+        </p:style>
+      </p:cxnSp>
+      <p:cxnSp>
+        <p:nvCxnSpPr>
+          <p:cNvPr id="40" name="Straight Connector 39">
+            <a:extLst>
+              <a:ext uri="{FF2B5EF4-FFF2-40B4-BE49-F238E27FC236}">
+                <a16:creationId xmlns:a16="http://schemas.microsoft.com/office/drawing/2014/main" id="{E665D7CB-81B2-43FD-A250-CE0C53AB8892}"/>
+              </a:ext>
+            </a:extLst>
+          </p:cNvPr>
+          <p:cNvCxnSpPr/>
+          <p:nvPr/>
+        </p:nvCxnSpPr>
+        <p:spPr>
+          <a:xfrm>
+            <a:off x="6096579" y="2229505"/>
+            <a:ext cx="349093" cy="0"/>
+          </a:xfrm>
+          <a:prstGeom prst="line">
+            <a:avLst/>
+          </a:prstGeom>
+          <a:ln w="31750" cmpd="sng">
+            <a:solidFill>
+              <a:srgbClr val="2D2D2D"/>
+            </a:solidFill>
+            <a:headEnd type="none" w="med" len="med"/>
+            <a:tailEnd type="none" w="med" len="med"/>
+          </a:ln>
+          <a:effectLst/>
+        </p:spPr>
+        <p:style>
+          <a:lnRef idx="2">
+            <a:schemeClr val="accent1"/>
+          </a:lnRef>
+          <a:fillRef idx="0">
+            <a:schemeClr val="accent1"/>
+          </a:fillRef>
+          <a:effectRef idx="1">
+            <a:schemeClr val="accent1"/>
+          </a:effectRef>
+          <a:fontRef idx="minor">
+            <a:schemeClr val="tx1"/>
+          </a:fontRef>
+        </p:style>
+      </p:cxnSp>
+      <p:sp>
+        <p:nvSpPr>
+          <p:cNvPr id="42" name="TextBox 41">
+            <a:extLst>
+              <a:ext uri="{FF2B5EF4-FFF2-40B4-BE49-F238E27FC236}">
+                <a16:creationId xmlns:a16="http://schemas.microsoft.com/office/drawing/2014/main" id="{454B0700-9BDE-4463-B734-B083C32BEDAD}"/>
+              </a:ext>
+            </a:extLst>
+          </p:cNvPr>
+          <p:cNvSpPr txBox="1"/>
+          <p:nvPr/>
+        </p:nvSpPr>
+        <p:spPr>
+          <a:xfrm>
+            <a:off x="6449234" y="1210952"/>
+            <a:ext cx="1176447" cy="1169551"/>
+          </a:xfrm>
+          <a:prstGeom prst="rect">
+            <a:avLst/>
+          </a:prstGeom>
+          <a:noFill/>
+        </p:spPr>
+        <p:txBody>
+          <a:bodyPr wrap="square" rtlCol="0">
+            <a:spAutoFit/>
+          </a:bodyPr>
+          <a:lstStyle/>
+          <a:p>
+            <a:r>
+              <a:rPr lang="en-US" sz="1400" dirty="0">
+                <a:latin typeface="Calibri" panose="020F0502020204030204" pitchFamily="34" charset="0"/>
+                <a:cs typeface="Calibri" panose="020F0502020204030204" pitchFamily="34" charset="0"/>
+              </a:rPr>
+              <a:t>TCK/SWCLK</a:t>
+            </a:r>
+          </a:p>
+          <a:p>
+            <a:r>
+              <a:rPr lang="en-US" sz="1400" dirty="0">
+                <a:latin typeface="Calibri" panose="020F0502020204030204" pitchFamily="34" charset="0"/>
+                <a:cs typeface="Calibri" panose="020F0502020204030204" pitchFamily="34" charset="0"/>
+              </a:rPr>
+              <a:t>TMS/SWDIO</a:t>
+            </a:r>
+          </a:p>
+          <a:p>
+            <a:r>
+              <a:rPr lang="en-US" sz="1400" dirty="0">
+                <a:latin typeface="Calibri" panose="020F0502020204030204" pitchFamily="34" charset="0"/>
+                <a:cs typeface="Calibri" panose="020F0502020204030204" pitchFamily="34" charset="0"/>
+              </a:rPr>
+              <a:t>TDI</a:t>
+            </a:r>
+          </a:p>
+          <a:p>
+            <a:r>
+              <a:rPr lang="en-US" sz="1400" dirty="0">
+                <a:latin typeface="Calibri" panose="020F0502020204030204" pitchFamily="34" charset="0"/>
+                <a:cs typeface="Calibri" panose="020F0502020204030204" pitchFamily="34" charset="0"/>
+              </a:rPr>
+              <a:t>TDO/SWO</a:t>
+            </a:r>
+          </a:p>
+          <a:p>
+            <a:r>
+              <a:rPr lang="en-US" sz="1400" dirty="0" err="1">
+                <a:latin typeface="Calibri" panose="020F0502020204030204" pitchFamily="34" charset="0"/>
+                <a:cs typeface="Calibri" panose="020F0502020204030204" pitchFamily="34" charset="0"/>
+              </a:rPr>
+              <a:t>nTRST</a:t>
+            </a:r>
+            <a:endParaRPr lang="en-US" sz="1400" dirty="0">
+              <a:latin typeface="Calibri" panose="020F0502020204030204" pitchFamily="34" charset="0"/>
+              <a:cs typeface="Calibri" panose="020F0502020204030204" pitchFamily="34" charset="0"/>
+            </a:endParaRPr>
+          </a:p>
+        </p:txBody>
+      </p:sp>
+      <p:cxnSp>
+        <p:nvCxnSpPr>
+          <p:cNvPr id="41" name="Straight Connector 40">
+            <a:extLst>
+              <a:ext uri="{FF2B5EF4-FFF2-40B4-BE49-F238E27FC236}">
+                <a16:creationId xmlns:a16="http://schemas.microsoft.com/office/drawing/2014/main" id="{E6C443C7-FF9F-4CB2-9C74-60693191EF4E}"/>
+              </a:ext>
+            </a:extLst>
+          </p:cNvPr>
+          <p:cNvCxnSpPr/>
+          <p:nvPr/>
+        </p:nvCxnSpPr>
+        <p:spPr>
+          <a:xfrm>
+            <a:off x="3222813" y="3089544"/>
+            <a:ext cx="349093" cy="0"/>
+          </a:xfrm>
+          <a:prstGeom prst="line">
+            <a:avLst/>
+          </a:prstGeom>
+          <a:ln w="31750" cmpd="sng">
+            <a:solidFill>
+              <a:schemeClr val="tx2"/>
+            </a:solidFill>
+            <a:headEnd type="none" w="med" len="med"/>
+            <a:tailEnd type="none" w="med" len="med"/>
+          </a:ln>
+          <a:effectLst/>
+        </p:spPr>
+        <p:style>
+          <a:lnRef idx="2">
+            <a:schemeClr val="accent1"/>
+          </a:lnRef>
+          <a:fillRef idx="0">
+            <a:schemeClr val="accent1"/>
+          </a:fillRef>
+          <a:effectRef idx="1">
+            <a:schemeClr val="accent1"/>
+          </a:effectRef>
+          <a:fontRef idx="minor">
+            <a:schemeClr val="tx1"/>
+          </a:fontRef>
+        </p:style>
+      </p:cxnSp>
+    </p:spTree>
+    <p:extLst>
+      <p:ext uri="{BB962C8B-B14F-4D97-AF65-F5344CB8AC3E}">
+        <p14:creationId xmlns:p14="http://schemas.microsoft.com/office/powerpoint/2010/main" val="3994022277"/>
+      </p:ext>
+    </p:extLst>
+  </p:cSld>
+  <p:clrMapOvr>
+    <a:masterClrMapping/>
+  </p:clrMapOvr>
 </p:sld>
 </file>
 
@@ -10074,26 +14072,51 @@
 
 <file path=customXml/item1.xml><?xml version="1.0" encoding="utf-8"?>
 <?mso-contentType ?>
-<FormTemplates xmlns="http://schemas.microsoft.com/sharepoint/v3/contenttype/forms">
-  <Display>DocumentLibraryForm</Display>
-  <Edit>DocumentLibraryForm</Edit>
-  <New>DocumentLibraryForm</New>
-</FormTemplates>
+<spe:Receivers xmlns:spe="http://schemas.microsoft.com/sharepoint/events">
+  <Receiver>
+    <Name>Document ID Generator</Name>
+    <Synchronization>Synchronous</Synchronization>
+    <Type>10001</Type>
+    <SequenceNumber>1000</SequenceNumber>
+    <Assembly>Microsoft.Office.DocumentManagement, Version=14.0.0.0, Culture=neutral, PublicKeyToken=71e9bce111e9429c</Assembly>
+    <Class>Microsoft.Office.DocumentManagement.Internal.DocIdHandler</Class>
+    <Data/>
+    <Filter/>
+  </Receiver>
+  <Receiver>
+    <Name>Document ID Generator</Name>
+    <Synchronization>Synchronous</Synchronization>
+    <Type>10002</Type>
+    <SequenceNumber>1001</SequenceNumber>
+    <Assembly>Microsoft.Office.DocumentManagement, Version=14.0.0.0, Culture=neutral, PublicKeyToken=71e9bce111e9429c</Assembly>
+    <Class>Microsoft.Office.DocumentManagement.Internal.DocIdHandler</Class>
+    <Data/>
+    <Filter/>
+  </Receiver>
+  <Receiver>
+    <Name>Document ID Generator</Name>
+    <Synchronization>Synchronous</Synchronization>
+    <Type>10004</Type>
+    <SequenceNumber>1002</SequenceNumber>
+    <Assembly>Microsoft.Office.DocumentManagement, Version=14.0.0.0, Culture=neutral, PublicKeyToken=71e9bce111e9429c</Assembly>
+    <Class>Microsoft.Office.DocumentManagement.Internal.DocIdHandler</Class>
+    <Data/>
+    <Filter/>
+  </Receiver>
+  <Receiver>
+    <Name>Document ID Generator</Name>
+    <Synchronization>Synchronous</Synchronization>
+    <Type>10006</Type>
+    <SequenceNumber>1003</SequenceNumber>
+    <Assembly>Microsoft.Office.DocumentManagement, Version=14.0.0.0, Culture=neutral, PublicKeyToken=71e9bce111e9429c</Assembly>
+    <Class>Microsoft.Office.DocumentManagement.Internal.DocIdHandler</Class>
+    <Data/>
+    <Filter/>
+  </Receiver>
+</spe:Receivers>
 </file>
 
 <file path=customXml/item2.xml><?xml version="1.0" encoding="utf-8"?>
-<p:properties xmlns:p="http://schemas.microsoft.com/office/2006/metadata/properties" xmlns:xsi="http://www.w3.org/2001/XMLSchema-instance" xmlns:pc="http://schemas.microsoft.com/office/infopath/2007/PartnerControls">
-  <documentManagement>
-    <_dlc_DocId xmlns="f2ad5090-61a8-4b8c-ab70-68f4ff4d1933">ARM-ECM-0491503</_dlc_DocId>
-    <_dlc_DocIdUrl xmlns="f2ad5090-61a8-4b8c-ab70-68f4ff4d1933">
-      <Url>http://teamsites.arm.com/sites/Corpmktg/graphics/_layouts/DocIdRedir.aspx?ID=ARM-ECM-0491503</Url>
-      <Description>ARM-ECM-0491503</Description>
-    </_dlc_DocIdUrl>
-  </documentManagement>
-</p:properties>
-</file>
-
-<file path=customXml/item3.xml><?xml version="1.0" encoding="utf-8"?>
 <ct:contentTypeSchema xmlns:ct="http://schemas.microsoft.com/office/2006/metadata/contentType" xmlns:ma="http://schemas.microsoft.com/office/2006/metadata/properties/metaAttributes" ct:_="" ma:_="" ma:contentTypeName="Document" ma:contentTypeID="0x0101005953A7A3657A61428D34982CE3100E9A" ma:contentTypeVersion="0" ma:contentTypeDescription="Create a new document." ma:contentTypeScope="" ma:versionID="9d7dbb0d33bb298decf17a3b04476177">
   <xsd:schema xmlns:xsd="http://www.w3.org/2001/XMLSchema" xmlns:xs="http://www.w3.org/2001/XMLSchema" xmlns:p="http://schemas.microsoft.com/office/2006/metadata/properties" xmlns:ns2="f2ad5090-61a8-4b8c-ab70-68f4ff4d1933" targetNamespace="http://schemas.microsoft.com/office/2006/metadata/properties" ma:root="true" ma:fieldsID="653440191449dc6dbdd54d77bba038f8" ns2:_="">
     <xsd:import namespace="f2ad5090-61a8-4b8c-ab70-68f4ff4d1933"/>
@@ -10238,77 +14261,36 @@
 </ct:contentTypeSchema>
 </file>
 
+<file path=customXml/item3.xml><?xml version="1.0" encoding="utf-8"?>
+<p:properties xmlns:p="http://schemas.microsoft.com/office/2006/metadata/properties" xmlns:xsi="http://www.w3.org/2001/XMLSchema-instance" xmlns:pc="http://schemas.microsoft.com/office/infopath/2007/PartnerControls">
+  <documentManagement>
+    <_dlc_DocId xmlns="f2ad5090-61a8-4b8c-ab70-68f4ff4d1933">ARM-ECM-0491503</_dlc_DocId>
+    <_dlc_DocIdUrl xmlns="f2ad5090-61a8-4b8c-ab70-68f4ff4d1933">
+      <Url>http://teamsites.arm.com/sites/Corpmktg/graphics/_layouts/DocIdRedir.aspx?ID=ARM-ECM-0491503</Url>
+      <Description>ARM-ECM-0491503</Description>
+    </_dlc_DocIdUrl>
+  </documentManagement>
+</p:properties>
+</file>
+
 <file path=customXml/item4.xml><?xml version="1.0" encoding="utf-8"?>
 <?mso-contentType ?>
-<spe:Receivers xmlns:spe="http://schemas.microsoft.com/sharepoint/events">
-  <Receiver>
-    <Name>Document ID Generator</Name>
-    <Synchronization>Synchronous</Synchronization>
-    <Type>10001</Type>
-    <SequenceNumber>1000</SequenceNumber>
-    <Assembly>Microsoft.Office.DocumentManagement, Version=14.0.0.0, Culture=neutral, PublicKeyToken=71e9bce111e9429c</Assembly>
-    <Class>Microsoft.Office.DocumentManagement.Internal.DocIdHandler</Class>
-    <Data/>
-    <Filter/>
-  </Receiver>
-  <Receiver>
-    <Name>Document ID Generator</Name>
-    <Synchronization>Synchronous</Synchronization>
-    <Type>10002</Type>
-    <SequenceNumber>1001</SequenceNumber>
-    <Assembly>Microsoft.Office.DocumentManagement, Version=14.0.0.0, Culture=neutral, PublicKeyToken=71e9bce111e9429c</Assembly>
-    <Class>Microsoft.Office.DocumentManagement.Internal.DocIdHandler</Class>
-    <Data/>
-    <Filter/>
-  </Receiver>
-  <Receiver>
-    <Name>Document ID Generator</Name>
-    <Synchronization>Synchronous</Synchronization>
-    <Type>10004</Type>
-    <SequenceNumber>1002</SequenceNumber>
-    <Assembly>Microsoft.Office.DocumentManagement, Version=14.0.0.0, Culture=neutral, PublicKeyToken=71e9bce111e9429c</Assembly>
-    <Class>Microsoft.Office.DocumentManagement.Internal.DocIdHandler</Class>
-    <Data/>
-    <Filter/>
-  </Receiver>
-  <Receiver>
-    <Name>Document ID Generator</Name>
-    <Synchronization>Synchronous</Synchronization>
-    <Type>10006</Type>
-    <SequenceNumber>1003</SequenceNumber>
-    <Assembly>Microsoft.Office.DocumentManagement, Version=14.0.0.0, Culture=neutral, PublicKeyToken=71e9bce111e9429c</Assembly>
-    <Class>Microsoft.Office.DocumentManagement.Internal.DocIdHandler</Class>
-    <Data/>
-    <Filter/>
-  </Receiver>
-</spe:Receivers>
+<FormTemplates xmlns="http://schemas.microsoft.com/sharepoint/v3/contenttype/forms">
+  <Display>DocumentLibraryForm</Display>
+  <Edit>DocumentLibraryForm</Edit>
+  <New>DocumentLibraryForm</New>
+</FormTemplates>
 </file>
 
 <file path=customXml/itemProps1.xml><?xml version="1.0" encoding="utf-8"?>
-<ds:datastoreItem xmlns:ds="http://schemas.openxmlformats.org/officeDocument/2006/customXml" ds:itemID="{007E157F-F4C7-4050-8D49-55DB8D1A3AC8}">
+<ds:datastoreItem xmlns:ds="http://schemas.openxmlformats.org/officeDocument/2006/customXml" ds:itemID="{75E05AB7-3B6A-492F-8FD0-7267B59BB88B}">
   <ds:schemaRefs>
-    <ds:schemaRef ds:uri="http://schemas.microsoft.com/sharepoint/v3/contenttype/forms"/>
+    <ds:schemaRef ds:uri="http://schemas.microsoft.com/sharepoint/events"/>
   </ds:schemaRefs>
 </ds:datastoreItem>
 </file>
 
 <file path=customXml/itemProps2.xml><?xml version="1.0" encoding="utf-8"?>
-<ds:datastoreItem xmlns:ds="http://schemas.openxmlformats.org/officeDocument/2006/customXml" ds:itemID="{659AFC57-EF78-4135-9503-D857AFA49F8B}">
-  <ds:schemaRefs>
-    <ds:schemaRef ds:uri="f2ad5090-61a8-4b8c-ab70-68f4ff4d1933"/>
-    <ds:schemaRef ds:uri="http://purl.org/dc/dcmitype/"/>
-    <ds:schemaRef ds:uri="http://www.w3.org/XML/1998/namespace"/>
-    <ds:schemaRef ds:uri="http://schemas.openxmlformats.org/package/2006/metadata/core-properties"/>
-    <ds:schemaRef ds:uri="http://schemas.microsoft.com/office/2006/documentManagement/types"/>
-    <ds:schemaRef ds:uri="http://purl.org/dc/terms/"/>
-    <ds:schemaRef ds:uri="http://schemas.microsoft.com/office/infopath/2007/PartnerControls"/>
-    <ds:schemaRef ds:uri="http://schemas.microsoft.com/office/2006/metadata/properties"/>
-    <ds:schemaRef ds:uri="http://purl.org/dc/elements/1.1/"/>
-  </ds:schemaRefs>
-</ds:datastoreItem>
-</file>
-
-<file path=customXml/itemProps3.xml><?xml version="1.0" encoding="utf-8"?>
 <ds:datastoreItem xmlns:ds="http://schemas.openxmlformats.org/officeDocument/2006/customXml" ds:itemID="{1CBA01FD-69E2-4D69-B064-01637DD45D7D}">
   <ds:schemaRefs>
     <ds:schemaRef ds:uri="http://schemas.microsoft.com/office/2006/metadata/contentType"/>
@@ -10326,10 +14308,26 @@
 </ds:datastoreItem>
 </file>
 
+<file path=customXml/itemProps3.xml><?xml version="1.0" encoding="utf-8"?>
+<ds:datastoreItem xmlns:ds="http://schemas.openxmlformats.org/officeDocument/2006/customXml" ds:itemID="{659AFC57-EF78-4135-9503-D857AFA49F8B}">
+  <ds:schemaRefs>
+    <ds:schemaRef ds:uri="f2ad5090-61a8-4b8c-ab70-68f4ff4d1933"/>
+    <ds:schemaRef ds:uri="http://purl.org/dc/dcmitype/"/>
+    <ds:schemaRef ds:uri="http://www.w3.org/XML/1998/namespace"/>
+    <ds:schemaRef ds:uri="http://schemas.openxmlformats.org/package/2006/metadata/core-properties"/>
+    <ds:schemaRef ds:uri="http://schemas.microsoft.com/office/2006/documentManagement/types"/>
+    <ds:schemaRef ds:uri="http://purl.org/dc/terms/"/>
+    <ds:schemaRef ds:uri="http://schemas.microsoft.com/office/infopath/2007/PartnerControls"/>
+    <ds:schemaRef ds:uri="http://schemas.microsoft.com/office/2006/metadata/properties"/>
+    <ds:schemaRef ds:uri="http://purl.org/dc/elements/1.1/"/>
+  </ds:schemaRefs>
+</ds:datastoreItem>
+</file>
+
 <file path=customXml/itemProps4.xml><?xml version="1.0" encoding="utf-8"?>
-<ds:datastoreItem xmlns:ds="http://schemas.openxmlformats.org/officeDocument/2006/customXml" ds:itemID="{75E05AB7-3B6A-492F-8FD0-7267B59BB88B}">
+<ds:datastoreItem xmlns:ds="http://schemas.openxmlformats.org/officeDocument/2006/customXml" ds:itemID="{007E157F-F4C7-4050-8D49-55DB8D1A3AC8}">
   <ds:schemaRefs>
-    <ds:schemaRef ds:uri="http://schemas.microsoft.com/sharepoint/events"/>
+    <ds:schemaRef ds:uri="http://schemas.microsoft.com/sharepoint/v3/contenttype/forms"/>
   </ds:schemaRefs>
 </ds:datastoreItem>
 </file>